--- a/doc/advanced/slides/lesson_11.pptx
+++ b/doc/advanced/slides/lesson_11.pptx
@@ -211,7 +211,7 @@
           <a:p>
             <a:fld id="{060F4727-23A3-441E-BA41-9534DD80814F}" type="datetimeFigureOut">
               <a:rPr lang="en-US" smtClean="0"/>
-              <a:t>24-Oct-18</a:t>
+              <a:t>25-Oct-18</a:t>
             </a:fld>
             <a:endParaRPr lang="en-US"/>
           </a:p>
@@ -542,6 +542,90 @@
           <a:bodyPr/>
           <a:lstStyle/>
           <a:p>
+            <a:fld id="{11ADBA3B-C92D-4CFA-B969-3AFAA1A6C2A1}" type="slidenum">
+              <a:rPr lang="en-US" smtClean="0"/>
+              <a:t>12</a:t>
+            </a:fld>
+            <a:endParaRPr lang="en-US"/>
+          </a:p>
+        </p:txBody>
+      </p:sp>
+    </p:spTree>
+    <p:extLst>
+      <p:ext uri="{BB962C8B-B14F-4D97-AF65-F5344CB8AC3E}">
+        <p14:creationId xmlns:p14="http://schemas.microsoft.com/office/powerpoint/2010/main" val="3174802632"/>
+      </p:ext>
+    </p:extLst>
+  </p:cSld>
+  <p:clrMapOvr>
+    <a:masterClrMapping/>
+  </p:clrMapOvr>
+</p:notes>
+</file>
+
+<file path=ppt/notesSlides/notesSlide2.xml><?xml version="1.0" encoding="utf-8"?>
+<p:notes xmlns:a="http://schemas.openxmlformats.org/drawingml/2006/main" xmlns:r="http://schemas.openxmlformats.org/officeDocument/2006/relationships" xmlns:p="http://schemas.openxmlformats.org/presentationml/2006/main">
+  <p:cSld>
+    <p:spTree>
+      <p:nvGrpSpPr>
+        <p:cNvPr id="1" name=""/>
+        <p:cNvGrpSpPr/>
+        <p:nvPr/>
+      </p:nvGrpSpPr>
+      <p:grpSpPr>
+        <a:xfrm>
+          <a:off x="0" y="0"/>
+          <a:ext cx="0" cy="0"/>
+          <a:chOff x="0" y="0"/>
+          <a:chExt cx="0" cy="0"/>
+        </a:xfrm>
+      </p:grpSpPr>
+      <p:sp>
+        <p:nvSpPr>
+          <p:cNvPr id="2" name="Slide Image Placeholder 1"/>
+          <p:cNvSpPr>
+            <a:spLocks noGrp="1" noRot="1" noChangeAspect="1"/>
+          </p:cNvSpPr>
+          <p:nvPr>
+            <p:ph type="sldImg"/>
+          </p:nvPr>
+        </p:nvSpPr>
+        <p:spPr/>
+      </p:sp>
+      <p:sp>
+        <p:nvSpPr>
+          <p:cNvPr id="3" name="Notes Placeholder 2"/>
+          <p:cNvSpPr>
+            <a:spLocks noGrp="1"/>
+          </p:cNvSpPr>
+          <p:nvPr>
+            <p:ph type="body" idx="1"/>
+          </p:nvPr>
+        </p:nvSpPr>
+        <p:spPr/>
+        <p:txBody>
+          <a:bodyPr/>
+          <a:lstStyle/>
+          <a:p>
+            <a:endParaRPr lang="en-US" dirty="0"/>
+          </a:p>
+        </p:txBody>
+      </p:sp>
+      <p:sp>
+        <p:nvSpPr>
+          <p:cNvPr id="4" name="Slide Number Placeholder 3"/>
+          <p:cNvSpPr>
+            <a:spLocks noGrp="1"/>
+          </p:cNvSpPr>
+          <p:nvPr>
+            <p:ph type="sldNum" sz="quarter" idx="10"/>
+          </p:nvPr>
+        </p:nvSpPr>
+        <p:spPr/>
+        <p:txBody>
+          <a:bodyPr/>
+          <a:lstStyle/>
+          <a:p>
             <a:pPr marL="0" marR="0" lvl="0" indent="0" algn="r" defTabSz="914400" rtl="0" eaLnBrk="1" fontAlgn="auto" latinLnBrk="0" hangingPunct="1">
               <a:lnSpc>
                 <a:spcPct val="100000"/>
@@ -754,7 +838,7 @@
           <a:p>
             <a:fld id="{6D7D1AC5-EDA8-4631-9228-9906422CEF8D}" type="datetimeFigureOut">
               <a:rPr lang="en-US" smtClean="0"/>
-              <a:t>24-Oct-18</a:t>
+              <a:t>25-Oct-18</a:t>
             </a:fld>
             <a:endParaRPr lang="en-US"/>
           </a:p>
@@ -924,7 +1008,7 @@
           <a:p>
             <a:fld id="{6D7D1AC5-EDA8-4631-9228-9906422CEF8D}" type="datetimeFigureOut">
               <a:rPr lang="en-US" smtClean="0"/>
-              <a:t>24-Oct-18</a:t>
+              <a:t>25-Oct-18</a:t>
             </a:fld>
             <a:endParaRPr lang="en-US"/>
           </a:p>
@@ -1104,7 +1188,7 @@
           <a:p>
             <a:fld id="{6D7D1AC5-EDA8-4631-9228-9906422CEF8D}" type="datetimeFigureOut">
               <a:rPr lang="en-US" smtClean="0"/>
-              <a:t>24-Oct-18</a:t>
+              <a:t>25-Oct-18</a:t>
             </a:fld>
             <a:endParaRPr lang="en-US"/>
           </a:p>
@@ -1345,7 +1429,7 @@
                 <a:tabLst/>
                 <a:defRPr/>
               </a:pPr>
-              <a:t>24-Oct-18</a:t>
+              <a:t>25-Oct-18</a:t>
             </a:fld>
             <a:endParaRPr kumimoji="0" lang="en-US" sz="1200" b="0" i="0" u="none" strike="noStrike" kern="1200" cap="none" spc="0" normalizeH="0" baseline="0" noProof="0">
               <a:ln>
@@ -1686,7 +1770,7 @@
                 <a:tabLst/>
                 <a:defRPr/>
               </a:pPr>
-              <a:t>24-Oct-18</a:t>
+              <a:t>25-Oct-18</a:t>
             </a:fld>
             <a:endParaRPr kumimoji="0" lang="en-US" sz="1200" b="0" i="0" u="none" strike="noStrike" kern="1200" cap="none" spc="0" normalizeH="0" baseline="0" noProof="0">
               <a:ln>
@@ -2092,7 +2176,7 @@
                 <a:tabLst/>
                 <a:defRPr/>
               </a:pPr>
-              <a:t>24-Oct-18</a:t>
+              <a:t>25-Oct-18</a:t>
             </a:fld>
             <a:endParaRPr kumimoji="0" lang="en-US" sz="1200" b="0" i="0" u="none" strike="noStrike" kern="1200" cap="none" spc="0" normalizeH="0" baseline="0" noProof="0">
               <a:ln>
@@ -2484,7 +2568,7 @@
                 <a:tabLst/>
                 <a:defRPr/>
               </a:pPr>
-              <a:t>24-Oct-18</a:t>
+              <a:t>25-Oct-18</a:t>
             </a:fld>
             <a:endParaRPr kumimoji="0" lang="en-US" sz="1200" b="0" i="0" u="none" strike="noStrike" kern="1200" cap="none" spc="0" normalizeH="0" baseline="0" noProof="0">
               <a:ln>
@@ -3011,7 +3095,7 @@
                 <a:tabLst/>
                 <a:defRPr/>
               </a:pPr>
-              <a:t>24-Oct-18</a:t>
+              <a:t>25-Oct-18</a:t>
             </a:fld>
             <a:endParaRPr kumimoji="0" lang="en-US" sz="1200" b="0" i="0" u="none" strike="noStrike" kern="1200" cap="none" spc="0" normalizeH="0" baseline="0" noProof="0">
               <a:ln>
@@ -3289,7 +3373,7 @@
                 <a:tabLst/>
                 <a:defRPr/>
               </a:pPr>
-              <a:t>24-Oct-18</a:t>
+              <a:t>25-Oct-18</a:t>
             </a:fld>
             <a:endParaRPr kumimoji="0" lang="en-US" sz="1200" b="0" i="0" u="none" strike="noStrike" kern="1200" cap="none" spc="0" normalizeH="0" baseline="0" noProof="0">
               <a:ln>
@@ -3544,7 +3628,7 @@
                 <a:tabLst/>
                 <a:defRPr/>
               </a:pPr>
-              <a:t>24-Oct-18</a:t>
+              <a:t>25-Oct-18</a:t>
             </a:fld>
             <a:endParaRPr kumimoji="0" lang="en-US" sz="1200" b="0" i="0" u="none" strike="noStrike" kern="1200" cap="none" spc="0" normalizeH="0" baseline="0" noProof="0">
               <a:ln>
@@ -3981,7 +4065,7 @@
                 <a:tabLst/>
                 <a:defRPr/>
               </a:pPr>
-              <a:t>24-Oct-18</a:t>
+              <a:t>25-Oct-18</a:t>
             </a:fld>
             <a:endParaRPr kumimoji="0" lang="en-US" sz="1200" b="0" i="0" u="none" strike="noStrike" kern="1200" cap="none" spc="0" normalizeH="0" baseline="0" noProof="0">
               <a:ln>
@@ -4296,7 +4380,7 @@
           <a:p>
             <a:fld id="{6D7D1AC5-EDA8-4631-9228-9906422CEF8D}" type="datetimeFigureOut">
               <a:rPr lang="en-US" smtClean="0"/>
-              <a:t>24-Oct-18</a:t>
+              <a:t>25-Oct-18</a:t>
             </a:fld>
             <a:endParaRPr lang="en-US"/>
           </a:p>
@@ -4598,7 +4682,7 @@
                 <a:tabLst/>
                 <a:defRPr/>
               </a:pPr>
-              <a:t>24-Oct-18</a:t>
+              <a:t>25-Oct-18</a:t>
             </a:fld>
             <a:endParaRPr kumimoji="0" lang="en-US" sz="1200" b="0" i="0" u="none" strike="noStrike" kern="1200" cap="none" spc="0" normalizeH="0" baseline="0" noProof="0">
               <a:ln>
@@ -4928,7 +5012,7 @@
                 <a:tabLst/>
                 <a:defRPr/>
               </a:pPr>
-              <a:t>24-Oct-18</a:t>
+              <a:t>25-Oct-18</a:t>
             </a:fld>
             <a:endParaRPr kumimoji="0" lang="en-US" sz="1200" b="0" i="0" u="none" strike="noStrike" kern="1200" cap="none" spc="0" normalizeH="0" baseline="0" noProof="0">
               <a:ln>
@@ -5268,7 +5352,7 @@
                 <a:tabLst/>
                 <a:defRPr/>
               </a:pPr>
-              <a:t>24-Oct-18</a:t>
+              <a:t>25-Oct-18</a:t>
             </a:fld>
             <a:endParaRPr kumimoji="0" lang="en-US" sz="1200" b="0" i="0" u="none" strike="noStrike" kern="1200" cap="none" spc="0" normalizeH="0" baseline="0" noProof="0">
               <a:ln>
@@ -5620,7 +5704,7 @@
                 <a:tabLst/>
                 <a:defRPr/>
               </a:pPr>
-              <a:t>24-Oct-18</a:t>
+              <a:t>25-Oct-18</a:t>
             </a:fld>
             <a:endParaRPr kumimoji="0" lang="en-US" sz="1200" b="0" i="0" u="none" strike="noStrike" kern="1200" cap="none" spc="0" normalizeH="0" baseline="0" noProof="0">
               <a:ln>
@@ -5961,7 +6045,7 @@
                 <a:tabLst/>
                 <a:defRPr/>
               </a:pPr>
-              <a:t>24-Oct-18</a:t>
+              <a:t>25-Oct-18</a:t>
             </a:fld>
             <a:endParaRPr kumimoji="0" lang="en-US" sz="1200" b="0" i="0" u="none" strike="noStrike" kern="1200" cap="none" spc="0" normalizeH="0" baseline="0" noProof="0">
               <a:ln>
@@ -6367,7 +6451,7 @@
                 <a:tabLst/>
                 <a:defRPr/>
               </a:pPr>
-              <a:t>24-Oct-18</a:t>
+              <a:t>25-Oct-18</a:t>
             </a:fld>
             <a:endParaRPr kumimoji="0" lang="en-US" sz="1200" b="0" i="0" u="none" strike="noStrike" kern="1200" cap="none" spc="0" normalizeH="0" baseline="0" noProof="0">
               <a:ln>
@@ -6759,7 +6843,7 @@
                 <a:tabLst/>
                 <a:defRPr/>
               </a:pPr>
-              <a:t>24-Oct-18</a:t>
+              <a:t>25-Oct-18</a:t>
             </a:fld>
             <a:endParaRPr kumimoji="0" lang="en-US" sz="1200" b="0" i="0" u="none" strike="noStrike" kern="1200" cap="none" spc="0" normalizeH="0" baseline="0" noProof="0">
               <a:ln>
@@ -7286,7 +7370,7 @@
                 <a:tabLst/>
                 <a:defRPr/>
               </a:pPr>
-              <a:t>24-Oct-18</a:t>
+              <a:t>25-Oct-18</a:t>
             </a:fld>
             <a:endParaRPr kumimoji="0" lang="en-US" sz="1200" b="0" i="0" u="none" strike="noStrike" kern="1200" cap="none" spc="0" normalizeH="0" baseline="0" noProof="0">
               <a:ln>
@@ -7564,7 +7648,7 @@
                 <a:tabLst/>
                 <a:defRPr/>
               </a:pPr>
-              <a:t>24-Oct-18</a:t>
+              <a:t>25-Oct-18</a:t>
             </a:fld>
             <a:endParaRPr kumimoji="0" lang="en-US" sz="1200" b="0" i="0" u="none" strike="noStrike" kern="1200" cap="none" spc="0" normalizeH="0" baseline="0" noProof="0">
               <a:ln>
@@ -7819,7 +7903,7 @@
                 <a:tabLst/>
                 <a:defRPr/>
               </a:pPr>
-              <a:t>24-Oct-18</a:t>
+              <a:t>25-Oct-18</a:t>
             </a:fld>
             <a:endParaRPr kumimoji="0" lang="en-US" sz="1200" b="0" i="0" u="none" strike="noStrike" kern="1200" cap="none" spc="0" normalizeH="0" baseline="0" noProof="0">
               <a:ln>
@@ -8176,7 +8260,7 @@
           <a:p>
             <a:fld id="{6D7D1AC5-EDA8-4631-9228-9906422CEF8D}" type="datetimeFigureOut">
               <a:rPr lang="en-US" smtClean="0"/>
-              <a:t>24-Oct-18</a:t>
+              <a:t>25-Oct-18</a:t>
             </a:fld>
             <a:endParaRPr lang="en-US"/>
           </a:p>
@@ -8502,7 +8586,7 @@
                 <a:tabLst/>
                 <a:defRPr/>
               </a:pPr>
-              <a:t>24-Oct-18</a:t>
+              <a:t>25-Oct-18</a:t>
             </a:fld>
             <a:endParaRPr kumimoji="0" lang="en-US" sz="1200" b="0" i="0" u="none" strike="noStrike" kern="1200" cap="none" spc="0" normalizeH="0" baseline="0" noProof="0">
               <a:ln>
@@ -8915,7 +8999,7 @@
                 <a:tabLst/>
                 <a:defRPr/>
               </a:pPr>
-              <a:t>24-Oct-18</a:t>
+              <a:t>25-Oct-18</a:t>
             </a:fld>
             <a:endParaRPr kumimoji="0" lang="en-US" sz="1200" b="0" i="0" u="none" strike="noStrike" kern="1200" cap="none" spc="0" normalizeH="0" baseline="0" noProof="0">
               <a:ln>
@@ -9245,7 +9329,7 @@
                 <a:tabLst/>
                 <a:defRPr/>
               </a:pPr>
-              <a:t>24-Oct-18</a:t>
+              <a:t>25-Oct-18</a:t>
             </a:fld>
             <a:endParaRPr kumimoji="0" lang="en-US" sz="1200" b="0" i="0" u="none" strike="noStrike" kern="1200" cap="none" spc="0" normalizeH="0" baseline="0" noProof="0">
               <a:ln>
@@ -9585,7 +9669,7 @@
                 <a:tabLst/>
                 <a:defRPr/>
               </a:pPr>
-              <a:t>24-Oct-18</a:t>
+              <a:t>25-Oct-18</a:t>
             </a:fld>
             <a:endParaRPr kumimoji="0" lang="en-US" sz="1200" b="0" i="0" u="none" strike="noStrike" kern="1200" cap="none" spc="0" normalizeH="0" baseline="0" noProof="0">
               <a:ln>
@@ -9928,7 +10012,7 @@
           <a:p>
             <a:fld id="{6D7D1AC5-EDA8-4631-9228-9906422CEF8D}" type="datetimeFigureOut">
               <a:rPr lang="en-US" smtClean="0"/>
-              <a:t>24-Oct-18</a:t>
+              <a:t>25-Oct-18</a:t>
             </a:fld>
             <a:endParaRPr lang="en-US"/>
           </a:p>
@@ -10295,7 +10379,7 @@
           <a:p>
             <a:fld id="{6D7D1AC5-EDA8-4631-9228-9906422CEF8D}" type="datetimeFigureOut">
               <a:rPr lang="en-US" smtClean="0"/>
-              <a:t>24-Oct-18</a:t>
+              <a:t>25-Oct-18</a:t>
             </a:fld>
             <a:endParaRPr lang="en-US"/>
           </a:p>
@@ -10413,7 +10497,7 @@
           <a:p>
             <a:fld id="{6D7D1AC5-EDA8-4631-9228-9906422CEF8D}" type="datetimeFigureOut">
               <a:rPr lang="en-US" smtClean="0"/>
-              <a:t>24-Oct-18</a:t>
+              <a:t>25-Oct-18</a:t>
             </a:fld>
             <a:endParaRPr lang="en-US"/>
           </a:p>
@@ -10508,7 +10592,7 @@
           <a:p>
             <a:fld id="{6D7D1AC5-EDA8-4631-9228-9906422CEF8D}" type="datetimeFigureOut">
               <a:rPr lang="en-US" smtClean="0"/>
-              <a:t>24-Oct-18</a:t>
+              <a:t>25-Oct-18</a:t>
             </a:fld>
             <a:endParaRPr lang="en-US"/>
           </a:p>
@@ -10785,7 +10869,7 @@
           <a:p>
             <a:fld id="{6D7D1AC5-EDA8-4631-9228-9906422CEF8D}" type="datetimeFigureOut">
               <a:rPr lang="en-US" smtClean="0"/>
-              <a:t>24-Oct-18</a:t>
+              <a:t>25-Oct-18</a:t>
             </a:fld>
             <a:endParaRPr lang="en-US"/>
           </a:p>
@@ -11038,7 +11122,7 @@
           <a:p>
             <a:fld id="{6D7D1AC5-EDA8-4631-9228-9906422CEF8D}" type="datetimeFigureOut">
               <a:rPr lang="en-US" smtClean="0"/>
-              <a:t>24-Oct-18</a:t>
+              <a:t>25-Oct-18</a:t>
             </a:fld>
             <a:endParaRPr lang="en-US"/>
           </a:p>
@@ -11251,7 +11335,7 @@
           <a:p>
             <a:fld id="{6D7D1AC5-EDA8-4631-9228-9906422CEF8D}" type="datetimeFigureOut">
               <a:rPr lang="en-US" smtClean="0"/>
-              <a:t>24-Oct-18</a:t>
+              <a:t>25-Oct-18</a:t>
             </a:fld>
             <a:endParaRPr lang="en-US"/>
           </a:p>
@@ -11840,7 +11924,7 @@
                 <a:tabLst/>
                 <a:defRPr/>
               </a:pPr>
-              <a:t>24-Oct-18</a:t>
+              <a:t>25-Oct-18</a:t>
             </a:fld>
             <a:endParaRPr kumimoji="0" lang="en-US" sz="1200" b="0" i="0" u="none" strike="noStrike" kern="1200" cap="none" spc="0" normalizeH="0" baseline="0" noProof="0">
               <a:ln>
@@ -12540,7 +12624,7 @@
                 <a:tabLst/>
                 <a:defRPr/>
               </a:pPr>
-              <a:t>24-Oct-18</a:t>
+              <a:t>25-Oct-18</a:t>
             </a:fld>
             <a:endParaRPr kumimoji="0" lang="en-US" sz="1200" b="0" i="0" u="none" strike="noStrike" kern="1200" cap="none" spc="0" normalizeH="0" baseline="0" noProof="0">
               <a:ln>
@@ -13423,11 +13507,7 @@
             </a:r>
             <a:r>
               <a:rPr lang="en-US" dirty="0" smtClean="0"/>
-              <a:t>: Distributed </a:t>
-            </a:r>
-            <a:r>
-              <a:rPr lang="en-US" dirty="0" smtClean="0"/>
-              <a:t>Session</a:t>
+              <a:t>: Distributed Session</a:t>
             </a:r>
             <a:endParaRPr lang="en-US" dirty="0"/>
           </a:p>
@@ -13579,42 +13659,116 @@
       </p:grpSpPr>
       <p:sp>
         <p:nvSpPr>
-          <p:cNvPr id="2" name="Title 1"/>
-          <p:cNvSpPr>
-            <a:spLocks noGrp="1"/>
-          </p:cNvSpPr>
-          <p:nvPr>
-            <p:ph type="title"/>
-          </p:nvPr>
-        </p:nvSpPr>
-        <p:spPr/>
+          <p:cNvPr id="3" name="Content Placeholder 2"/>
+          <p:cNvSpPr>
+            <a:spLocks noGrp="1"/>
+          </p:cNvSpPr>
+          <p:nvPr>
+            <p:ph idx="1"/>
+          </p:nvPr>
+        </p:nvSpPr>
+        <p:spPr>
+          <a:xfrm>
+            <a:off x="7728065" y="515405"/>
+            <a:ext cx="4463935" cy="6342595"/>
+          </a:xfrm>
+        </p:spPr>
         <p:txBody>
           <a:bodyPr/>
           <a:lstStyle/>
           <a:p>
-            <a:endParaRPr lang="en-US"/>
-          </a:p>
-        </p:txBody>
-      </p:sp>
-      <p:sp>
-        <p:nvSpPr>
-          <p:cNvPr id="3" name="Content Placeholder 2"/>
-          <p:cNvSpPr>
-            <a:spLocks noGrp="1"/>
-          </p:cNvSpPr>
-          <p:nvPr>
-            <p:ph idx="1"/>
-          </p:nvPr>
-        </p:nvSpPr>
-        <p:spPr/>
-        <p:txBody>
-          <a:bodyPr/>
-          <a:lstStyle/>
-          <a:p>
-            <a:endParaRPr lang="en-US"/>
-          </a:p>
-        </p:txBody>
-      </p:sp>
+            <a:r>
+              <a:rPr lang="en-US" dirty="0" smtClean="0"/>
+              <a:t>User first gets token from </a:t>
+            </a:r>
+            <a:r>
+              <a:rPr lang="en-US" dirty="0" err="1" smtClean="0"/>
+              <a:t>Auth</a:t>
+            </a:r>
+            <a:r>
+              <a:rPr lang="en-US" dirty="0" smtClean="0"/>
+              <a:t> (via </a:t>
+            </a:r>
+            <a:r>
+              <a:rPr lang="en-US" i="1" dirty="0" smtClean="0"/>
+              <a:t>Set-Cookie</a:t>
+            </a:r>
+            <a:r>
+              <a:rPr lang="en-US" dirty="0" smtClean="0"/>
+              <a:t>)</a:t>
+            </a:r>
+          </a:p>
+          <a:p>
+            <a:r>
+              <a:rPr lang="en-US" dirty="0" smtClean="0"/>
+              <a:t>Added at each request with </a:t>
+            </a:r>
+            <a:r>
+              <a:rPr lang="en-US" i="1" dirty="0" smtClean="0"/>
+              <a:t>Cookie</a:t>
+            </a:r>
+          </a:p>
+          <a:p>
+            <a:r>
+              <a:rPr lang="en-US" dirty="0" smtClean="0"/>
+              <a:t>At each request, services checking with </a:t>
+            </a:r>
+            <a:r>
+              <a:rPr lang="en-US" i="1" dirty="0" err="1" smtClean="0"/>
+              <a:t>Redis</a:t>
+            </a:r>
+            <a:r>
+              <a:rPr lang="en-US" dirty="0" smtClean="0"/>
+              <a:t> </a:t>
+            </a:r>
+          </a:p>
+          <a:p>
+            <a:r>
+              <a:rPr lang="en-US" i="1" dirty="0" err="1" smtClean="0"/>
+              <a:t>Redis</a:t>
+            </a:r>
+            <a:r>
+              <a:rPr lang="en-US" dirty="0" smtClean="0"/>
+              <a:t> must be fast</a:t>
+            </a:r>
+            <a:r>
+              <a:rPr lang="en-US" dirty="0" smtClean="0"/>
+              <a:t> </a:t>
+            </a:r>
+            <a:endParaRPr lang="en-US" dirty="0"/>
+          </a:p>
+        </p:txBody>
+      </p:sp>
+      <p:pic>
+        <p:nvPicPr>
+          <p:cNvPr id="4" name="Picture 3"/>
+          <p:cNvPicPr>
+            <a:picLocks noChangeAspect="1"/>
+          </p:cNvPicPr>
+          <p:nvPr/>
+        </p:nvPicPr>
+        <p:blipFill>
+          <a:blip r:embed="rId3">
+            <a:extLst>
+              <a:ext uri="{28A0092B-C50C-407E-A947-70E740481C1C}">
+                <a14:useLocalDpi xmlns:a14="http://schemas.microsoft.com/office/drawing/2010/main" val="0"/>
+              </a:ext>
+            </a:extLst>
+          </a:blip>
+          <a:stretch>
+            <a:fillRect/>
+          </a:stretch>
+        </p:blipFill>
+        <p:spPr>
+          <a:xfrm>
+            <a:off x="154911" y="0"/>
+            <a:ext cx="7293293" cy="6741606"/>
+          </a:xfrm>
+          <a:prstGeom prst="rect">
+            <a:avLst/>
+          </a:prstGeom>
+        </p:spPr>
+      </p:pic>
     </p:spTree>
     <p:extLst>
       <p:ext uri="{BB962C8B-B14F-4D97-AF65-F5344CB8AC3E}">
@@ -14120,7 +14274,15 @@
           <a:p>
             <a:r>
               <a:rPr lang="en-US" dirty="0" smtClean="0"/>
-              <a:t>Need a way to tell that sequence of HTTP/S calls come from same user</a:t>
+              <a:t>Need a way to tell that sequence of HTTP/S calls </a:t>
+            </a:r>
+            <a:r>
+              <a:rPr lang="en-US" dirty="0" smtClean="0"/>
+              <a:t>comes </a:t>
+            </a:r>
+            <a:r>
+              <a:rPr lang="en-US" dirty="0" smtClean="0"/>
+              <a:t>from same user</a:t>
             </a:r>
           </a:p>
           <a:p>

--- a/doc/advanced/slides/lesson_11.pptx
+++ b/doc/advanced/slides/lesson_11.pptx
@@ -7,22 +7,19 @@
     <p:sldMasterId id="2147483672" r:id="rId3"/>
   </p:sldMasterIdLst>
   <p:notesMasterIdLst>
-    <p:notesMasterId r:id="rId17"/>
+    <p:notesMasterId r:id="rId14"/>
   </p:notesMasterIdLst>
   <p:sldIdLst>
     <p:sldId id="307" r:id="rId4"/>
     <p:sldId id="308" r:id="rId5"/>
-    <p:sldId id="314" r:id="rId6"/>
-    <p:sldId id="315" r:id="rId7"/>
+    <p:sldId id="315" r:id="rId6"/>
+    <p:sldId id="314" r:id="rId7"/>
     <p:sldId id="316" r:id="rId8"/>
     <p:sldId id="317" r:id="rId9"/>
     <p:sldId id="318" r:id="rId10"/>
     <p:sldId id="319" r:id="rId11"/>
     <p:sldId id="320" r:id="rId12"/>
-    <p:sldId id="321" r:id="rId13"/>
-    <p:sldId id="322" r:id="rId14"/>
-    <p:sldId id="323" r:id="rId15"/>
-    <p:sldId id="313" r:id="rId16"/>
+    <p:sldId id="313" r:id="rId13"/>
   </p:sldIdLst>
   <p:sldSz cx="12192000" cy="6858000"/>
   <p:notesSz cx="6858000" cy="9144000"/>
@@ -129,6 +126,18 @@
 </p:presentation>
 </file>
 
+<file path=ppt/commentAuthors.xml><?xml version="1.0" encoding="utf-8"?>
+<p:cmAuthorLst xmlns:a="http://schemas.openxmlformats.org/drawingml/2006/main" xmlns:r="http://schemas.openxmlformats.org/officeDocument/2006/relationships" xmlns:p="http://schemas.openxmlformats.org/presentationml/2006/main">
+  <p:cmAuthor id="1" name="arcuri82@gmail.com" initials="a" lastIdx="0" clrIdx="0">
+    <p:extLst>
+      <p:ext uri="{19B8F6BF-5375-455C-9EA6-DF929625EA0E}">
+        <p15:presenceInfo xmlns:p15="http://schemas.microsoft.com/office/powerpoint/2012/main" userId="4d3c0879d955390a" providerId="Windows Live"/>
+      </p:ext>
+    </p:extLst>
+  </p:cmAuthor>
+</p:cmAuthorLst>
+</file>
+
 <file path=ppt/notesMasters/notesMaster1.xml><?xml version="1.0" encoding="utf-8"?>
 <p:notesMaster xmlns:a="http://schemas.openxmlformats.org/drawingml/2006/main" xmlns:r="http://schemas.openxmlformats.org/officeDocument/2006/relationships" xmlns:p="http://schemas.openxmlformats.org/presentationml/2006/main">
   <p:cSld>
@@ -211,7 +220,7 @@
           <a:p>
             <a:fld id="{060F4727-23A3-441E-BA41-9534DD80814F}" type="datetimeFigureOut">
               <a:rPr lang="en-US" smtClean="0"/>
-              <a:t>25-Oct-18</a:t>
+              <a:t>8/4/19</a:t>
             </a:fld>
             <a:endParaRPr lang="en-US"/>
           </a:p>
@@ -275,38 +284,37 @@
           <a:p>
             <a:pPr lvl="0"/>
             <a:r>
-              <a:rPr lang="en-US" smtClean="0"/>
+              <a:rPr lang="en-US"/>
               <a:t>Edit Master text styles</a:t>
             </a:r>
           </a:p>
           <a:p>
             <a:pPr lvl="1"/>
             <a:r>
-              <a:rPr lang="en-US" smtClean="0"/>
+              <a:rPr lang="en-US"/>
               <a:t>Second level</a:t>
             </a:r>
           </a:p>
           <a:p>
             <a:pPr lvl="2"/>
             <a:r>
-              <a:rPr lang="en-US" smtClean="0"/>
+              <a:rPr lang="en-US"/>
               <a:t>Third level</a:t>
             </a:r>
           </a:p>
           <a:p>
             <a:pPr lvl="3"/>
             <a:r>
-              <a:rPr lang="en-US" smtClean="0"/>
+              <a:rPr lang="en-US"/>
               <a:t>Fourth level</a:t>
             </a:r>
           </a:p>
           <a:p>
             <a:pPr lvl="4"/>
             <a:r>
-              <a:rPr lang="en-US" smtClean="0"/>
+              <a:rPr lang="en-US"/>
               <a:t>Fifth level</a:t>
             </a:r>
-            <a:endParaRPr lang="en-US"/>
           </a:p>
         </p:txBody>
       </p:sp>
@@ -544,7 +552,7 @@
           <a:p>
             <a:fld id="{11ADBA3B-C92D-4CFA-B969-3AFAA1A6C2A1}" type="slidenum">
               <a:rPr lang="en-US" smtClean="0"/>
-              <a:t>12</a:t>
+              <a:t>6</a:t>
             </a:fld>
             <a:endParaRPr lang="en-US"/>
           </a:p>
@@ -553,7 +561,7 @@
     </p:spTree>
     <p:extLst>
       <p:ext uri="{BB962C8B-B14F-4D97-AF65-F5344CB8AC3E}">
-        <p14:creationId xmlns:p14="http://schemas.microsoft.com/office/powerpoint/2010/main" val="3174802632"/>
+        <p14:creationId xmlns:p14="http://schemas.microsoft.com/office/powerpoint/2010/main" val="4038982695"/>
       </p:ext>
     </p:extLst>
   </p:cSld>
@@ -564,6 +572,174 @@
 </file>
 
 <file path=ppt/notesSlides/notesSlide2.xml><?xml version="1.0" encoding="utf-8"?>
+<p:notes xmlns:a="http://schemas.openxmlformats.org/drawingml/2006/main" xmlns:r="http://schemas.openxmlformats.org/officeDocument/2006/relationships" xmlns:p="http://schemas.openxmlformats.org/presentationml/2006/main">
+  <p:cSld>
+    <p:spTree>
+      <p:nvGrpSpPr>
+        <p:cNvPr id="1" name=""/>
+        <p:cNvGrpSpPr/>
+        <p:nvPr/>
+      </p:nvGrpSpPr>
+      <p:grpSpPr>
+        <a:xfrm>
+          <a:off x="0" y="0"/>
+          <a:ext cx="0" cy="0"/>
+          <a:chOff x="0" y="0"/>
+          <a:chExt cx="0" cy="0"/>
+        </a:xfrm>
+      </p:grpSpPr>
+      <p:sp>
+        <p:nvSpPr>
+          <p:cNvPr id="2" name="Slide Image Placeholder 1"/>
+          <p:cNvSpPr>
+            <a:spLocks noGrp="1" noRot="1" noChangeAspect="1"/>
+          </p:cNvSpPr>
+          <p:nvPr>
+            <p:ph type="sldImg"/>
+          </p:nvPr>
+        </p:nvSpPr>
+        <p:spPr/>
+      </p:sp>
+      <p:sp>
+        <p:nvSpPr>
+          <p:cNvPr id="3" name="Notes Placeholder 2"/>
+          <p:cNvSpPr>
+            <a:spLocks noGrp="1"/>
+          </p:cNvSpPr>
+          <p:nvPr>
+            <p:ph type="body" idx="1"/>
+          </p:nvPr>
+        </p:nvSpPr>
+        <p:spPr/>
+        <p:txBody>
+          <a:bodyPr/>
+          <a:lstStyle/>
+          <a:p>
+            <a:endParaRPr lang="en-US" dirty="0"/>
+          </a:p>
+        </p:txBody>
+      </p:sp>
+      <p:sp>
+        <p:nvSpPr>
+          <p:cNvPr id="4" name="Slide Number Placeholder 3"/>
+          <p:cNvSpPr>
+            <a:spLocks noGrp="1"/>
+          </p:cNvSpPr>
+          <p:nvPr>
+            <p:ph type="sldNum" sz="quarter" idx="10"/>
+          </p:nvPr>
+        </p:nvSpPr>
+        <p:spPr/>
+        <p:txBody>
+          <a:bodyPr/>
+          <a:lstStyle/>
+          <a:p>
+            <a:fld id="{11ADBA3B-C92D-4CFA-B969-3AFAA1A6C2A1}" type="slidenum">
+              <a:rPr lang="en-US" smtClean="0"/>
+              <a:t>7</a:t>
+            </a:fld>
+            <a:endParaRPr lang="en-US"/>
+          </a:p>
+        </p:txBody>
+      </p:sp>
+    </p:spTree>
+    <p:extLst>
+      <p:ext uri="{BB962C8B-B14F-4D97-AF65-F5344CB8AC3E}">
+        <p14:creationId xmlns:p14="http://schemas.microsoft.com/office/powerpoint/2010/main" val="3893447882"/>
+      </p:ext>
+    </p:extLst>
+  </p:cSld>
+  <p:clrMapOvr>
+    <a:masterClrMapping/>
+  </p:clrMapOvr>
+</p:notes>
+</file>
+
+<file path=ppt/notesSlides/notesSlide3.xml><?xml version="1.0" encoding="utf-8"?>
+<p:notes xmlns:a="http://schemas.openxmlformats.org/drawingml/2006/main" xmlns:r="http://schemas.openxmlformats.org/officeDocument/2006/relationships" xmlns:p="http://schemas.openxmlformats.org/presentationml/2006/main">
+  <p:cSld>
+    <p:spTree>
+      <p:nvGrpSpPr>
+        <p:cNvPr id="1" name=""/>
+        <p:cNvGrpSpPr/>
+        <p:nvPr/>
+      </p:nvGrpSpPr>
+      <p:grpSpPr>
+        <a:xfrm>
+          <a:off x="0" y="0"/>
+          <a:ext cx="0" cy="0"/>
+          <a:chOff x="0" y="0"/>
+          <a:chExt cx="0" cy="0"/>
+        </a:xfrm>
+      </p:grpSpPr>
+      <p:sp>
+        <p:nvSpPr>
+          <p:cNvPr id="2" name="Slide Image Placeholder 1"/>
+          <p:cNvSpPr>
+            <a:spLocks noGrp="1" noRot="1" noChangeAspect="1"/>
+          </p:cNvSpPr>
+          <p:nvPr>
+            <p:ph type="sldImg"/>
+          </p:nvPr>
+        </p:nvSpPr>
+        <p:spPr/>
+      </p:sp>
+      <p:sp>
+        <p:nvSpPr>
+          <p:cNvPr id="3" name="Notes Placeholder 2"/>
+          <p:cNvSpPr>
+            <a:spLocks noGrp="1"/>
+          </p:cNvSpPr>
+          <p:nvPr>
+            <p:ph type="body" idx="1"/>
+          </p:nvPr>
+        </p:nvSpPr>
+        <p:spPr/>
+        <p:txBody>
+          <a:bodyPr/>
+          <a:lstStyle/>
+          <a:p>
+            <a:endParaRPr lang="en-US" dirty="0"/>
+          </a:p>
+        </p:txBody>
+      </p:sp>
+      <p:sp>
+        <p:nvSpPr>
+          <p:cNvPr id="4" name="Slide Number Placeholder 3"/>
+          <p:cNvSpPr>
+            <a:spLocks noGrp="1"/>
+          </p:cNvSpPr>
+          <p:nvPr>
+            <p:ph type="sldNum" sz="quarter" idx="10"/>
+          </p:nvPr>
+        </p:nvSpPr>
+        <p:spPr/>
+        <p:txBody>
+          <a:bodyPr/>
+          <a:lstStyle/>
+          <a:p>
+            <a:fld id="{11ADBA3B-C92D-4CFA-B969-3AFAA1A6C2A1}" type="slidenum">
+              <a:rPr lang="en-US" smtClean="0"/>
+              <a:t>8</a:t>
+            </a:fld>
+            <a:endParaRPr lang="en-US"/>
+          </a:p>
+        </p:txBody>
+      </p:sp>
+    </p:spTree>
+    <p:extLst>
+      <p:ext uri="{BB962C8B-B14F-4D97-AF65-F5344CB8AC3E}">
+        <p14:creationId xmlns:p14="http://schemas.microsoft.com/office/powerpoint/2010/main" val="832476389"/>
+      </p:ext>
+    </p:extLst>
+  </p:cSld>
+  <p:clrMapOvr>
+    <a:masterClrMapping/>
+  </p:clrMapOvr>
+</p:notes>
+</file>
+
+<file path=ppt/notesSlides/notesSlide4.xml><?xml version="1.0" encoding="utf-8"?>
 <p:notes xmlns:a="http://schemas.openxmlformats.org/drawingml/2006/main" xmlns:r="http://schemas.openxmlformats.org/officeDocument/2006/relationships" xmlns:p="http://schemas.openxmlformats.org/presentationml/2006/main">
   <p:cSld>
     <p:spTree>
@@ -675,7 +851,7 @@
                 <a:tabLst/>
                 <a:defRPr/>
               </a:pPr>
-              <a:t>13</a:t>
+              <a:t>10</a:t>
             </a:fld>
             <a:endParaRPr kumimoji="0" lang="en-US" sz="1200" b="0" i="0" u="none" strike="noStrike" kern="1200" cap="none" spc="0" normalizeH="0" baseline="0" noProof="0">
               <a:ln>
@@ -749,10 +925,9 @@
           </a:lstStyle>
           <a:p>
             <a:r>
-              <a:rPr lang="en-US" smtClean="0"/>
+              <a:rPr lang="en-US"/>
               <a:t>Click to edit Master title style</a:t>
             </a:r>
-            <a:endParaRPr lang="en-US"/>
           </a:p>
         </p:txBody>
       </p:sp>
@@ -814,10 +989,9 @@
           </a:lstStyle>
           <a:p>
             <a:r>
-              <a:rPr lang="en-US" smtClean="0"/>
+              <a:rPr lang="en-US"/>
               <a:t>Click to edit Master subtitle style</a:t>
             </a:r>
-            <a:endParaRPr lang="en-US"/>
           </a:p>
         </p:txBody>
       </p:sp>
@@ -838,7 +1012,7 @@
           <a:p>
             <a:fld id="{6D7D1AC5-EDA8-4631-9228-9906422CEF8D}" type="datetimeFigureOut">
               <a:rPr lang="en-US" smtClean="0"/>
-              <a:t>25-Oct-18</a:t>
+              <a:t>8/4/19</a:t>
             </a:fld>
             <a:endParaRPr lang="en-US"/>
           </a:p>
@@ -932,10 +1106,9 @@
           <a:lstStyle/>
           <a:p>
             <a:r>
-              <a:rPr lang="en-US" smtClean="0"/>
+              <a:rPr lang="en-US"/>
               <a:t>Click to edit Master title style</a:t>
             </a:r>
-            <a:endParaRPr lang="en-US"/>
           </a:p>
         </p:txBody>
       </p:sp>
@@ -956,38 +1129,37 @@
           <a:p>
             <a:pPr lvl="0"/>
             <a:r>
-              <a:rPr lang="en-US" smtClean="0"/>
+              <a:rPr lang="en-US"/>
               <a:t>Edit Master text styles</a:t>
             </a:r>
           </a:p>
           <a:p>
             <a:pPr lvl="1"/>
             <a:r>
-              <a:rPr lang="en-US" smtClean="0"/>
+              <a:rPr lang="en-US"/>
               <a:t>Second level</a:t>
             </a:r>
           </a:p>
           <a:p>
             <a:pPr lvl="2"/>
             <a:r>
-              <a:rPr lang="en-US" smtClean="0"/>
+              <a:rPr lang="en-US"/>
               <a:t>Third level</a:t>
             </a:r>
           </a:p>
           <a:p>
             <a:pPr lvl="3"/>
             <a:r>
-              <a:rPr lang="en-US" smtClean="0"/>
+              <a:rPr lang="en-US"/>
               <a:t>Fourth level</a:t>
             </a:r>
           </a:p>
           <a:p>
             <a:pPr lvl="4"/>
             <a:r>
-              <a:rPr lang="en-US" smtClean="0"/>
+              <a:rPr lang="en-US"/>
               <a:t>Fifth level</a:t>
             </a:r>
-            <a:endParaRPr lang="en-US"/>
           </a:p>
         </p:txBody>
       </p:sp>
@@ -1008,7 +1180,7 @@
           <a:p>
             <a:fld id="{6D7D1AC5-EDA8-4631-9228-9906422CEF8D}" type="datetimeFigureOut">
               <a:rPr lang="en-US" smtClean="0"/>
-              <a:t>25-Oct-18</a:t>
+              <a:t>8/4/19</a:t>
             </a:fld>
             <a:endParaRPr lang="en-US"/>
           </a:p>
@@ -1107,10 +1279,9 @@
           <a:lstStyle/>
           <a:p>
             <a:r>
-              <a:rPr lang="en-US" smtClean="0"/>
+              <a:rPr lang="en-US"/>
               <a:t>Click to edit Master title style</a:t>
             </a:r>
-            <a:endParaRPr lang="en-US"/>
           </a:p>
         </p:txBody>
       </p:sp>
@@ -1136,38 +1307,37 @@
           <a:p>
             <a:pPr lvl="0"/>
             <a:r>
-              <a:rPr lang="en-US" smtClean="0"/>
+              <a:rPr lang="en-US"/>
               <a:t>Edit Master text styles</a:t>
             </a:r>
           </a:p>
           <a:p>
             <a:pPr lvl="1"/>
             <a:r>
-              <a:rPr lang="en-US" smtClean="0"/>
+              <a:rPr lang="en-US"/>
               <a:t>Second level</a:t>
             </a:r>
           </a:p>
           <a:p>
             <a:pPr lvl="2"/>
             <a:r>
-              <a:rPr lang="en-US" smtClean="0"/>
+              <a:rPr lang="en-US"/>
               <a:t>Third level</a:t>
             </a:r>
           </a:p>
           <a:p>
             <a:pPr lvl="3"/>
             <a:r>
-              <a:rPr lang="en-US" smtClean="0"/>
+              <a:rPr lang="en-US"/>
               <a:t>Fourth level</a:t>
             </a:r>
           </a:p>
           <a:p>
             <a:pPr lvl="4"/>
             <a:r>
-              <a:rPr lang="en-US" smtClean="0"/>
+              <a:rPr lang="en-US"/>
               <a:t>Fifth level</a:t>
             </a:r>
-            <a:endParaRPr lang="en-US"/>
           </a:p>
         </p:txBody>
       </p:sp>
@@ -1188,7 +1358,7 @@
           <a:p>
             <a:fld id="{6D7D1AC5-EDA8-4631-9228-9906422CEF8D}" type="datetimeFigureOut">
               <a:rPr lang="en-US" smtClean="0"/>
-              <a:t>25-Oct-18</a:t>
+              <a:t>8/4/19</a:t>
             </a:fld>
             <a:endParaRPr lang="en-US"/>
           </a:p>
@@ -1291,10 +1461,9 @@
           </a:lstStyle>
           <a:p>
             <a:r>
-              <a:rPr lang="en-US" dirty="0" smtClean="0"/>
+              <a:rPr lang="en-US" dirty="0"/>
               <a:t>Click to edit Master title style</a:t>
             </a:r>
-            <a:endParaRPr lang="en-US" dirty="0"/>
           </a:p>
         </p:txBody>
       </p:sp>
@@ -1356,10 +1525,9 @@
           </a:lstStyle>
           <a:p>
             <a:r>
-              <a:rPr lang="en-US" dirty="0" smtClean="0"/>
+              <a:rPr lang="en-US" dirty="0"/>
               <a:t>Click to edit Master subtitle style</a:t>
             </a:r>
-            <a:endParaRPr lang="en-US" dirty="0"/>
           </a:p>
         </p:txBody>
       </p:sp>
@@ -1429,7 +1597,7 @@
                 <a:tabLst/>
                 <a:defRPr/>
               </a:pPr>
-              <a:t>25-Oct-18</a:t>
+              <a:t>8/4/19</a:t>
             </a:fld>
             <a:endParaRPr kumimoji="0" lang="en-US" sz="1200" b="0" i="0" u="none" strike="noStrike" kern="1200" cap="none" spc="0" normalizeH="0" baseline="0" noProof="0">
               <a:ln>
@@ -1638,10 +1806,9 @@
           </a:lstStyle>
           <a:p>
             <a:r>
-              <a:rPr lang="en-US" dirty="0" smtClean="0"/>
+              <a:rPr lang="en-US" dirty="0"/>
               <a:t>Click to edit Master title style</a:t>
             </a:r>
-            <a:endParaRPr lang="en-US" dirty="0"/>
           </a:p>
         </p:txBody>
       </p:sp>
@@ -1669,38 +1836,37 @@
           <a:p>
             <a:pPr lvl="0"/>
             <a:r>
-              <a:rPr lang="en-US" dirty="0" smtClean="0"/>
+              <a:rPr lang="en-US" dirty="0"/>
               <a:t>Click to edit Master text styles</a:t>
             </a:r>
           </a:p>
           <a:p>
             <a:pPr lvl="1"/>
             <a:r>
-              <a:rPr lang="en-US" dirty="0" smtClean="0"/>
+              <a:rPr lang="en-US" dirty="0"/>
               <a:t>Second level</a:t>
             </a:r>
           </a:p>
           <a:p>
             <a:pPr lvl="2"/>
             <a:r>
-              <a:rPr lang="en-US" dirty="0" smtClean="0"/>
+              <a:rPr lang="en-US" dirty="0"/>
               <a:t>Third level</a:t>
             </a:r>
           </a:p>
           <a:p>
             <a:pPr lvl="3"/>
             <a:r>
-              <a:rPr lang="en-US" dirty="0" smtClean="0"/>
+              <a:rPr lang="en-US" dirty="0"/>
               <a:t>Fourth level</a:t>
             </a:r>
           </a:p>
           <a:p>
             <a:pPr lvl="4"/>
             <a:r>
-              <a:rPr lang="en-US" dirty="0" smtClean="0"/>
+              <a:rPr lang="en-US" dirty="0"/>
               <a:t>Fifth level</a:t>
             </a:r>
-            <a:endParaRPr lang="en-US" dirty="0"/>
           </a:p>
         </p:txBody>
       </p:sp>
@@ -1770,7 +1936,7 @@
                 <a:tabLst/>
                 <a:defRPr/>
               </a:pPr>
-              <a:t>25-Oct-18</a:t>
+              <a:t>8/4/19</a:t>
             </a:fld>
             <a:endParaRPr kumimoji="0" lang="en-US" sz="1200" b="0" i="0" u="none" strike="noStrike" kern="1200" cap="none" spc="0" normalizeH="0" baseline="0" noProof="0">
               <a:ln>
@@ -1984,10 +2150,9 @@
           </a:lstStyle>
           <a:p>
             <a:r>
-              <a:rPr lang="en-US" smtClean="0"/>
+              <a:rPr lang="en-US"/>
               <a:t>Click to edit Master title style</a:t>
             </a:r>
-            <a:endParaRPr lang="en-US"/>
           </a:p>
         </p:txBody>
       </p:sp>
@@ -2104,7 +2269,7 @@
           <a:p>
             <a:pPr lvl="0"/>
             <a:r>
-              <a:rPr lang="en-US" smtClean="0"/>
+              <a:rPr lang="en-US"/>
               <a:t>Click to edit Master text styles</a:t>
             </a:r>
           </a:p>
@@ -2176,7 +2341,7 @@
                 <a:tabLst/>
                 <a:defRPr/>
               </a:pPr>
-              <a:t>25-Oct-18</a:t>
+              <a:t>8/4/19</a:t>
             </a:fld>
             <a:endParaRPr kumimoji="0" lang="en-US" sz="1200" b="0" i="0" u="none" strike="noStrike" kern="1200" cap="none" spc="0" normalizeH="0" baseline="0" noProof="0">
               <a:ln>
@@ -2381,10 +2546,9 @@
           <a:lstStyle/>
           <a:p>
             <a:r>
-              <a:rPr lang="en-US" smtClean="0"/>
+              <a:rPr lang="en-US"/>
               <a:t>Click to edit Master title style</a:t>
             </a:r>
-            <a:endParaRPr lang="en-US"/>
           </a:p>
         </p:txBody>
       </p:sp>
@@ -2410,38 +2574,37 @@
           <a:p>
             <a:pPr lvl="0"/>
             <a:r>
-              <a:rPr lang="en-US" smtClean="0"/>
+              <a:rPr lang="en-US"/>
               <a:t>Click to edit Master text styles</a:t>
             </a:r>
           </a:p>
           <a:p>
             <a:pPr lvl="1"/>
             <a:r>
-              <a:rPr lang="en-US" smtClean="0"/>
+              <a:rPr lang="en-US"/>
               <a:t>Second level</a:t>
             </a:r>
           </a:p>
           <a:p>
             <a:pPr lvl="2"/>
             <a:r>
-              <a:rPr lang="en-US" smtClean="0"/>
+              <a:rPr lang="en-US"/>
               <a:t>Third level</a:t>
             </a:r>
           </a:p>
           <a:p>
             <a:pPr lvl="3"/>
             <a:r>
-              <a:rPr lang="en-US" smtClean="0"/>
+              <a:rPr lang="en-US"/>
               <a:t>Fourth level</a:t>
             </a:r>
           </a:p>
           <a:p>
             <a:pPr lvl="4"/>
             <a:r>
-              <a:rPr lang="en-US" smtClean="0"/>
+              <a:rPr lang="en-US"/>
               <a:t>Fifth level</a:t>
             </a:r>
-            <a:endParaRPr lang="en-US"/>
           </a:p>
         </p:txBody>
       </p:sp>
@@ -2467,38 +2630,37 @@
           <a:p>
             <a:pPr lvl="0"/>
             <a:r>
-              <a:rPr lang="en-US" smtClean="0"/>
+              <a:rPr lang="en-US"/>
               <a:t>Click to edit Master text styles</a:t>
             </a:r>
           </a:p>
           <a:p>
             <a:pPr lvl="1"/>
             <a:r>
-              <a:rPr lang="en-US" smtClean="0"/>
+              <a:rPr lang="en-US"/>
               <a:t>Second level</a:t>
             </a:r>
           </a:p>
           <a:p>
             <a:pPr lvl="2"/>
             <a:r>
-              <a:rPr lang="en-US" smtClean="0"/>
+              <a:rPr lang="en-US"/>
               <a:t>Third level</a:t>
             </a:r>
           </a:p>
           <a:p>
             <a:pPr lvl="3"/>
             <a:r>
-              <a:rPr lang="en-US" smtClean="0"/>
+              <a:rPr lang="en-US"/>
               <a:t>Fourth level</a:t>
             </a:r>
           </a:p>
           <a:p>
             <a:pPr lvl="4"/>
             <a:r>
-              <a:rPr lang="en-US" smtClean="0"/>
+              <a:rPr lang="en-US"/>
               <a:t>Fifth level</a:t>
             </a:r>
-            <a:endParaRPr lang="en-US"/>
           </a:p>
         </p:txBody>
       </p:sp>
@@ -2568,7 +2730,7 @@
                 <a:tabLst/>
                 <a:defRPr/>
               </a:pPr>
-              <a:t>25-Oct-18</a:t>
+              <a:t>8/4/19</a:t>
             </a:fld>
             <a:endParaRPr kumimoji="0" lang="en-US" sz="1200" b="0" i="0" u="none" strike="noStrike" kern="1200" cap="none" spc="0" normalizeH="0" baseline="0" noProof="0">
               <a:ln>
@@ -2778,10 +2940,9 @@
           <a:lstStyle/>
           <a:p>
             <a:r>
-              <a:rPr lang="en-US" smtClean="0"/>
+              <a:rPr lang="en-US"/>
               <a:t>Click to edit Master title style</a:t>
             </a:r>
-            <a:endParaRPr lang="en-US"/>
           </a:p>
         </p:txBody>
       </p:sp>
@@ -2844,7 +3005,7 @@
           <a:p>
             <a:pPr lvl="0"/>
             <a:r>
-              <a:rPr lang="en-US" smtClean="0"/>
+              <a:rPr lang="en-US"/>
               <a:t>Click to edit Master text styles</a:t>
             </a:r>
           </a:p>
@@ -2872,38 +3033,37 @@
           <a:p>
             <a:pPr lvl="0"/>
             <a:r>
-              <a:rPr lang="en-US" smtClean="0"/>
+              <a:rPr lang="en-US"/>
               <a:t>Click to edit Master text styles</a:t>
             </a:r>
           </a:p>
           <a:p>
             <a:pPr lvl="1"/>
             <a:r>
-              <a:rPr lang="en-US" smtClean="0"/>
+              <a:rPr lang="en-US"/>
               <a:t>Second level</a:t>
             </a:r>
           </a:p>
           <a:p>
             <a:pPr lvl="2"/>
             <a:r>
-              <a:rPr lang="en-US" smtClean="0"/>
+              <a:rPr lang="en-US"/>
               <a:t>Third level</a:t>
             </a:r>
           </a:p>
           <a:p>
             <a:pPr lvl="3"/>
             <a:r>
-              <a:rPr lang="en-US" smtClean="0"/>
+              <a:rPr lang="en-US"/>
               <a:t>Fourth level</a:t>
             </a:r>
           </a:p>
           <a:p>
             <a:pPr lvl="4"/>
             <a:r>
-              <a:rPr lang="en-US" smtClean="0"/>
+              <a:rPr lang="en-US"/>
               <a:t>Fifth level</a:t>
             </a:r>
-            <a:endParaRPr lang="en-US"/>
           </a:p>
         </p:txBody>
       </p:sp>
@@ -2966,7 +3126,7 @@
           <a:p>
             <a:pPr lvl="0"/>
             <a:r>
-              <a:rPr lang="en-US" smtClean="0"/>
+              <a:rPr lang="en-US"/>
               <a:t>Click to edit Master text styles</a:t>
             </a:r>
           </a:p>
@@ -2994,38 +3154,37 @@
           <a:p>
             <a:pPr lvl="0"/>
             <a:r>
-              <a:rPr lang="en-US" smtClean="0"/>
+              <a:rPr lang="en-US"/>
               <a:t>Click to edit Master text styles</a:t>
             </a:r>
           </a:p>
           <a:p>
             <a:pPr lvl="1"/>
             <a:r>
-              <a:rPr lang="en-US" smtClean="0"/>
+              <a:rPr lang="en-US"/>
               <a:t>Second level</a:t>
             </a:r>
           </a:p>
           <a:p>
             <a:pPr lvl="2"/>
             <a:r>
-              <a:rPr lang="en-US" smtClean="0"/>
+              <a:rPr lang="en-US"/>
               <a:t>Third level</a:t>
             </a:r>
           </a:p>
           <a:p>
             <a:pPr lvl="3"/>
             <a:r>
-              <a:rPr lang="en-US" smtClean="0"/>
+              <a:rPr lang="en-US"/>
               <a:t>Fourth level</a:t>
             </a:r>
           </a:p>
           <a:p>
             <a:pPr lvl="4"/>
             <a:r>
-              <a:rPr lang="en-US" smtClean="0"/>
+              <a:rPr lang="en-US"/>
               <a:t>Fifth level</a:t>
             </a:r>
-            <a:endParaRPr lang="en-US"/>
           </a:p>
         </p:txBody>
       </p:sp>
@@ -3095,7 +3254,7 @@
                 <a:tabLst/>
                 <a:defRPr/>
               </a:pPr>
-              <a:t>25-Oct-18</a:t>
+              <a:t>8/4/19</a:t>
             </a:fld>
             <a:endParaRPr kumimoji="0" lang="en-US" sz="1200" b="0" i="0" u="none" strike="noStrike" kern="1200" cap="none" spc="0" normalizeH="0" baseline="0" noProof="0">
               <a:ln>
@@ -3300,10 +3459,9 @@
           <a:lstStyle/>
           <a:p>
             <a:r>
-              <a:rPr lang="en-US" smtClean="0"/>
+              <a:rPr lang="en-US"/>
               <a:t>Click to edit Master title style</a:t>
             </a:r>
-            <a:endParaRPr lang="en-US"/>
           </a:p>
         </p:txBody>
       </p:sp>
@@ -3373,7 +3531,7 @@
                 <a:tabLst/>
                 <a:defRPr/>
               </a:pPr>
-              <a:t>25-Oct-18</a:t>
+              <a:t>8/4/19</a:t>
             </a:fld>
             <a:endParaRPr kumimoji="0" lang="en-US" sz="1200" b="0" i="0" u="none" strike="noStrike" kern="1200" cap="none" spc="0" normalizeH="0" baseline="0" noProof="0">
               <a:ln>
@@ -3628,7 +3786,7 @@
                 <a:tabLst/>
                 <a:defRPr/>
               </a:pPr>
-              <a:t>25-Oct-18</a:t>
+              <a:t>8/4/19</a:t>
             </a:fld>
             <a:endParaRPr kumimoji="0" lang="en-US" sz="1200" b="0" i="0" u="none" strike="noStrike" kern="1200" cap="none" spc="0" normalizeH="0" baseline="0" noProof="0">
               <a:ln>
@@ -3842,10 +4000,9 @@
           </a:lstStyle>
           <a:p>
             <a:r>
-              <a:rPr lang="en-US" smtClean="0"/>
+              <a:rPr lang="en-US"/>
               <a:t>Click to edit Master title style</a:t>
             </a:r>
-            <a:endParaRPr lang="en-US"/>
           </a:p>
         </p:txBody>
       </p:sp>
@@ -3899,38 +4056,37 @@
           <a:p>
             <a:pPr lvl="0"/>
             <a:r>
-              <a:rPr lang="en-US" smtClean="0"/>
+              <a:rPr lang="en-US"/>
               <a:t>Click to edit Master text styles</a:t>
             </a:r>
           </a:p>
           <a:p>
             <a:pPr lvl="1"/>
             <a:r>
-              <a:rPr lang="en-US" smtClean="0"/>
+              <a:rPr lang="en-US"/>
               <a:t>Second level</a:t>
             </a:r>
           </a:p>
           <a:p>
             <a:pPr lvl="2"/>
             <a:r>
-              <a:rPr lang="en-US" smtClean="0"/>
+              <a:rPr lang="en-US"/>
               <a:t>Third level</a:t>
             </a:r>
           </a:p>
           <a:p>
             <a:pPr lvl="3"/>
             <a:r>
-              <a:rPr lang="en-US" smtClean="0"/>
+              <a:rPr lang="en-US"/>
               <a:t>Fourth level</a:t>
             </a:r>
           </a:p>
           <a:p>
             <a:pPr lvl="4"/>
             <a:r>
-              <a:rPr lang="en-US" smtClean="0"/>
+              <a:rPr lang="en-US"/>
               <a:t>Fifth level</a:t>
             </a:r>
-            <a:endParaRPr lang="en-US"/>
           </a:p>
         </p:txBody>
       </p:sp>
@@ -3993,7 +4149,7 @@
           <a:p>
             <a:pPr lvl="0"/>
             <a:r>
-              <a:rPr lang="en-US" smtClean="0"/>
+              <a:rPr lang="en-US"/>
               <a:t>Click to edit Master text styles</a:t>
             </a:r>
           </a:p>
@@ -4065,7 +4221,7 @@
                 <a:tabLst/>
                 <a:defRPr/>
               </a:pPr>
-              <a:t>25-Oct-18</a:t>
+              <a:t>8/4/19</a:t>
             </a:fld>
             <a:endParaRPr kumimoji="0" lang="en-US" sz="1200" b="0" i="0" u="none" strike="noStrike" kern="1200" cap="none" spc="0" normalizeH="0" baseline="0" noProof="0">
               <a:ln>
@@ -4281,10 +4437,9 @@
           </a:lstStyle>
           <a:p>
             <a:r>
-              <a:rPr lang="en-US" dirty="0" smtClean="0"/>
+              <a:rPr lang="en-US" dirty="0"/>
               <a:t>Click to edit Master title style</a:t>
             </a:r>
-            <a:endParaRPr lang="en-US" dirty="0"/>
           </a:p>
         </p:txBody>
       </p:sp>
@@ -4328,38 +4483,37 @@
           <a:p>
             <a:pPr lvl="0"/>
             <a:r>
-              <a:rPr lang="en-US" dirty="0" smtClean="0"/>
+              <a:rPr lang="en-US" dirty="0"/>
               <a:t>Edit Master text styles</a:t>
             </a:r>
           </a:p>
           <a:p>
             <a:pPr lvl="1"/>
             <a:r>
-              <a:rPr lang="en-US" dirty="0" smtClean="0"/>
+              <a:rPr lang="en-US" dirty="0"/>
               <a:t>Second level</a:t>
             </a:r>
           </a:p>
           <a:p>
             <a:pPr lvl="2"/>
             <a:r>
-              <a:rPr lang="en-US" dirty="0" smtClean="0"/>
+              <a:rPr lang="en-US" dirty="0"/>
               <a:t>Third level</a:t>
             </a:r>
           </a:p>
           <a:p>
             <a:pPr lvl="3"/>
             <a:r>
-              <a:rPr lang="en-US" dirty="0" smtClean="0"/>
+              <a:rPr lang="en-US" dirty="0"/>
               <a:t>Fourth level</a:t>
             </a:r>
           </a:p>
           <a:p>
             <a:pPr lvl="4"/>
             <a:r>
-              <a:rPr lang="en-US" dirty="0" smtClean="0"/>
+              <a:rPr lang="en-US" dirty="0"/>
               <a:t>Fifth level</a:t>
             </a:r>
-            <a:endParaRPr lang="en-US" dirty="0"/>
           </a:p>
         </p:txBody>
       </p:sp>
@@ -4380,7 +4534,7 @@
           <a:p>
             <a:fld id="{6D7D1AC5-EDA8-4631-9228-9906422CEF8D}" type="datetimeFigureOut">
               <a:rPr lang="en-US" smtClean="0"/>
-              <a:t>25-Oct-18</a:t>
+              <a:t>8/4/19</a:t>
             </a:fld>
             <a:endParaRPr lang="en-US"/>
           </a:p>
@@ -4483,10 +4637,9 @@
           </a:lstStyle>
           <a:p>
             <a:r>
-              <a:rPr lang="en-US" smtClean="0"/>
+              <a:rPr lang="en-US"/>
               <a:t>Click to edit Master title style</a:t>
             </a:r>
-            <a:endParaRPr lang="en-US"/>
           </a:p>
         </p:txBody>
       </p:sp>
@@ -4610,7 +4763,7 @@
           <a:p>
             <a:pPr lvl="0"/>
             <a:r>
-              <a:rPr lang="en-US" smtClean="0"/>
+              <a:rPr lang="en-US"/>
               <a:t>Click to edit Master text styles</a:t>
             </a:r>
           </a:p>
@@ -4682,7 +4835,7 @@
                 <a:tabLst/>
                 <a:defRPr/>
               </a:pPr>
-              <a:t>25-Oct-18</a:t>
+              <a:t>8/4/19</a:t>
             </a:fld>
             <a:endParaRPr kumimoji="0" lang="en-US" sz="1200" b="0" i="0" u="none" strike="noStrike" kern="1200" cap="none" spc="0" normalizeH="0" baseline="0" noProof="0">
               <a:ln>
@@ -4887,10 +5040,9 @@
           <a:lstStyle/>
           <a:p>
             <a:r>
-              <a:rPr lang="en-US" smtClean="0"/>
+              <a:rPr lang="en-US"/>
               <a:t>Click to edit Master title style</a:t>
             </a:r>
-            <a:endParaRPr lang="en-US"/>
           </a:p>
         </p:txBody>
       </p:sp>
@@ -4911,38 +5063,37 @@
           <a:p>
             <a:pPr lvl="0"/>
             <a:r>
-              <a:rPr lang="en-US" smtClean="0"/>
+              <a:rPr lang="en-US"/>
               <a:t>Click to edit Master text styles</a:t>
             </a:r>
           </a:p>
           <a:p>
             <a:pPr lvl="1"/>
             <a:r>
-              <a:rPr lang="en-US" smtClean="0"/>
+              <a:rPr lang="en-US"/>
               <a:t>Second level</a:t>
             </a:r>
           </a:p>
           <a:p>
             <a:pPr lvl="2"/>
             <a:r>
-              <a:rPr lang="en-US" smtClean="0"/>
+              <a:rPr lang="en-US"/>
               <a:t>Third level</a:t>
             </a:r>
           </a:p>
           <a:p>
             <a:pPr lvl="3"/>
             <a:r>
-              <a:rPr lang="en-US" smtClean="0"/>
+              <a:rPr lang="en-US"/>
               <a:t>Fourth level</a:t>
             </a:r>
           </a:p>
           <a:p>
             <a:pPr lvl="4"/>
             <a:r>
-              <a:rPr lang="en-US" smtClean="0"/>
+              <a:rPr lang="en-US"/>
               <a:t>Fifth level</a:t>
             </a:r>
-            <a:endParaRPr lang="en-US"/>
           </a:p>
         </p:txBody>
       </p:sp>
@@ -5012,7 +5163,7 @@
                 <a:tabLst/>
                 <a:defRPr/>
               </a:pPr>
-              <a:t>25-Oct-18</a:t>
+              <a:t>8/4/19</a:t>
             </a:fld>
             <a:endParaRPr kumimoji="0" lang="en-US" sz="1200" b="0" i="0" u="none" strike="noStrike" kern="1200" cap="none" spc="0" normalizeH="0" baseline="0" noProof="0">
               <a:ln>
@@ -5222,10 +5373,9 @@
           <a:lstStyle/>
           <a:p>
             <a:r>
-              <a:rPr lang="en-US" smtClean="0"/>
+              <a:rPr lang="en-US"/>
               <a:t>Click to edit Master title style</a:t>
             </a:r>
-            <a:endParaRPr lang="en-US"/>
           </a:p>
         </p:txBody>
       </p:sp>
@@ -5251,38 +5401,37 @@
           <a:p>
             <a:pPr lvl="0"/>
             <a:r>
-              <a:rPr lang="en-US" smtClean="0"/>
+              <a:rPr lang="en-US"/>
               <a:t>Click to edit Master text styles</a:t>
             </a:r>
           </a:p>
           <a:p>
             <a:pPr lvl="1"/>
             <a:r>
-              <a:rPr lang="en-US" smtClean="0"/>
+              <a:rPr lang="en-US"/>
               <a:t>Second level</a:t>
             </a:r>
           </a:p>
           <a:p>
             <a:pPr lvl="2"/>
             <a:r>
-              <a:rPr lang="en-US" smtClean="0"/>
+              <a:rPr lang="en-US"/>
               <a:t>Third level</a:t>
             </a:r>
           </a:p>
           <a:p>
             <a:pPr lvl="3"/>
             <a:r>
-              <a:rPr lang="en-US" smtClean="0"/>
+              <a:rPr lang="en-US"/>
               <a:t>Fourth level</a:t>
             </a:r>
           </a:p>
           <a:p>
             <a:pPr lvl="4"/>
             <a:r>
-              <a:rPr lang="en-US" smtClean="0"/>
+              <a:rPr lang="en-US"/>
               <a:t>Fifth level</a:t>
             </a:r>
-            <a:endParaRPr lang="en-US"/>
           </a:p>
         </p:txBody>
       </p:sp>
@@ -5352,7 +5501,7 @@
                 <a:tabLst/>
                 <a:defRPr/>
               </a:pPr>
-              <a:t>25-Oct-18</a:t>
+              <a:t>8/4/19</a:t>
             </a:fld>
             <a:endParaRPr kumimoji="0" lang="en-US" sz="1200" b="0" i="0" u="none" strike="noStrike" kern="1200" cap="none" spc="0" normalizeH="0" baseline="0" noProof="0">
               <a:ln>
@@ -5566,10 +5715,9 @@
           </a:lstStyle>
           <a:p>
             <a:r>
-              <a:rPr lang="en-US" dirty="0" smtClean="0"/>
+              <a:rPr lang="en-US" dirty="0"/>
               <a:t>Click to edit Master title style</a:t>
             </a:r>
-            <a:endParaRPr lang="en-US" dirty="0"/>
           </a:p>
         </p:txBody>
       </p:sp>
@@ -5631,10 +5779,9 @@
           </a:lstStyle>
           <a:p>
             <a:r>
-              <a:rPr lang="en-US" dirty="0" smtClean="0"/>
+              <a:rPr lang="en-US" dirty="0"/>
               <a:t>Click to edit Master subtitle style</a:t>
             </a:r>
-            <a:endParaRPr lang="en-US" dirty="0"/>
           </a:p>
         </p:txBody>
       </p:sp>
@@ -5704,7 +5851,7 @@
                 <a:tabLst/>
                 <a:defRPr/>
               </a:pPr>
-              <a:t>25-Oct-18</a:t>
+              <a:t>8/4/19</a:t>
             </a:fld>
             <a:endParaRPr kumimoji="0" lang="en-US" sz="1200" b="0" i="0" u="none" strike="noStrike" kern="1200" cap="none" spc="0" normalizeH="0" baseline="0" noProof="0">
               <a:ln>
@@ -5913,10 +6060,9 @@
           </a:lstStyle>
           <a:p>
             <a:r>
-              <a:rPr lang="en-US" dirty="0" smtClean="0"/>
+              <a:rPr lang="en-US" dirty="0"/>
               <a:t>Click to edit Master title style</a:t>
             </a:r>
-            <a:endParaRPr lang="en-US" dirty="0"/>
           </a:p>
         </p:txBody>
       </p:sp>
@@ -5944,38 +6090,37 @@
           <a:p>
             <a:pPr lvl="0"/>
             <a:r>
-              <a:rPr lang="en-US" dirty="0" smtClean="0"/>
+              <a:rPr lang="en-US" dirty="0"/>
               <a:t>Click to edit Master text styles</a:t>
             </a:r>
           </a:p>
           <a:p>
             <a:pPr lvl="1"/>
             <a:r>
-              <a:rPr lang="en-US" dirty="0" smtClean="0"/>
+              <a:rPr lang="en-US" dirty="0"/>
               <a:t>Second level</a:t>
             </a:r>
           </a:p>
           <a:p>
             <a:pPr lvl="2"/>
             <a:r>
-              <a:rPr lang="en-US" dirty="0" smtClean="0"/>
+              <a:rPr lang="en-US" dirty="0"/>
               <a:t>Third level</a:t>
             </a:r>
           </a:p>
           <a:p>
             <a:pPr lvl="3"/>
             <a:r>
-              <a:rPr lang="en-US" dirty="0" smtClean="0"/>
+              <a:rPr lang="en-US" dirty="0"/>
               <a:t>Fourth level</a:t>
             </a:r>
           </a:p>
           <a:p>
             <a:pPr lvl="4"/>
             <a:r>
-              <a:rPr lang="en-US" dirty="0" smtClean="0"/>
+              <a:rPr lang="en-US" dirty="0"/>
               <a:t>Fifth level</a:t>
             </a:r>
-            <a:endParaRPr lang="en-US" dirty="0"/>
           </a:p>
         </p:txBody>
       </p:sp>
@@ -6045,7 +6190,7 @@
                 <a:tabLst/>
                 <a:defRPr/>
               </a:pPr>
-              <a:t>25-Oct-18</a:t>
+              <a:t>8/4/19</a:t>
             </a:fld>
             <a:endParaRPr kumimoji="0" lang="en-US" sz="1200" b="0" i="0" u="none" strike="noStrike" kern="1200" cap="none" spc="0" normalizeH="0" baseline="0" noProof="0">
               <a:ln>
@@ -6259,10 +6404,9 @@
           </a:lstStyle>
           <a:p>
             <a:r>
-              <a:rPr lang="en-US" smtClean="0"/>
+              <a:rPr lang="en-US"/>
               <a:t>Click to edit Master title style</a:t>
             </a:r>
-            <a:endParaRPr lang="en-US"/>
           </a:p>
         </p:txBody>
       </p:sp>
@@ -6379,7 +6523,7 @@
           <a:p>
             <a:pPr lvl="0"/>
             <a:r>
-              <a:rPr lang="en-US" smtClean="0"/>
+              <a:rPr lang="en-US"/>
               <a:t>Click to edit Master text styles</a:t>
             </a:r>
           </a:p>
@@ -6451,7 +6595,7 @@
                 <a:tabLst/>
                 <a:defRPr/>
               </a:pPr>
-              <a:t>25-Oct-18</a:t>
+              <a:t>8/4/19</a:t>
             </a:fld>
             <a:endParaRPr kumimoji="0" lang="en-US" sz="1200" b="0" i="0" u="none" strike="noStrike" kern="1200" cap="none" spc="0" normalizeH="0" baseline="0" noProof="0">
               <a:ln>
@@ -6656,10 +6800,9 @@
           <a:lstStyle/>
           <a:p>
             <a:r>
-              <a:rPr lang="en-US" smtClean="0"/>
+              <a:rPr lang="en-US"/>
               <a:t>Click to edit Master title style</a:t>
             </a:r>
-            <a:endParaRPr lang="en-US"/>
           </a:p>
         </p:txBody>
       </p:sp>
@@ -6685,38 +6828,37 @@
           <a:p>
             <a:pPr lvl="0"/>
             <a:r>
-              <a:rPr lang="en-US" smtClean="0"/>
+              <a:rPr lang="en-US"/>
               <a:t>Click to edit Master text styles</a:t>
             </a:r>
           </a:p>
           <a:p>
             <a:pPr lvl="1"/>
             <a:r>
-              <a:rPr lang="en-US" smtClean="0"/>
+              <a:rPr lang="en-US"/>
               <a:t>Second level</a:t>
             </a:r>
           </a:p>
           <a:p>
             <a:pPr lvl="2"/>
             <a:r>
-              <a:rPr lang="en-US" smtClean="0"/>
+              <a:rPr lang="en-US"/>
               <a:t>Third level</a:t>
             </a:r>
           </a:p>
           <a:p>
             <a:pPr lvl="3"/>
             <a:r>
-              <a:rPr lang="en-US" smtClean="0"/>
+              <a:rPr lang="en-US"/>
               <a:t>Fourth level</a:t>
             </a:r>
           </a:p>
           <a:p>
             <a:pPr lvl="4"/>
             <a:r>
-              <a:rPr lang="en-US" smtClean="0"/>
+              <a:rPr lang="en-US"/>
               <a:t>Fifth level</a:t>
             </a:r>
-            <a:endParaRPr lang="en-US"/>
           </a:p>
         </p:txBody>
       </p:sp>
@@ -6742,38 +6884,37 @@
           <a:p>
             <a:pPr lvl="0"/>
             <a:r>
-              <a:rPr lang="en-US" smtClean="0"/>
+              <a:rPr lang="en-US"/>
               <a:t>Click to edit Master text styles</a:t>
             </a:r>
           </a:p>
           <a:p>
             <a:pPr lvl="1"/>
             <a:r>
-              <a:rPr lang="en-US" smtClean="0"/>
+              <a:rPr lang="en-US"/>
               <a:t>Second level</a:t>
             </a:r>
           </a:p>
           <a:p>
             <a:pPr lvl="2"/>
             <a:r>
-              <a:rPr lang="en-US" smtClean="0"/>
+              <a:rPr lang="en-US"/>
               <a:t>Third level</a:t>
             </a:r>
           </a:p>
           <a:p>
             <a:pPr lvl="3"/>
             <a:r>
-              <a:rPr lang="en-US" smtClean="0"/>
+              <a:rPr lang="en-US"/>
               <a:t>Fourth level</a:t>
             </a:r>
           </a:p>
           <a:p>
             <a:pPr lvl="4"/>
             <a:r>
-              <a:rPr lang="en-US" smtClean="0"/>
+              <a:rPr lang="en-US"/>
               <a:t>Fifth level</a:t>
             </a:r>
-            <a:endParaRPr lang="en-US"/>
           </a:p>
         </p:txBody>
       </p:sp>
@@ -6843,7 +6984,7 @@
                 <a:tabLst/>
                 <a:defRPr/>
               </a:pPr>
-              <a:t>25-Oct-18</a:t>
+              <a:t>8/4/19</a:t>
             </a:fld>
             <a:endParaRPr kumimoji="0" lang="en-US" sz="1200" b="0" i="0" u="none" strike="noStrike" kern="1200" cap="none" spc="0" normalizeH="0" baseline="0" noProof="0">
               <a:ln>
@@ -7053,10 +7194,9 @@
           <a:lstStyle/>
           <a:p>
             <a:r>
-              <a:rPr lang="en-US" smtClean="0"/>
+              <a:rPr lang="en-US"/>
               <a:t>Click to edit Master title style</a:t>
             </a:r>
-            <a:endParaRPr lang="en-US"/>
           </a:p>
         </p:txBody>
       </p:sp>
@@ -7119,7 +7259,7 @@
           <a:p>
             <a:pPr lvl="0"/>
             <a:r>
-              <a:rPr lang="en-US" smtClean="0"/>
+              <a:rPr lang="en-US"/>
               <a:t>Click to edit Master text styles</a:t>
             </a:r>
           </a:p>
@@ -7147,38 +7287,37 @@
           <a:p>
             <a:pPr lvl="0"/>
             <a:r>
-              <a:rPr lang="en-US" smtClean="0"/>
+              <a:rPr lang="en-US"/>
               <a:t>Click to edit Master text styles</a:t>
             </a:r>
           </a:p>
           <a:p>
             <a:pPr lvl="1"/>
             <a:r>
-              <a:rPr lang="en-US" smtClean="0"/>
+              <a:rPr lang="en-US"/>
               <a:t>Second level</a:t>
             </a:r>
           </a:p>
           <a:p>
             <a:pPr lvl="2"/>
             <a:r>
-              <a:rPr lang="en-US" smtClean="0"/>
+              <a:rPr lang="en-US"/>
               <a:t>Third level</a:t>
             </a:r>
           </a:p>
           <a:p>
             <a:pPr lvl="3"/>
             <a:r>
-              <a:rPr lang="en-US" smtClean="0"/>
+              <a:rPr lang="en-US"/>
               <a:t>Fourth level</a:t>
             </a:r>
           </a:p>
           <a:p>
             <a:pPr lvl="4"/>
             <a:r>
-              <a:rPr lang="en-US" smtClean="0"/>
+              <a:rPr lang="en-US"/>
               <a:t>Fifth level</a:t>
             </a:r>
-            <a:endParaRPr lang="en-US"/>
           </a:p>
         </p:txBody>
       </p:sp>
@@ -7241,7 +7380,7 @@
           <a:p>
             <a:pPr lvl="0"/>
             <a:r>
-              <a:rPr lang="en-US" smtClean="0"/>
+              <a:rPr lang="en-US"/>
               <a:t>Click to edit Master text styles</a:t>
             </a:r>
           </a:p>
@@ -7269,38 +7408,37 @@
           <a:p>
             <a:pPr lvl="0"/>
             <a:r>
-              <a:rPr lang="en-US" smtClean="0"/>
+              <a:rPr lang="en-US"/>
               <a:t>Click to edit Master text styles</a:t>
             </a:r>
           </a:p>
           <a:p>
             <a:pPr lvl="1"/>
             <a:r>
-              <a:rPr lang="en-US" smtClean="0"/>
+              <a:rPr lang="en-US"/>
               <a:t>Second level</a:t>
             </a:r>
           </a:p>
           <a:p>
             <a:pPr lvl="2"/>
             <a:r>
-              <a:rPr lang="en-US" smtClean="0"/>
+              <a:rPr lang="en-US"/>
               <a:t>Third level</a:t>
             </a:r>
           </a:p>
           <a:p>
             <a:pPr lvl="3"/>
             <a:r>
-              <a:rPr lang="en-US" smtClean="0"/>
+              <a:rPr lang="en-US"/>
               <a:t>Fourth level</a:t>
             </a:r>
           </a:p>
           <a:p>
             <a:pPr lvl="4"/>
             <a:r>
-              <a:rPr lang="en-US" smtClean="0"/>
+              <a:rPr lang="en-US"/>
               <a:t>Fifth level</a:t>
             </a:r>
-            <a:endParaRPr lang="en-US"/>
           </a:p>
         </p:txBody>
       </p:sp>
@@ -7370,7 +7508,7 @@
                 <a:tabLst/>
                 <a:defRPr/>
               </a:pPr>
-              <a:t>25-Oct-18</a:t>
+              <a:t>8/4/19</a:t>
             </a:fld>
             <a:endParaRPr kumimoji="0" lang="en-US" sz="1200" b="0" i="0" u="none" strike="noStrike" kern="1200" cap="none" spc="0" normalizeH="0" baseline="0" noProof="0">
               <a:ln>
@@ -7575,10 +7713,9 @@
           <a:lstStyle/>
           <a:p>
             <a:r>
-              <a:rPr lang="en-US" smtClean="0"/>
+              <a:rPr lang="en-US"/>
               <a:t>Click to edit Master title style</a:t>
             </a:r>
-            <a:endParaRPr lang="en-US"/>
           </a:p>
         </p:txBody>
       </p:sp>
@@ -7648,7 +7785,7 @@
                 <a:tabLst/>
                 <a:defRPr/>
               </a:pPr>
-              <a:t>25-Oct-18</a:t>
+              <a:t>8/4/19</a:t>
             </a:fld>
             <a:endParaRPr kumimoji="0" lang="en-US" sz="1200" b="0" i="0" u="none" strike="noStrike" kern="1200" cap="none" spc="0" normalizeH="0" baseline="0" noProof="0">
               <a:ln>
@@ -7903,7 +8040,7 @@
                 <a:tabLst/>
                 <a:defRPr/>
               </a:pPr>
-              <a:t>25-Oct-18</a:t>
+              <a:t>8/4/19</a:t>
             </a:fld>
             <a:endParaRPr kumimoji="0" lang="en-US" sz="1200" b="0" i="0" u="none" strike="noStrike" kern="1200" cap="none" spc="0" normalizeH="0" baseline="0" noProof="0">
               <a:ln>
@@ -8117,10 +8254,9 @@
           </a:lstStyle>
           <a:p>
             <a:r>
-              <a:rPr lang="en-US" smtClean="0"/>
+              <a:rPr lang="en-US"/>
               <a:t>Click to edit Master title style</a:t>
             </a:r>
-            <a:endParaRPr lang="en-US"/>
           </a:p>
         </p:txBody>
       </p:sp>
@@ -8237,7 +8373,7 @@
           <a:p>
             <a:pPr lvl="0"/>
             <a:r>
-              <a:rPr lang="en-US" smtClean="0"/>
+              <a:rPr lang="en-US"/>
               <a:t>Edit Master text styles</a:t>
             </a:r>
           </a:p>
@@ -8260,7 +8396,7 @@
           <a:p>
             <a:fld id="{6D7D1AC5-EDA8-4631-9228-9906422CEF8D}" type="datetimeFigureOut">
               <a:rPr lang="en-US" smtClean="0"/>
-              <a:t>25-Oct-18</a:t>
+              <a:t>8/4/19</a:t>
             </a:fld>
             <a:endParaRPr lang="en-US"/>
           </a:p>
@@ -8363,10 +8499,9 @@
           </a:lstStyle>
           <a:p>
             <a:r>
-              <a:rPr lang="en-US" smtClean="0"/>
+              <a:rPr lang="en-US"/>
               <a:t>Click to edit Master title style</a:t>
             </a:r>
-            <a:endParaRPr lang="en-US"/>
           </a:p>
         </p:txBody>
       </p:sp>
@@ -8420,38 +8555,37 @@
           <a:p>
             <a:pPr lvl="0"/>
             <a:r>
-              <a:rPr lang="en-US" smtClean="0"/>
+              <a:rPr lang="en-US"/>
               <a:t>Click to edit Master text styles</a:t>
             </a:r>
           </a:p>
           <a:p>
             <a:pPr lvl="1"/>
             <a:r>
-              <a:rPr lang="en-US" smtClean="0"/>
+              <a:rPr lang="en-US"/>
               <a:t>Second level</a:t>
             </a:r>
           </a:p>
           <a:p>
             <a:pPr lvl="2"/>
             <a:r>
-              <a:rPr lang="en-US" smtClean="0"/>
+              <a:rPr lang="en-US"/>
               <a:t>Third level</a:t>
             </a:r>
           </a:p>
           <a:p>
             <a:pPr lvl="3"/>
             <a:r>
-              <a:rPr lang="en-US" smtClean="0"/>
+              <a:rPr lang="en-US"/>
               <a:t>Fourth level</a:t>
             </a:r>
           </a:p>
           <a:p>
             <a:pPr lvl="4"/>
             <a:r>
-              <a:rPr lang="en-US" smtClean="0"/>
+              <a:rPr lang="en-US"/>
               <a:t>Fifth level</a:t>
             </a:r>
-            <a:endParaRPr lang="en-US"/>
           </a:p>
         </p:txBody>
       </p:sp>
@@ -8514,7 +8648,7 @@
           <a:p>
             <a:pPr lvl="0"/>
             <a:r>
-              <a:rPr lang="en-US" smtClean="0"/>
+              <a:rPr lang="en-US"/>
               <a:t>Click to edit Master text styles</a:t>
             </a:r>
           </a:p>
@@ -8586,7 +8720,7 @@
                 <a:tabLst/>
                 <a:defRPr/>
               </a:pPr>
-              <a:t>25-Oct-18</a:t>
+              <a:t>8/4/19</a:t>
             </a:fld>
             <a:endParaRPr kumimoji="0" lang="en-US" sz="1200" b="0" i="0" u="none" strike="noStrike" kern="1200" cap="none" spc="0" normalizeH="0" baseline="0" noProof="0">
               <a:ln>
@@ -8800,10 +8934,9 @@
           </a:lstStyle>
           <a:p>
             <a:r>
-              <a:rPr lang="en-US" smtClean="0"/>
+              <a:rPr lang="en-US"/>
               <a:t>Click to edit Master title style</a:t>
             </a:r>
-            <a:endParaRPr lang="en-US"/>
           </a:p>
         </p:txBody>
       </p:sp>
@@ -8927,7 +9060,7 @@
           <a:p>
             <a:pPr lvl="0"/>
             <a:r>
-              <a:rPr lang="en-US" smtClean="0"/>
+              <a:rPr lang="en-US"/>
               <a:t>Click to edit Master text styles</a:t>
             </a:r>
           </a:p>
@@ -8999,7 +9132,7 @@
                 <a:tabLst/>
                 <a:defRPr/>
               </a:pPr>
-              <a:t>25-Oct-18</a:t>
+              <a:t>8/4/19</a:t>
             </a:fld>
             <a:endParaRPr kumimoji="0" lang="en-US" sz="1200" b="0" i="0" u="none" strike="noStrike" kern="1200" cap="none" spc="0" normalizeH="0" baseline="0" noProof="0">
               <a:ln>
@@ -9204,10 +9337,9 @@
           <a:lstStyle/>
           <a:p>
             <a:r>
-              <a:rPr lang="en-US" smtClean="0"/>
+              <a:rPr lang="en-US"/>
               <a:t>Click to edit Master title style</a:t>
             </a:r>
-            <a:endParaRPr lang="en-US"/>
           </a:p>
         </p:txBody>
       </p:sp>
@@ -9228,38 +9360,37 @@
           <a:p>
             <a:pPr lvl="0"/>
             <a:r>
-              <a:rPr lang="en-US" smtClean="0"/>
+              <a:rPr lang="en-US"/>
               <a:t>Click to edit Master text styles</a:t>
             </a:r>
           </a:p>
           <a:p>
             <a:pPr lvl="1"/>
             <a:r>
-              <a:rPr lang="en-US" smtClean="0"/>
+              <a:rPr lang="en-US"/>
               <a:t>Second level</a:t>
             </a:r>
           </a:p>
           <a:p>
             <a:pPr lvl="2"/>
             <a:r>
-              <a:rPr lang="en-US" smtClean="0"/>
+              <a:rPr lang="en-US"/>
               <a:t>Third level</a:t>
             </a:r>
           </a:p>
           <a:p>
             <a:pPr lvl="3"/>
             <a:r>
-              <a:rPr lang="en-US" smtClean="0"/>
+              <a:rPr lang="en-US"/>
               <a:t>Fourth level</a:t>
             </a:r>
           </a:p>
           <a:p>
             <a:pPr lvl="4"/>
             <a:r>
-              <a:rPr lang="en-US" smtClean="0"/>
+              <a:rPr lang="en-US"/>
               <a:t>Fifth level</a:t>
             </a:r>
-            <a:endParaRPr lang="en-US"/>
           </a:p>
         </p:txBody>
       </p:sp>
@@ -9329,7 +9460,7 @@
                 <a:tabLst/>
                 <a:defRPr/>
               </a:pPr>
-              <a:t>25-Oct-18</a:t>
+              <a:t>8/4/19</a:t>
             </a:fld>
             <a:endParaRPr kumimoji="0" lang="en-US" sz="1200" b="0" i="0" u="none" strike="noStrike" kern="1200" cap="none" spc="0" normalizeH="0" baseline="0" noProof="0">
               <a:ln>
@@ -9539,10 +9670,9 @@
           <a:lstStyle/>
           <a:p>
             <a:r>
-              <a:rPr lang="en-US" smtClean="0"/>
+              <a:rPr lang="en-US"/>
               <a:t>Click to edit Master title style</a:t>
             </a:r>
-            <a:endParaRPr lang="en-US"/>
           </a:p>
         </p:txBody>
       </p:sp>
@@ -9568,38 +9698,37 @@
           <a:p>
             <a:pPr lvl="0"/>
             <a:r>
-              <a:rPr lang="en-US" smtClean="0"/>
+              <a:rPr lang="en-US"/>
               <a:t>Click to edit Master text styles</a:t>
             </a:r>
           </a:p>
           <a:p>
             <a:pPr lvl="1"/>
             <a:r>
-              <a:rPr lang="en-US" smtClean="0"/>
+              <a:rPr lang="en-US"/>
               <a:t>Second level</a:t>
             </a:r>
           </a:p>
           <a:p>
             <a:pPr lvl="2"/>
             <a:r>
-              <a:rPr lang="en-US" smtClean="0"/>
+              <a:rPr lang="en-US"/>
               <a:t>Third level</a:t>
             </a:r>
           </a:p>
           <a:p>
             <a:pPr lvl="3"/>
             <a:r>
-              <a:rPr lang="en-US" smtClean="0"/>
+              <a:rPr lang="en-US"/>
               <a:t>Fourth level</a:t>
             </a:r>
           </a:p>
           <a:p>
             <a:pPr lvl="4"/>
             <a:r>
-              <a:rPr lang="en-US" smtClean="0"/>
+              <a:rPr lang="en-US"/>
               <a:t>Fifth level</a:t>
             </a:r>
-            <a:endParaRPr lang="en-US"/>
           </a:p>
         </p:txBody>
       </p:sp>
@@ -9669,7 +9798,7 @@
                 <a:tabLst/>
                 <a:defRPr/>
               </a:pPr>
-              <a:t>25-Oct-18</a:t>
+              <a:t>8/4/19</a:t>
             </a:fld>
             <a:endParaRPr kumimoji="0" lang="en-US" sz="1200" b="0" i="0" u="none" strike="noStrike" kern="1200" cap="none" spc="0" normalizeH="0" baseline="0" noProof="0">
               <a:ln>
@@ -9874,10 +10003,9 @@
           <a:lstStyle/>
           <a:p>
             <a:r>
-              <a:rPr lang="en-US" smtClean="0"/>
+              <a:rPr lang="en-US"/>
               <a:t>Click to edit Master title style</a:t>
             </a:r>
-            <a:endParaRPr lang="en-US"/>
           </a:p>
         </p:txBody>
       </p:sp>
@@ -9903,38 +10031,37 @@
           <a:p>
             <a:pPr lvl="0"/>
             <a:r>
-              <a:rPr lang="en-US" smtClean="0"/>
+              <a:rPr lang="en-US"/>
               <a:t>Edit Master text styles</a:t>
             </a:r>
           </a:p>
           <a:p>
             <a:pPr lvl="1"/>
             <a:r>
-              <a:rPr lang="en-US" smtClean="0"/>
+              <a:rPr lang="en-US"/>
               <a:t>Second level</a:t>
             </a:r>
           </a:p>
           <a:p>
             <a:pPr lvl="2"/>
             <a:r>
-              <a:rPr lang="en-US" smtClean="0"/>
+              <a:rPr lang="en-US"/>
               <a:t>Third level</a:t>
             </a:r>
           </a:p>
           <a:p>
             <a:pPr lvl="3"/>
             <a:r>
-              <a:rPr lang="en-US" smtClean="0"/>
+              <a:rPr lang="en-US"/>
               <a:t>Fourth level</a:t>
             </a:r>
           </a:p>
           <a:p>
             <a:pPr lvl="4"/>
             <a:r>
-              <a:rPr lang="en-US" smtClean="0"/>
+              <a:rPr lang="en-US"/>
               <a:t>Fifth level</a:t>
             </a:r>
-            <a:endParaRPr lang="en-US"/>
           </a:p>
         </p:txBody>
       </p:sp>
@@ -9960,38 +10087,37 @@
           <a:p>
             <a:pPr lvl="0"/>
             <a:r>
-              <a:rPr lang="en-US" smtClean="0"/>
+              <a:rPr lang="en-US"/>
               <a:t>Edit Master text styles</a:t>
             </a:r>
           </a:p>
           <a:p>
             <a:pPr lvl="1"/>
             <a:r>
-              <a:rPr lang="en-US" smtClean="0"/>
+              <a:rPr lang="en-US"/>
               <a:t>Second level</a:t>
             </a:r>
           </a:p>
           <a:p>
             <a:pPr lvl="2"/>
             <a:r>
-              <a:rPr lang="en-US" smtClean="0"/>
+              <a:rPr lang="en-US"/>
               <a:t>Third level</a:t>
             </a:r>
           </a:p>
           <a:p>
             <a:pPr lvl="3"/>
             <a:r>
-              <a:rPr lang="en-US" smtClean="0"/>
+              <a:rPr lang="en-US"/>
               <a:t>Fourth level</a:t>
             </a:r>
           </a:p>
           <a:p>
             <a:pPr lvl="4"/>
             <a:r>
-              <a:rPr lang="en-US" smtClean="0"/>
+              <a:rPr lang="en-US"/>
               <a:t>Fifth level</a:t>
             </a:r>
-            <a:endParaRPr lang="en-US"/>
           </a:p>
         </p:txBody>
       </p:sp>
@@ -10012,7 +10138,7 @@
           <a:p>
             <a:fld id="{6D7D1AC5-EDA8-4631-9228-9906422CEF8D}" type="datetimeFigureOut">
               <a:rPr lang="en-US" smtClean="0"/>
-              <a:t>25-Oct-18</a:t>
+              <a:t>8/4/19</a:t>
             </a:fld>
             <a:endParaRPr lang="en-US"/>
           </a:p>
@@ -10111,10 +10237,9 @@
           <a:lstStyle/>
           <a:p>
             <a:r>
-              <a:rPr lang="en-US" smtClean="0"/>
+              <a:rPr lang="en-US"/>
               <a:t>Click to edit Master title style</a:t>
             </a:r>
-            <a:endParaRPr lang="en-US"/>
           </a:p>
         </p:txBody>
       </p:sp>
@@ -10177,7 +10302,7 @@
           <a:p>
             <a:pPr lvl="0"/>
             <a:r>
-              <a:rPr lang="en-US" smtClean="0"/>
+              <a:rPr lang="en-US"/>
               <a:t>Edit Master text styles</a:t>
             </a:r>
           </a:p>
@@ -10205,38 +10330,37 @@
           <a:p>
             <a:pPr lvl="0"/>
             <a:r>
-              <a:rPr lang="en-US" smtClean="0"/>
+              <a:rPr lang="en-US"/>
               <a:t>Edit Master text styles</a:t>
             </a:r>
           </a:p>
           <a:p>
             <a:pPr lvl="1"/>
             <a:r>
-              <a:rPr lang="en-US" smtClean="0"/>
+              <a:rPr lang="en-US"/>
               <a:t>Second level</a:t>
             </a:r>
           </a:p>
           <a:p>
             <a:pPr lvl="2"/>
             <a:r>
-              <a:rPr lang="en-US" smtClean="0"/>
+              <a:rPr lang="en-US"/>
               <a:t>Third level</a:t>
             </a:r>
           </a:p>
           <a:p>
             <a:pPr lvl="3"/>
             <a:r>
-              <a:rPr lang="en-US" smtClean="0"/>
+              <a:rPr lang="en-US"/>
               <a:t>Fourth level</a:t>
             </a:r>
           </a:p>
           <a:p>
             <a:pPr lvl="4"/>
             <a:r>
-              <a:rPr lang="en-US" smtClean="0"/>
+              <a:rPr lang="en-US"/>
               <a:t>Fifth level</a:t>
             </a:r>
-            <a:endParaRPr lang="en-US"/>
           </a:p>
         </p:txBody>
       </p:sp>
@@ -10299,7 +10423,7 @@
           <a:p>
             <a:pPr lvl="0"/>
             <a:r>
-              <a:rPr lang="en-US" smtClean="0"/>
+              <a:rPr lang="en-US"/>
               <a:t>Edit Master text styles</a:t>
             </a:r>
           </a:p>
@@ -10327,38 +10451,37 @@
           <a:p>
             <a:pPr lvl="0"/>
             <a:r>
-              <a:rPr lang="en-US" smtClean="0"/>
+              <a:rPr lang="en-US"/>
               <a:t>Edit Master text styles</a:t>
             </a:r>
           </a:p>
           <a:p>
             <a:pPr lvl="1"/>
             <a:r>
-              <a:rPr lang="en-US" smtClean="0"/>
+              <a:rPr lang="en-US"/>
               <a:t>Second level</a:t>
             </a:r>
           </a:p>
           <a:p>
             <a:pPr lvl="2"/>
             <a:r>
-              <a:rPr lang="en-US" smtClean="0"/>
+              <a:rPr lang="en-US"/>
               <a:t>Third level</a:t>
             </a:r>
           </a:p>
           <a:p>
             <a:pPr lvl="3"/>
             <a:r>
-              <a:rPr lang="en-US" smtClean="0"/>
+              <a:rPr lang="en-US"/>
               <a:t>Fourth level</a:t>
             </a:r>
           </a:p>
           <a:p>
             <a:pPr lvl="4"/>
             <a:r>
-              <a:rPr lang="en-US" smtClean="0"/>
+              <a:rPr lang="en-US"/>
               <a:t>Fifth level</a:t>
             </a:r>
-            <a:endParaRPr lang="en-US"/>
           </a:p>
         </p:txBody>
       </p:sp>
@@ -10379,7 +10502,7 @@
           <a:p>
             <a:fld id="{6D7D1AC5-EDA8-4631-9228-9906422CEF8D}" type="datetimeFigureOut">
               <a:rPr lang="en-US" smtClean="0"/>
-              <a:t>25-Oct-18</a:t>
+              <a:t>8/4/19</a:t>
             </a:fld>
             <a:endParaRPr lang="en-US"/>
           </a:p>
@@ -10473,10 +10596,9 @@
           <a:lstStyle/>
           <a:p>
             <a:r>
-              <a:rPr lang="en-US" smtClean="0"/>
+              <a:rPr lang="en-US"/>
               <a:t>Click to edit Master title style</a:t>
             </a:r>
-            <a:endParaRPr lang="en-US"/>
           </a:p>
         </p:txBody>
       </p:sp>
@@ -10497,7 +10619,7 @@
           <a:p>
             <a:fld id="{6D7D1AC5-EDA8-4631-9228-9906422CEF8D}" type="datetimeFigureOut">
               <a:rPr lang="en-US" smtClean="0"/>
-              <a:t>25-Oct-18</a:t>
+              <a:t>8/4/19</a:t>
             </a:fld>
             <a:endParaRPr lang="en-US"/>
           </a:p>
@@ -10592,7 +10714,7 @@
           <a:p>
             <a:fld id="{6D7D1AC5-EDA8-4631-9228-9906422CEF8D}" type="datetimeFigureOut">
               <a:rPr lang="en-US" smtClean="0"/>
-              <a:t>25-Oct-18</a:t>
+              <a:t>8/4/19</a:t>
             </a:fld>
             <a:endParaRPr lang="en-US"/>
           </a:p>
@@ -10695,10 +10817,9 @@
           </a:lstStyle>
           <a:p>
             <a:r>
-              <a:rPr lang="en-US" smtClean="0"/>
+              <a:rPr lang="en-US"/>
               <a:t>Click to edit Master title style</a:t>
             </a:r>
-            <a:endParaRPr lang="en-US"/>
           </a:p>
         </p:txBody>
       </p:sp>
@@ -10752,38 +10873,37 @@
           <a:p>
             <a:pPr lvl="0"/>
             <a:r>
-              <a:rPr lang="en-US" smtClean="0"/>
+              <a:rPr lang="en-US"/>
               <a:t>Edit Master text styles</a:t>
             </a:r>
           </a:p>
           <a:p>
             <a:pPr lvl="1"/>
             <a:r>
-              <a:rPr lang="en-US" smtClean="0"/>
+              <a:rPr lang="en-US"/>
               <a:t>Second level</a:t>
             </a:r>
           </a:p>
           <a:p>
             <a:pPr lvl="2"/>
             <a:r>
-              <a:rPr lang="en-US" smtClean="0"/>
+              <a:rPr lang="en-US"/>
               <a:t>Third level</a:t>
             </a:r>
           </a:p>
           <a:p>
             <a:pPr lvl="3"/>
             <a:r>
-              <a:rPr lang="en-US" smtClean="0"/>
+              <a:rPr lang="en-US"/>
               <a:t>Fourth level</a:t>
             </a:r>
           </a:p>
           <a:p>
             <a:pPr lvl="4"/>
             <a:r>
-              <a:rPr lang="en-US" smtClean="0"/>
+              <a:rPr lang="en-US"/>
               <a:t>Fifth level</a:t>
             </a:r>
-            <a:endParaRPr lang="en-US"/>
           </a:p>
         </p:txBody>
       </p:sp>
@@ -10846,7 +10966,7 @@
           <a:p>
             <a:pPr lvl="0"/>
             <a:r>
-              <a:rPr lang="en-US" smtClean="0"/>
+              <a:rPr lang="en-US"/>
               <a:t>Edit Master text styles</a:t>
             </a:r>
           </a:p>
@@ -10869,7 +10989,7 @@
           <a:p>
             <a:fld id="{6D7D1AC5-EDA8-4631-9228-9906422CEF8D}" type="datetimeFigureOut">
               <a:rPr lang="en-US" smtClean="0"/>
-              <a:t>25-Oct-18</a:t>
+              <a:t>8/4/19</a:t>
             </a:fld>
             <a:endParaRPr lang="en-US"/>
           </a:p>
@@ -10972,10 +11092,9 @@
           </a:lstStyle>
           <a:p>
             <a:r>
-              <a:rPr lang="en-US" smtClean="0"/>
+              <a:rPr lang="en-US"/>
               <a:t>Click to edit Master title style</a:t>
             </a:r>
-            <a:endParaRPr lang="en-US"/>
           </a:p>
         </p:txBody>
       </p:sp>
@@ -11099,7 +11218,7 @@
           <a:p>
             <a:pPr lvl="0"/>
             <a:r>
-              <a:rPr lang="en-US" smtClean="0"/>
+              <a:rPr lang="en-US"/>
               <a:t>Edit Master text styles</a:t>
             </a:r>
           </a:p>
@@ -11122,7 +11241,7 @@
           <a:p>
             <a:fld id="{6D7D1AC5-EDA8-4631-9228-9906422CEF8D}" type="datetimeFigureOut">
               <a:rPr lang="en-US" smtClean="0"/>
-              <a:t>25-Oct-18</a:t>
+              <a:t>8/4/19</a:t>
             </a:fld>
             <a:endParaRPr lang="en-US"/>
           </a:p>
@@ -11231,10 +11350,9 @@
           <a:lstStyle/>
           <a:p>
             <a:r>
-              <a:rPr lang="en-US" smtClean="0"/>
+              <a:rPr lang="en-US"/>
               <a:t>Click to edit Master title style</a:t>
             </a:r>
-            <a:endParaRPr lang="en-US"/>
           </a:p>
         </p:txBody>
       </p:sp>
@@ -11265,38 +11383,37 @@
           <a:p>
             <a:pPr lvl="0"/>
             <a:r>
-              <a:rPr lang="en-US" smtClean="0"/>
+              <a:rPr lang="en-US"/>
               <a:t>Edit Master text styles</a:t>
             </a:r>
           </a:p>
           <a:p>
             <a:pPr lvl="1"/>
             <a:r>
-              <a:rPr lang="en-US" smtClean="0"/>
+              <a:rPr lang="en-US"/>
               <a:t>Second level</a:t>
             </a:r>
           </a:p>
           <a:p>
             <a:pPr lvl="2"/>
             <a:r>
-              <a:rPr lang="en-US" smtClean="0"/>
+              <a:rPr lang="en-US"/>
               <a:t>Third level</a:t>
             </a:r>
           </a:p>
           <a:p>
             <a:pPr lvl="3"/>
             <a:r>
-              <a:rPr lang="en-US" smtClean="0"/>
+              <a:rPr lang="en-US"/>
               <a:t>Fourth level</a:t>
             </a:r>
           </a:p>
           <a:p>
             <a:pPr lvl="4"/>
             <a:r>
-              <a:rPr lang="en-US" smtClean="0"/>
+              <a:rPr lang="en-US"/>
               <a:t>Fifth level</a:t>
             </a:r>
-            <a:endParaRPr lang="en-US"/>
           </a:p>
         </p:txBody>
       </p:sp>
@@ -11335,7 +11452,7 @@
           <a:p>
             <a:fld id="{6D7D1AC5-EDA8-4631-9228-9906422CEF8D}" type="datetimeFigureOut">
               <a:rPr lang="en-US" smtClean="0"/>
-              <a:t>25-Oct-18</a:t>
+              <a:t>8/4/19</a:t>
             </a:fld>
             <a:endParaRPr lang="en-US"/>
           </a:p>
@@ -11771,10 +11888,9 @@
           <a:lstStyle/>
           <a:p>
             <a:r>
-              <a:rPr lang="en-US" dirty="0" smtClean="0"/>
+              <a:rPr lang="en-US" dirty="0"/>
               <a:t>Click to edit Master title style</a:t>
             </a:r>
-            <a:endParaRPr lang="en-US" dirty="0"/>
           </a:p>
         </p:txBody>
       </p:sp>
@@ -11805,38 +11921,37 @@
           <a:p>
             <a:pPr lvl="0"/>
             <a:r>
-              <a:rPr lang="en-US" smtClean="0"/>
+              <a:rPr lang="en-US"/>
               <a:t>Click to edit Master text styles</a:t>
             </a:r>
           </a:p>
           <a:p>
             <a:pPr lvl="1"/>
             <a:r>
-              <a:rPr lang="en-US" smtClean="0"/>
+              <a:rPr lang="en-US"/>
               <a:t>Second level</a:t>
             </a:r>
           </a:p>
           <a:p>
             <a:pPr lvl="2"/>
             <a:r>
-              <a:rPr lang="en-US" smtClean="0"/>
+              <a:rPr lang="en-US"/>
               <a:t>Third level</a:t>
             </a:r>
           </a:p>
           <a:p>
             <a:pPr lvl="3"/>
             <a:r>
-              <a:rPr lang="en-US" smtClean="0"/>
+              <a:rPr lang="en-US"/>
               <a:t>Fourth level</a:t>
             </a:r>
           </a:p>
           <a:p>
             <a:pPr lvl="4"/>
             <a:r>
-              <a:rPr lang="en-US" smtClean="0"/>
+              <a:rPr lang="en-US"/>
               <a:t>Fifth level</a:t>
             </a:r>
-            <a:endParaRPr lang="en-US"/>
           </a:p>
         </p:txBody>
       </p:sp>
@@ -11924,7 +12039,7 @@
                 <a:tabLst/>
                 <a:defRPr/>
               </a:pPr>
-              <a:t>25-Oct-18</a:t>
+              <a:t>8/4/19</a:t>
             </a:fld>
             <a:endParaRPr kumimoji="0" lang="en-US" sz="1200" b="0" i="0" u="none" strike="noStrike" kern="1200" cap="none" spc="0" normalizeH="0" baseline="0" noProof="0">
               <a:ln>
@@ -12471,10 +12586,9 @@
           <a:lstStyle/>
           <a:p>
             <a:r>
-              <a:rPr lang="en-US" dirty="0" smtClean="0"/>
+              <a:rPr lang="en-US" dirty="0"/>
               <a:t>Click to edit Master title style</a:t>
             </a:r>
-            <a:endParaRPr lang="en-US" dirty="0"/>
           </a:p>
         </p:txBody>
       </p:sp>
@@ -12505,38 +12619,37 @@
           <a:p>
             <a:pPr lvl="0"/>
             <a:r>
-              <a:rPr lang="en-US" smtClean="0"/>
+              <a:rPr lang="en-US"/>
               <a:t>Click to edit Master text styles</a:t>
             </a:r>
           </a:p>
           <a:p>
             <a:pPr lvl="1"/>
             <a:r>
-              <a:rPr lang="en-US" smtClean="0"/>
+              <a:rPr lang="en-US"/>
               <a:t>Second level</a:t>
             </a:r>
           </a:p>
           <a:p>
             <a:pPr lvl="2"/>
             <a:r>
-              <a:rPr lang="en-US" smtClean="0"/>
+              <a:rPr lang="en-US"/>
               <a:t>Third level</a:t>
             </a:r>
           </a:p>
           <a:p>
             <a:pPr lvl="3"/>
             <a:r>
-              <a:rPr lang="en-US" smtClean="0"/>
+              <a:rPr lang="en-US"/>
               <a:t>Fourth level</a:t>
             </a:r>
           </a:p>
           <a:p>
             <a:pPr lvl="4"/>
             <a:r>
-              <a:rPr lang="en-US" smtClean="0"/>
+              <a:rPr lang="en-US"/>
               <a:t>Fifth level</a:t>
             </a:r>
-            <a:endParaRPr lang="en-US"/>
           </a:p>
         </p:txBody>
       </p:sp>
@@ -12624,7 +12737,7 @@
                 <a:tabLst/>
                 <a:defRPr/>
               </a:pPr>
-              <a:t>25-Oct-18</a:t>
+              <a:t>8/4/19</a:t>
             </a:fld>
             <a:endParaRPr kumimoji="0" lang="en-US" sz="1200" b="0" i="0" u="none" strike="noStrike" kern="1200" cap="none" spc="0" normalizeH="0" baseline="0" noProof="0">
               <a:ln>
@@ -13164,43 +13277,34 @@
           <a:p>
             <a:pPr algn="l"/>
             <a:r>
-              <a:rPr lang="en-US" sz="7200" dirty="0" smtClean="0"/>
+              <a:rPr lang="en-US" sz="7200" dirty="0"/>
               <a:t>Enterprise </a:t>
             </a:r>
             <a:r>
-              <a:rPr lang="en-US" sz="7200" dirty="0" err="1" smtClean="0"/>
+              <a:rPr lang="en-US" sz="7200" dirty="0" err="1"/>
               <a:t>Programmering</a:t>
             </a:r>
             <a:r>
-              <a:rPr lang="en-US" sz="7200" dirty="0" smtClean="0"/>
+              <a:rPr lang="en-US" sz="7200" dirty="0"/>
               <a:t> 2</a:t>
             </a:r>
             <a:br>
-              <a:rPr lang="en-US" sz="7200" dirty="0" smtClean="0"/>
+              <a:rPr lang="en-US" sz="7200" dirty="0"/>
             </a:br>
-            <a:r>
-              <a:rPr lang="en-US" sz="7200" dirty="0" smtClean="0"/>
-              <a:t/>
-            </a:r>
             <a:br>
-              <a:rPr lang="en-US" sz="7200" dirty="0" smtClean="0"/>
+              <a:rPr lang="en-US" sz="7200" dirty="0"/>
             </a:br>
             <a:r>
-              <a:rPr lang="en-US" sz="7200" dirty="0" smtClean="0"/>
+              <a:rPr lang="en-US" sz="7200" dirty="0"/>
               <a:t>Lesson 11: </a:t>
             </a:r>
             <a:br>
-              <a:rPr lang="en-US" sz="7200" dirty="0" smtClean="0"/>
+              <a:rPr lang="en-US" sz="7200" dirty="0"/>
             </a:br>
             <a:r>
-              <a:rPr lang="en-US" sz="7200" dirty="0" smtClean="0"/>
-              <a:t>Security in </a:t>
-            </a:r>
-            <a:r>
-              <a:rPr lang="en-US" sz="7200" dirty="0" err="1" smtClean="0"/>
-              <a:t>MicroServices</a:t>
-            </a:r>
-            <a:endParaRPr lang="en-US" sz="7200" dirty="0"/>
+              <a:rPr lang="en-US" sz="7200" dirty="0"/>
+              <a:t>AMQP and RabbitMQ</a:t>
+            </a:r>
           </a:p>
         </p:txBody>
       </p:sp>
@@ -13228,14 +13332,18 @@
           <a:p>
             <a:pPr algn="r"/>
             <a:r>
-              <a:rPr lang="en-US" sz="2800" dirty="0" smtClean="0"/>
-              <a:t>Dr. Andrea </a:t>
-            </a:r>
-            <a:r>
-              <a:rPr lang="en-US" sz="2800" dirty="0" err="1" smtClean="0"/>
+              <a:rPr lang="en-US" sz="2800"/>
+              <a:t>Prof. </a:t>
+            </a:r>
+            <a:r>
+              <a:rPr lang="en-US" sz="2800" dirty="0"/>
+              <a:t>Andrea </a:t>
+            </a:r>
+            <a:r>
+              <a:rPr lang="en-US" sz="2800" dirty="0" err="1"/>
               <a:t>Arcuri</a:t>
             </a:r>
-            <a:endParaRPr lang="en-US" sz="2800" dirty="0" smtClean="0"/>
+            <a:endParaRPr lang="en-US" sz="2800" dirty="0"/>
           </a:p>
         </p:txBody>
       </p:sp>
@@ -13271,7 +13379,7 @@
       </p:grpSpPr>
       <p:sp>
         <p:nvSpPr>
-          <p:cNvPr id="2" name="Title 1"/>
+          <p:cNvPr id="4" name="Title 3"/>
           <p:cNvSpPr>
             <a:spLocks noGrp="1"/>
           </p:cNvSpPr>
@@ -13285,544 +13393,13 @@
           <a:lstStyle/>
           <a:p>
             <a:r>
-              <a:rPr lang="en-US" dirty="0" smtClean="0"/>
-              <a:t>Sending/Receiving Tokens</a:t>
-            </a:r>
-            <a:endParaRPr lang="en-US" dirty="0"/>
-          </a:p>
-        </p:txBody>
-      </p:sp>
-      <p:sp>
-        <p:nvSpPr>
-          <p:cNvPr id="3" name="Content Placeholder 2"/>
-          <p:cNvSpPr>
-            <a:spLocks noGrp="1"/>
-          </p:cNvSpPr>
-          <p:nvPr>
-            <p:ph idx="1"/>
-          </p:nvPr>
-        </p:nvSpPr>
-        <p:spPr>
-          <a:xfrm>
-            <a:off x="191193" y="1825624"/>
-            <a:ext cx="11829011" cy="4824558"/>
-          </a:xfrm>
-        </p:spPr>
-        <p:txBody>
-          <a:bodyPr>
-            <a:normAutofit fontScale="92500" lnSpcReduction="20000"/>
-          </a:bodyPr>
-          <a:lstStyle/>
-          <a:p>
-            <a:r>
-              <a:rPr lang="en-US" dirty="0" smtClean="0"/>
-              <a:t>Browser needs to store authentication </a:t>
-            </a:r>
-            <a:r>
-              <a:rPr lang="en-US" i="1" dirty="0" smtClean="0"/>
-              <a:t>tokens</a:t>
-            </a:r>
-            <a:r>
-              <a:rPr lang="en-US" dirty="0" smtClean="0"/>
-              <a:t> somewhere</a:t>
-            </a:r>
-          </a:p>
-          <a:p>
-            <a:r>
-              <a:rPr lang="en-US" dirty="0" smtClean="0"/>
-              <a:t>Tokens need to be added at each HTTP request</a:t>
-            </a:r>
-          </a:p>
-          <a:p>
-            <a:r>
-              <a:rPr lang="en-US" i="1" dirty="0" smtClean="0"/>
-              <a:t>Best</a:t>
-            </a:r>
-            <a:r>
-              <a:rPr lang="en-US" dirty="0" smtClean="0"/>
-              <a:t> way to store tokens is HTTP </a:t>
-            </a:r>
-            <a:r>
-              <a:rPr lang="en-US" b="1" dirty="0" smtClean="0"/>
-              <a:t>Cookies</a:t>
-            </a:r>
-            <a:r>
-              <a:rPr lang="en-US" dirty="0" smtClean="0"/>
-              <a:t> marked with </a:t>
-            </a:r>
-            <a:r>
-              <a:rPr lang="en-US" i="1" dirty="0" err="1" smtClean="0"/>
-              <a:t>HttpOnly</a:t>
-            </a:r>
-            <a:endParaRPr lang="en-US" i="1" dirty="0" smtClean="0"/>
-          </a:p>
-          <a:p>
-            <a:pPr lvl="1"/>
-            <a:r>
-              <a:rPr lang="en-US" dirty="0" smtClean="0"/>
-              <a:t>automatically added on each HTTP request</a:t>
-            </a:r>
-          </a:p>
-          <a:p>
-            <a:pPr lvl="1"/>
-            <a:r>
-              <a:rPr lang="en-US" dirty="0" smtClean="0"/>
-              <a:t>cannot be read by JavaScript</a:t>
-            </a:r>
-          </a:p>
-          <a:p>
-            <a:r>
-              <a:rPr lang="en-US" dirty="0" smtClean="0"/>
-              <a:t>If you do </a:t>
-            </a:r>
-            <a:r>
-              <a:rPr lang="en-US" i="1" dirty="0" smtClean="0"/>
-              <a:t>not</a:t>
-            </a:r>
-            <a:r>
-              <a:rPr lang="en-US" dirty="0" smtClean="0"/>
-              <a:t> store authentication tokens in </a:t>
-            </a:r>
-            <a:r>
-              <a:rPr lang="en-US" i="1" dirty="0" err="1"/>
-              <a:t>HttpOnly</a:t>
-            </a:r>
-            <a:r>
-              <a:rPr lang="en-US" i="1" dirty="0"/>
-              <a:t> </a:t>
-            </a:r>
-            <a:r>
-              <a:rPr lang="en-US" dirty="0" smtClean="0"/>
-              <a:t>cookies, you are </a:t>
-            </a:r>
-            <a:r>
-              <a:rPr lang="en-US" i="1" dirty="0" smtClean="0"/>
-              <a:t>more</a:t>
-            </a:r>
-            <a:r>
-              <a:rPr lang="en-US" dirty="0" smtClean="0"/>
-              <a:t> vulnerable to </a:t>
-            </a:r>
-            <a:r>
-              <a:rPr lang="en-US" b="1" dirty="0" smtClean="0"/>
-              <a:t>XSS</a:t>
-            </a:r>
-            <a:r>
-              <a:rPr lang="en-US" dirty="0" smtClean="0"/>
-              <a:t> attacks!!!</a:t>
-            </a:r>
-          </a:p>
-          <a:p>
-            <a:pPr lvl="1"/>
+              <a:rPr lang="en-US" dirty="0" err="1"/>
+              <a:t>Git</a:t>
+            </a:r>
             <a:r>
               <a:rPr lang="en-US" dirty="0"/>
-              <a:t>C</a:t>
-            </a:r>
-            <a:r>
-              <a:rPr lang="en-US" dirty="0" smtClean="0"/>
-              <a:t>omplex story… even with cookies, still vulnerable to XSS, but it would stop as soon as you close the browser… without cookies, token could be sent to malicious server via AJAX, and attacks continue from there</a:t>
-            </a:r>
-          </a:p>
-          <a:p>
-            <a:pPr lvl="1"/>
-            <a:r>
-              <a:rPr lang="en-US" dirty="0" smtClean="0"/>
-              <a:t>Note: this is a </a:t>
-            </a:r>
-            <a:r>
-              <a:rPr lang="en-US" b="1" dirty="0" smtClean="0"/>
-              <a:t>huge</a:t>
-            </a:r>
-            <a:r>
-              <a:rPr lang="en-US" dirty="0" smtClean="0"/>
-              <a:t> problem if you make the mistake of using JWT with no </a:t>
-            </a:r>
-            <a:r>
-              <a:rPr lang="en-US" dirty="0" err="1" smtClean="0"/>
-              <a:t>stateful</a:t>
-            </a:r>
-            <a:r>
-              <a:rPr lang="en-US" dirty="0" smtClean="0"/>
-              <a:t> whitelist/blacklist logout…</a:t>
-            </a:r>
-            <a:endParaRPr lang="en-US" dirty="0"/>
-          </a:p>
-        </p:txBody>
-      </p:sp>
-    </p:spTree>
-    <p:extLst>
-      <p:ext uri="{BB962C8B-B14F-4D97-AF65-F5344CB8AC3E}">
-        <p14:creationId xmlns:p14="http://schemas.microsoft.com/office/powerpoint/2010/main" val="2189502689"/>
-      </p:ext>
-    </p:extLst>
-  </p:cSld>
-  <p:clrMapOvr>
-    <a:masterClrMapping/>
-  </p:clrMapOvr>
-</p:sld>
-</file>
-
-<file path=ppt/slides/slide11.xml><?xml version="1.0" encoding="utf-8"?>
-<p:sld xmlns:a="http://schemas.openxmlformats.org/drawingml/2006/main" xmlns:r="http://schemas.openxmlformats.org/officeDocument/2006/relationships" xmlns:p="http://schemas.openxmlformats.org/presentationml/2006/main">
-  <p:cSld>
-    <p:spTree>
-      <p:nvGrpSpPr>
-        <p:cNvPr id="1" name=""/>
-        <p:cNvGrpSpPr/>
-        <p:nvPr/>
-      </p:nvGrpSpPr>
-      <p:grpSpPr>
-        <a:xfrm>
-          <a:off x="0" y="0"/>
-          <a:ext cx="0" cy="0"/>
-          <a:chOff x="0" y="0"/>
-          <a:chExt cx="0" cy="0"/>
-        </a:xfrm>
-      </p:grpSpPr>
-      <p:sp>
-        <p:nvSpPr>
-          <p:cNvPr id="2" name="Title 1"/>
-          <p:cNvSpPr>
-            <a:spLocks noGrp="1"/>
-          </p:cNvSpPr>
-          <p:nvPr>
-            <p:ph type="title"/>
-          </p:nvPr>
-        </p:nvSpPr>
-        <p:spPr>
-          <a:xfrm>
-            <a:off x="241069" y="365125"/>
-            <a:ext cx="11812386" cy="1325563"/>
-          </a:xfrm>
-        </p:spPr>
-        <p:txBody>
-          <a:bodyPr>
-            <a:normAutofit/>
-          </a:bodyPr>
-          <a:lstStyle/>
-          <a:p>
-            <a:r>
-              <a:rPr lang="en-US" dirty="0" err="1" smtClean="0"/>
-              <a:t>MicroService</a:t>
-            </a:r>
-            <a:r>
-              <a:rPr lang="en-US" dirty="0" smtClean="0"/>
-              <a:t>: Distributed Session</a:t>
-            </a:r>
-            <a:endParaRPr lang="en-US" dirty="0"/>
-          </a:p>
-        </p:txBody>
-      </p:sp>
-      <p:sp>
-        <p:nvSpPr>
-          <p:cNvPr id="3" name="Content Placeholder 2"/>
-          <p:cNvSpPr>
-            <a:spLocks noGrp="1"/>
-          </p:cNvSpPr>
-          <p:nvPr>
-            <p:ph idx="1"/>
-          </p:nvPr>
-        </p:nvSpPr>
-        <p:spPr>
-          <a:xfrm>
-            <a:off x="241069" y="1825624"/>
-            <a:ext cx="11704320" cy="4824557"/>
-          </a:xfrm>
-        </p:spPr>
-        <p:txBody>
-          <a:bodyPr>
-            <a:normAutofit fontScale="92500" lnSpcReduction="20000"/>
-          </a:bodyPr>
-          <a:lstStyle/>
-          <a:p>
-            <a:r>
-              <a:rPr lang="en-US" dirty="0" smtClean="0"/>
-              <a:t>Requests from user can go to many different services behind the gateway</a:t>
-            </a:r>
-          </a:p>
-          <a:p>
-            <a:r>
-              <a:rPr lang="en-US" dirty="0" smtClean="0"/>
-              <a:t>Should use a single authentication token, and not one for each service</a:t>
-            </a:r>
-          </a:p>
-          <a:p>
-            <a:r>
-              <a:rPr lang="en-US" dirty="0" smtClean="0"/>
-              <a:t>When service X speaks with Y, need to use the same kind of authentication  that user would use when connecting to X and Y directly</a:t>
-            </a:r>
-          </a:p>
-          <a:p>
-            <a:r>
-              <a:rPr lang="en-US" dirty="0" smtClean="0"/>
-              <a:t>Session tokens stored in a database (</a:t>
-            </a:r>
-            <a:r>
-              <a:rPr lang="en-US" dirty="0" err="1" smtClean="0"/>
-              <a:t>eg</a:t>
-            </a:r>
-            <a:r>
-              <a:rPr lang="en-US" dirty="0" smtClean="0"/>
-              <a:t> </a:t>
-            </a:r>
-            <a:r>
-              <a:rPr lang="en-US" i="1" dirty="0" err="1" smtClean="0"/>
-              <a:t>Redis</a:t>
-            </a:r>
-            <a:r>
-              <a:rPr lang="en-US" dirty="0" smtClean="0"/>
-              <a:t>), accessible by all the services</a:t>
-            </a:r>
-          </a:p>
-          <a:p>
-            <a:pPr lvl="1"/>
-            <a:r>
-              <a:rPr lang="en-US" i="1" dirty="0" smtClean="0"/>
-              <a:t>Authentication</a:t>
-            </a:r>
-            <a:r>
-              <a:rPr lang="en-US" dirty="0" smtClean="0"/>
-              <a:t>: verify if received token is on </a:t>
-            </a:r>
-            <a:r>
-              <a:rPr lang="en-US" i="1" dirty="0" err="1" smtClean="0"/>
-              <a:t>Redis</a:t>
-            </a:r>
-            <a:endParaRPr lang="en-US" i="1" dirty="0" smtClean="0"/>
-          </a:p>
-          <a:p>
-            <a:pPr lvl="1"/>
-            <a:r>
-              <a:rPr lang="en-US" i="1" dirty="0" smtClean="0"/>
-              <a:t>Login:</a:t>
-            </a:r>
-            <a:r>
-              <a:rPr lang="en-US" dirty="0" smtClean="0"/>
-              <a:t> add token to </a:t>
-            </a:r>
-            <a:r>
-              <a:rPr lang="en-US" i="1" dirty="0" err="1" smtClean="0"/>
-              <a:t>Redis</a:t>
-            </a:r>
-            <a:endParaRPr lang="en-US" i="1" dirty="0" smtClean="0"/>
-          </a:p>
-          <a:p>
-            <a:pPr lvl="1"/>
-            <a:r>
-              <a:rPr lang="en-US" i="1" dirty="0" smtClean="0"/>
-              <a:t>Logout:</a:t>
-            </a:r>
-            <a:r>
-              <a:rPr lang="en-US" dirty="0" smtClean="0"/>
-              <a:t> remove token from </a:t>
-            </a:r>
-            <a:r>
-              <a:rPr lang="en-US" i="1" dirty="0" err="1" smtClean="0"/>
-              <a:t>Redis</a:t>
-            </a:r>
-            <a:endParaRPr lang="en-US" i="1" dirty="0" smtClean="0"/>
-          </a:p>
-          <a:p>
-            <a:endParaRPr lang="en-US" i="1" dirty="0"/>
-          </a:p>
-        </p:txBody>
-      </p:sp>
-    </p:spTree>
-    <p:extLst>
-      <p:ext uri="{BB962C8B-B14F-4D97-AF65-F5344CB8AC3E}">
-        <p14:creationId xmlns:p14="http://schemas.microsoft.com/office/powerpoint/2010/main" val="2223561088"/>
-      </p:ext>
-    </p:extLst>
-  </p:cSld>
-  <p:clrMapOvr>
-    <a:masterClrMapping/>
-  </p:clrMapOvr>
-</p:sld>
-</file>
-
-<file path=ppt/slides/slide12.xml><?xml version="1.0" encoding="utf-8"?>
-<p:sld xmlns:a="http://schemas.openxmlformats.org/drawingml/2006/main" xmlns:r="http://schemas.openxmlformats.org/officeDocument/2006/relationships" xmlns:p="http://schemas.openxmlformats.org/presentationml/2006/main">
-  <p:cSld>
-    <p:spTree>
-      <p:nvGrpSpPr>
-        <p:cNvPr id="1" name=""/>
-        <p:cNvGrpSpPr/>
-        <p:nvPr/>
-      </p:nvGrpSpPr>
-      <p:grpSpPr>
-        <a:xfrm>
-          <a:off x="0" y="0"/>
-          <a:ext cx="0" cy="0"/>
-          <a:chOff x="0" y="0"/>
-          <a:chExt cx="0" cy="0"/>
-        </a:xfrm>
-      </p:grpSpPr>
-      <p:sp>
-        <p:nvSpPr>
-          <p:cNvPr id="3" name="Content Placeholder 2"/>
-          <p:cNvSpPr>
-            <a:spLocks noGrp="1"/>
-          </p:cNvSpPr>
-          <p:nvPr>
-            <p:ph idx="1"/>
-          </p:nvPr>
-        </p:nvSpPr>
-        <p:spPr>
-          <a:xfrm>
-            <a:off x="7728065" y="515405"/>
-            <a:ext cx="4463935" cy="6342595"/>
-          </a:xfrm>
-        </p:spPr>
-        <p:txBody>
-          <a:bodyPr/>
-          <a:lstStyle/>
-          <a:p>
-            <a:r>
-              <a:rPr lang="en-US" dirty="0" smtClean="0"/>
-              <a:t>User first gets token from </a:t>
-            </a:r>
-            <a:r>
-              <a:rPr lang="en-US" dirty="0" err="1" smtClean="0"/>
-              <a:t>Auth</a:t>
-            </a:r>
-            <a:r>
-              <a:rPr lang="en-US" dirty="0" smtClean="0"/>
-              <a:t> (via </a:t>
-            </a:r>
-            <a:r>
-              <a:rPr lang="en-US" i="1" dirty="0" smtClean="0"/>
-              <a:t>Set-Cookie</a:t>
-            </a:r>
-            <a:r>
-              <a:rPr lang="en-US" dirty="0" smtClean="0"/>
-              <a:t>)</a:t>
-            </a:r>
-          </a:p>
-          <a:p>
-            <a:r>
-              <a:rPr lang="en-US" dirty="0" smtClean="0"/>
-              <a:t>Added at each request with </a:t>
-            </a:r>
-            <a:r>
-              <a:rPr lang="en-US" i="1" dirty="0" smtClean="0"/>
-              <a:t>Cookie</a:t>
-            </a:r>
-          </a:p>
-          <a:p>
-            <a:r>
-              <a:rPr lang="en-US" dirty="0" smtClean="0"/>
-              <a:t>At each request, services checking with </a:t>
-            </a:r>
-            <a:r>
-              <a:rPr lang="en-US" i="1" dirty="0" err="1" smtClean="0"/>
-              <a:t>Redis</a:t>
-            </a:r>
-            <a:r>
-              <a:rPr lang="en-US" dirty="0" smtClean="0"/>
-              <a:t> </a:t>
-            </a:r>
-          </a:p>
-          <a:p>
-            <a:r>
-              <a:rPr lang="en-US" i="1" dirty="0" err="1" smtClean="0"/>
-              <a:t>Redis</a:t>
-            </a:r>
-            <a:r>
-              <a:rPr lang="en-US" dirty="0" smtClean="0"/>
-              <a:t> must be fast</a:t>
-            </a:r>
-            <a:r>
-              <a:rPr lang="en-US" dirty="0" smtClean="0"/>
-              <a:t> </a:t>
-            </a:r>
-            <a:endParaRPr lang="en-US" dirty="0"/>
-          </a:p>
-        </p:txBody>
-      </p:sp>
-      <p:pic>
-        <p:nvPicPr>
-          <p:cNvPr id="4" name="Picture 3"/>
-          <p:cNvPicPr>
-            <a:picLocks noChangeAspect="1"/>
-          </p:cNvPicPr>
-          <p:nvPr/>
-        </p:nvPicPr>
-        <p:blipFill>
-          <a:blip r:embed="rId3">
-            <a:extLst>
-              <a:ext uri="{28A0092B-C50C-407E-A947-70E740481C1C}">
-                <a14:useLocalDpi xmlns:a14="http://schemas.microsoft.com/office/drawing/2010/main" val="0"/>
-              </a:ext>
-            </a:extLst>
-          </a:blip>
-          <a:stretch>
-            <a:fillRect/>
-          </a:stretch>
-        </p:blipFill>
-        <p:spPr>
-          <a:xfrm>
-            <a:off x="154911" y="0"/>
-            <a:ext cx="7293293" cy="6741606"/>
-          </a:xfrm>
-          <a:prstGeom prst="rect">
-            <a:avLst/>
-          </a:prstGeom>
-        </p:spPr>
-      </p:pic>
-    </p:spTree>
-    <p:extLst>
-      <p:ext uri="{BB962C8B-B14F-4D97-AF65-F5344CB8AC3E}">
-        <p14:creationId xmlns:p14="http://schemas.microsoft.com/office/powerpoint/2010/main" val="994441373"/>
-      </p:ext>
-    </p:extLst>
-  </p:cSld>
-  <p:clrMapOvr>
-    <a:masterClrMapping/>
-  </p:clrMapOvr>
-</p:sld>
-</file>
-
-<file path=ppt/slides/slide13.xml><?xml version="1.0" encoding="utf-8"?>
-<p:sld xmlns:a="http://schemas.openxmlformats.org/drawingml/2006/main" xmlns:r="http://schemas.openxmlformats.org/officeDocument/2006/relationships" xmlns:p="http://schemas.openxmlformats.org/presentationml/2006/main">
-  <p:cSld>
-    <p:spTree>
-      <p:nvGrpSpPr>
-        <p:cNvPr id="1" name=""/>
-        <p:cNvGrpSpPr/>
-        <p:nvPr/>
-      </p:nvGrpSpPr>
-      <p:grpSpPr>
-        <a:xfrm>
-          <a:off x="0" y="0"/>
-          <a:ext cx="0" cy="0"/>
-          <a:chOff x="0" y="0"/>
-          <a:chExt cx="0" cy="0"/>
-        </a:xfrm>
-      </p:grpSpPr>
-      <p:sp>
-        <p:nvSpPr>
-          <p:cNvPr id="4" name="Title 3"/>
-          <p:cNvSpPr>
-            <a:spLocks noGrp="1"/>
-          </p:cNvSpPr>
-          <p:nvPr>
-            <p:ph type="title"/>
-          </p:nvPr>
-        </p:nvSpPr>
-        <p:spPr/>
-        <p:txBody>
-          <a:bodyPr/>
-          <a:lstStyle/>
-          <a:p>
-            <a:r>
-              <a:rPr lang="en-US" dirty="0" err="1" smtClean="0"/>
-              <a:t>Git</a:t>
-            </a:r>
-            <a:r>
-              <a:rPr lang="en-US" dirty="0" smtClean="0"/>
               <a:t> Repository Modules</a:t>
             </a:r>
-            <a:endParaRPr lang="en-US" dirty="0"/>
           </a:p>
         </p:txBody>
       </p:sp>
@@ -13849,56 +13426,119 @@
           <a:lstStyle/>
           <a:p>
             <a:r>
-              <a:rPr lang="en-US" i="1" dirty="0" smtClean="0"/>
+              <a:rPr lang="en-US" i="1" dirty="0"/>
               <a:t>NOTE: most of the explanations will be directly in the code as comments, and not here in the slides</a:t>
             </a:r>
-            <a:endParaRPr lang="en-US" b="1" dirty="0" smtClean="0"/>
-          </a:p>
-          <a:p>
-            <a:r>
-              <a:rPr lang="en-US" b="1" dirty="0" smtClean="0"/>
-              <a:t>advanced/security/basic</a:t>
-            </a:r>
-          </a:p>
-          <a:p>
-            <a:r>
-              <a:rPr lang="en-US" b="1" dirty="0" smtClean="0"/>
-              <a:t>advanced/security/session</a:t>
-            </a:r>
-          </a:p>
-          <a:p>
-            <a:r>
-              <a:rPr lang="en-US" b="1" dirty="0" smtClean="0"/>
-              <a:t>advanced/security/distributed-session</a:t>
-            </a:r>
-          </a:p>
-          <a:p>
-            <a:r>
-              <a:rPr lang="en-US" dirty="0"/>
-              <a:t>Study relevant sections in </a:t>
-            </a:r>
-            <a:r>
-              <a:rPr lang="en-US" dirty="0" smtClean="0"/>
-              <a:t>RFC-7235 </a:t>
-            </a:r>
-            <a:r>
-              <a:rPr lang="en-US" dirty="0"/>
-              <a:t>and </a:t>
-            </a:r>
-            <a:r>
-              <a:rPr lang="en-US" dirty="0" smtClean="0"/>
-              <a:t>RFC-7617</a:t>
-            </a:r>
-            <a:endParaRPr lang="en-US" dirty="0"/>
-          </a:p>
-          <a:p>
-            <a:endParaRPr lang="en-US" b="1" dirty="0" smtClean="0"/>
+            <a:endParaRPr lang="en-US" b="1" dirty="0"/>
+          </a:p>
+          <a:p>
+            <a:r>
+              <a:rPr lang="en-US" b="1" dirty="0"/>
+              <a:t>advanced/</a:t>
+            </a:r>
+            <a:r>
+              <a:rPr lang="en-US" b="1" dirty="0" err="1"/>
+              <a:t>amqp</a:t>
+            </a:r>
+            <a:r>
+              <a:rPr lang="en-US" b="1" dirty="0"/>
+              <a:t>/base-queue</a:t>
+            </a:r>
+          </a:p>
+          <a:p>
+            <a:r>
+              <a:rPr lang="en-US" b="1" dirty="0"/>
+              <a:t>advanced/</a:t>
+            </a:r>
+            <a:r>
+              <a:rPr lang="en-US" b="1" dirty="0" err="1"/>
+              <a:t>amqp</a:t>
+            </a:r>
+            <a:r>
+              <a:rPr lang="en-US" b="1" dirty="0"/>
+              <a:t>/distributed-work</a:t>
+            </a:r>
+          </a:p>
+          <a:p>
+            <a:r>
+              <a:rPr lang="en-US" b="1" dirty="0"/>
+              <a:t>advanced/</a:t>
+            </a:r>
+            <a:r>
+              <a:rPr lang="en-US" b="1" dirty="0" err="1"/>
+              <a:t>amqp</a:t>
+            </a:r>
+            <a:r>
+              <a:rPr lang="en-US" b="1" dirty="0"/>
+              <a:t>/</a:t>
+            </a:r>
+            <a:r>
+              <a:rPr lang="en-US" b="1" dirty="0" err="1"/>
+              <a:t>fanout</a:t>
+            </a:r>
+            <a:endParaRPr lang="en-US" b="1" dirty="0"/>
+          </a:p>
+          <a:p>
+            <a:r>
+              <a:rPr lang="en-US" b="1" dirty="0"/>
+              <a:t>advanced/</a:t>
+            </a:r>
+            <a:r>
+              <a:rPr lang="en-US" b="1" dirty="0" err="1"/>
+              <a:t>amqp</a:t>
+            </a:r>
+            <a:r>
+              <a:rPr lang="en-US" b="1" dirty="0"/>
+              <a:t>/direct-exchange</a:t>
+            </a:r>
+          </a:p>
+          <a:p>
+            <a:r>
+              <a:rPr lang="en-US" b="1" dirty="0"/>
+              <a:t>advanced/</a:t>
+            </a:r>
+            <a:r>
+              <a:rPr lang="en-US" b="1" dirty="0" err="1"/>
+              <a:t>amqp</a:t>
+            </a:r>
+            <a:r>
+              <a:rPr lang="en-US" b="1" dirty="0"/>
+              <a:t>/topic-exchange</a:t>
+            </a:r>
+          </a:p>
+          <a:p>
+            <a:r>
+              <a:rPr lang="en-US" b="1" dirty="0"/>
+              <a:t>advanced/</a:t>
+            </a:r>
+            <a:r>
+              <a:rPr lang="en-US" b="1" dirty="0" err="1"/>
+              <a:t>amqp</a:t>
+            </a:r>
+            <a:r>
+              <a:rPr lang="en-US" b="1" dirty="0"/>
+              <a:t>/</a:t>
+            </a:r>
+            <a:r>
+              <a:rPr lang="en-US" b="1" dirty="0" err="1"/>
+              <a:t>amqp</a:t>
+            </a:r>
+            <a:r>
+              <a:rPr lang="en-US" b="1" dirty="0"/>
+              <a:t>-rest</a:t>
+            </a:r>
           </a:p>
           <a:p>
             <a:pPr marL="0" indent="0">
               <a:buNone/>
             </a:pPr>
-            <a:endParaRPr lang="en-US" b="1" dirty="0" smtClean="0"/>
+            <a:endParaRPr lang="en-US" b="1" dirty="0"/>
+          </a:p>
+          <a:p>
+            <a:pPr marL="0" indent="0">
+              <a:buNone/>
+            </a:pPr>
+            <a:endParaRPr lang="en-US" b="1" dirty="0"/>
           </a:p>
         </p:txBody>
       </p:sp>
@@ -13948,7 +13588,7 @@
           <a:lstStyle/>
           <a:p>
             <a:r>
-              <a:rPr lang="en-US" sz="6600" dirty="0" smtClean="0"/>
+              <a:rPr lang="en-US" sz="6600" dirty="0"/>
               <a:t>Goals</a:t>
             </a:r>
             <a:endParaRPr lang="en-US" dirty="0"/>
@@ -13967,8 +13607,8 @@
         </p:nvSpPr>
         <p:spPr>
           <a:xfrm>
-            <a:off x="373380" y="1825625"/>
-            <a:ext cx="11590020" cy="4351338"/>
+            <a:off x="152400" y="1825625"/>
+            <a:ext cx="11942618" cy="4841182"/>
           </a:xfrm>
         </p:spPr>
         <p:txBody>
@@ -13978,30 +13618,33 @@
           <a:lstStyle/>
           <a:p>
             <a:r>
-              <a:rPr lang="en-US" sz="3600" dirty="0" smtClean="0"/>
-              <a:t>Refresh knowledge on how to authenticate via HTTP</a:t>
-            </a:r>
-          </a:p>
-          <a:p>
-            <a:r>
-              <a:rPr lang="en-US" sz="3600" dirty="0" smtClean="0"/>
-              <a:t>Deal with </a:t>
-            </a:r>
-            <a:r>
-              <a:rPr lang="en-US" sz="3600" i="1" dirty="0" smtClean="0"/>
-              <a:t>distributed sessions </a:t>
-            </a:r>
-            <a:r>
-              <a:rPr lang="en-US" sz="3600" dirty="0" smtClean="0"/>
-              <a:t>in a </a:t>
-            </a:r>
-            <a:r>
-              <a:rPr lang="en-US" sz="3600" dirty="0" err="1" smtClean="0"/>
-              <a:t>microservice</a:t>
-            </a:r>
-            <a:r>
-              <a:rPr lang="en-US" sz="3600" dirty="0" smtClean="0"/>
-              <a:t>, where all instances share the same session for a given user</a:t>
+              <a:rPr lang="en-US" sz="3600" dirty="0"/>
+              <a:t>Understand the need for a Message Oriented Middleware (MOM) in </a:t>
+            </a:r>
+            <a:r>
+              <a:rPr lang="en-US" sz="3600" dirty="0" err="1"/>
+              <a:t>MicroServices</a:t>
+            </a:r>
+            <a:endParaRPr lang="en-US" sz="3600" dirty="0"/>
+          </a:p>
+          <a:p>
+            <a:r>
+              <a:rPr lang="en-US" sz="3600" dirty="0"/>
+              <a:t>Learn different topologies of MOM communications</a:t>
+            </a:r>
+          </a:p>
+          <a:p>
+            <a:r>
+              <a:rPr lang="en-US" sz="3600" dirty="0"/>
+              <a:t>Learn how to use </a:t>
+            </a:r>
+            <a:r>
+              <a:rPr lang="en-US" sz="3600" dirty="0" err="1"/>
+              <a:t>RabbitMQ</a:t>
+            </a:r>
+            <a:r>
+              <a:rPr lang="en-US" sz="3600" dirty="0"/>
+              <a:t> from Spring</a:t>
             </a:r>
           </a:p>
         </p:txBody>
@@ -14076,7 +13719,7 @@
               <a:buNone/>
               <a:tabLst/>
             </a:pPr>
-            <a:endParaRPr kumimoji="0" lang="en-US" altLang="en-US" sz="1800" b="0" i="0" u="none" strike="noStrike" cap="none" normalizeH="0" baseline="0" dirty="0" smtClean="0">
+            <a:endParaRPr kumimoji="0" lang="en-US" altLang="en-US" sz="1800" b="0" i="0" u="none" strike="noStrike" cap="none" normalizeH="0" baseline="0" dirty="0">
               <a:ln>
                 <a:noFill/>
               </a:ln>
@@ -14159,7 +13802,7 @@
               <a:buNone/>
               <a:tabLst/>
             </a:pPr>
-            <a:endParaRPr kumimoji="0" lang="en-US" altLang="en-US" sz="1800" b="0" i="0" u="none" strike="noStrike" cap="none" normalizeH="0" baseline="0" dirty="0" smtClean="0">
+            <a:endParaRPr kumimoji="0" lang="en-US" altLang="en-US" sz="1800" b="0" i="0" u="none" strike="noStrike" cap="none" normalizeH="0" baseline="0" dirty="0">
               <a:ln>
                 <a:noFill/>
               </a:ln>
@@ -14218,10 +13861,9 @@
           <a:lstStyle/>
           <a:p>
             <a:r>
-              <a:rPr lang="en-US" dirty="0" smtClean="0"/>
-              <a:t>Authentication</a:t>
-            </a:r>
-            <a:endParaRPr lang="en-US" dirty="0"/>
+              <a:rPr lang="en-US" dirty="0"/>
+              <a:t>MOMs</a:t>
+            </a:r>
           </a:p>
         </p:txBody>
       </p:sp>
@@ -14237,97 +13879,411 @@
         </p:nvSpPr>
         <p:spPr>
           <a:xfrm>
-            <a:off x="194872" y="1825625"/>
-            <a:ext cx="11857220" cy="4155450"/>
+            <a:off x="6674434" y="502418"/>
+            <a:ext cx="5329145" cy="6219057"/>
           </a:xfrm>
         </p:spPr>
         <p:txBody>
           <a:bodyPr>
-            <a:normAutofit fontScale="92500" lnSpcReduction="10000"/>
+            <a:normAutofit lnSpcReduction="10000"/>
           </a:bodyPr>
           <a:lstStyle/>
           <a:p>
             <a:r>
-              <a:rPr lang="en-US" dirty="0" smtClean="0"/>
-              <a:t>Server does not know who the user is</a:t>
-            </a:r>
-          </a:p>
-          <a:p>
-            <a:r>
-              <a:rPr lang="en-US" dirty="0" smtClean="0"/>
-              <a:t>Server only sees incoming HTTP/S messages</a:t>
+              <a:rPr lang="en-US" dirty="0"/>
+              <a:t>Decoupling </a:t>
+            </a:r>
+            <a:r>
+              <a:rPr lang="en-US" i="1" dirty="0"/>
+              <a:t>sender </a:t>
+            </a:r>
+            <a:r>
+              <a:rPr lang="en-US" dirty="0"/>
+              <a:t>from </a:t>
+            </a:r>
+            <a:r>
+              <a:rPr lang="en-US" i="1" dirty="0"/>
+              <a:t>receiver(s)</a:t>
+            </a:r>
+            <a:r>
+              <a:rPr lang="en-US" dirty="0"/>
+              <a:t>: the sender does not know who the receivers are</a:t>
+            </a:r>
+            <a:endParaRPr lang="en-US" i="1" dirty="0"/>
+          </a:p>
+          <a:p>
+            <a:r>
+              <a:rPr lang="en-US" i="1" dirty="0"/>
+              <a:t>Sender</a:t>
+            </a:r>
+            <a:r>
+              <a:rPr lang="en-US" dirty="0"/>
+              <a:t> will </a:t>
+            </a:r>
+            <a:r>
+              <a:rPr lang="en-US" i="1" dirty="0"/>
+              <a:t>publish</a:t>
+            </a:r>
+            <a:r>
+              <a:rPr lang="en-US" dirty="0"/>
+              <a:t> messages to a </a:t>
+            </a:r>
+            <a:r>
+              <a:rPr lang="en-US" i="1" dirty="0"/>
+              <a:t>queue</a:t>
+            </a:r>
+            <a:r>
+              <a:rPr lang="en-US" dirty="0"/>
+              <a:t>, and </a:t>
+            </a:r>
+            <a:r>
+              <a:rPr lang="en-US" i="1" dirty="0"/>
+              <a:t>receivers</a:t>
+            </a:r>
+            <a:r>
+              <a:rPr lang="en-US" dirty="0"/>
+              <a:t> will </a:t>
+            </a:r>
+            <a:r>
+              <a:rPr lang="en-US" i="1" dirty="0"/>
+              <a:t>subscribe</a:t>
+            </a:r>
+            <a:r>
+              <a:rPr lang="en-US" dirty="0"/>
+              <a:t> to such messages</a:t>
+            </a:r>
+          </a:p>
+          <a:p>
+            <a:r>
+              <a:rPr lang="en-US" dirty="0"/>
+              <a:t>Why? </a:t>
             </a:r>
           </a:p>
           <a:p>
             <a:pPr lvl="1"/>
             <a:r>
-              <a:rPr lang="en-US" dirty="0" smtClean="0"/>
-              <a:t>not necessarily from a browser… user can do direct TCP connections from scripts </a:t>
-            </a:r>
-          </a:p>
-          <a:p>
-            <a:r>
-              <a:rPr lang="en-US" dirty="0" smtClean="0"/>
-              <a:t>HTTP/S is stateless</a:t>
-            </a:r>
-          </a:p>
-          <a:p>
-            <a:r>
-              <a:rPr lang="en-US" dirty="0" smtClean="0"/>
-              <a:t>Need a way to tell that sequence of HTTP/S calls </a:t>
-            </a:r>
-            <a:r>
-              <a:rPr lang="en-US" dirty="0" smtClean="0"/>
-              <a:t>comes </a:t>
-            </a:r>
-            <a:r>
-              <a:rPr lang="en-US" dirty="0" smtClean="0"/>
-              <a:t>from same user</a:t>
-            </a:r>
-          </a:p>
-          <a:p>
-            <a:r>
-              <a:rPr lang="en-US" dirty="0" smtClean="0"/>
-              <a:t>User has to send information of who s/he is at </a:t>
-            </a:r>
-            <a:r>
-              <a:rPr lang="en-US" b="1" dirty="0" smtClean="0"/>
-              <a:t>EACH</a:t>
-            </a:r>
-            <a:r>
-              <a:rPr lang="en-US" dirty="0" smtClean="0"/>
-              <a:t> HTTP/S call </a:t>
-            </a:r>
-          </a:p>
-          <a:p>
-            <a:r>
-              <a:rPr lang="en-US" dirty="0" smtClean="0"/>
-              <a:t>But users can </a:t>
-            </a:r>
-            <a:r>
-              <a:rPr lang="en-US" b="1" dirty="0" smtClean="0"/>
-              <a:t>lie</a:t>
-            </a:r>
-            <a:r>
-              <a:rPr lang="en-US" dirty="0" smtClean="0"/>
-              <a:t>… (</a:t>
-            </a:r>
-            <a:r>
-              <a:rPr lang="en-US" dirty="0" err="1" smtClean="0"/>
-              <a:t>eg</a:t>
-            </a:r>
-            <a:r>
-              <a:rPr lang="en-US" dirty="0" smtClean="0"/>
-              <a:t>, hackers)</a:t>
-            </a:r>
-            <a:endParaRPr lang="en-US" dirty="0"/>
-          </a:p>
-        </p:txBody>
-      </p:sp>
+              <a:rPr lang="en-US" b="1" dirty="0"/>
+              <a:t>Maintainability</a:t>
+            </a:r>
+            <a:r>
+              <a:rPr lang="en-US" dirty="0"/>
+              <a:t>: can add/remove senders/receivers in the future with little to no change in the architecture</a:t>
+            </a:r>
+          </a:p>
+          <a:p>
+            <a:pPr lvl="1"/>
+            <a:r>
+              <a:rPr lang="en-US" dirty="0"/>
+              <a:t>Services can react to events asynchronously </a:t>
+            </a:r>
+          </a:p>
+        </p:txBody>
+      </p:sp>
+      <p:sp>
+        <p:nvSpPr>
+          <p:cNvPr id="4" name="Oval 3"/>
+          <p:cNvSpPr/>
+          <p:nvPr/>
+        </p:nvSpPr>
+        <p:spPr>
+          <a:xfrm>
+            <a:off x="102254" y="2488710"/>
+            <a:ext cx="1562792" cy="798023"/>
+          </a:xfrm>
+          <a:prstGeom prst="ellipse">
+            <a:avLst/>
+          </a:prstGeom>
+        </p:spPr>
+        <p:style>
+          <a:lnRef idx="2">
+            <a:schemeClr val="accent1">
+              <a:shade val="50000"/>
+            </a:schemeClr>
+          </a:lnRef>
+          <a:fillRef idx="1">
+            <a:schemeClr val="accent1"/>
+          </a:fillRef>
+          <a:effectRef idx="0">
+            <a:schemeClr val="accent1"/>
+          </a:effectRef>
+          <a:fontRef idx="minor">
+            <a:schemeClr val="lt1"/>
+          </a:fontRef>
+        </p:style>
+        <p:txBody>
+          <a:bodyPr rtlCol="0" anchor="ctr"/>
+          <a:lstStyle/>
+          <a:p>
+            <a:pPr algn="ctr"/>
+            <a:r>
+              <a:rPr lang="en-US" sz="2400" dirty="0"/>
+              <a:t>Sender</a:t>
+            </a:r>
+          </a:p>
+        </p:txBody>
+      </p:sp>
+      <p:sp>
+        <p:nvSpPr>
+          <p:cNvPr id="5" name="Oval 4"/>
+          <p:cNvSpPr/>
+          <p:nvPr/>
+        </p:nvSpPr>
+        <p:spPr>
+          <a:xfrm>
+            <a:off x="4687586" y="1690688"/>
+            <a:ext cx="1792778" cy="798023"/>
+          </a:xfrm>
+          <a:prstGeom prst="ellipse">
+            <a:avLst/>
+          </a:prstGeom>
+          <a:solidFill>
+            <a:srgbClr val="FFC000"/>
+          </a:solidFill>
+        </p:spPr>
+        <p:style>
+          <a:lnRef idx="2">
+            <a:schemeClr val="accent1">
+              <a:shade val="50000"/>
+            </a:schemeClr>
+          </a:lnRef>
+          <a:fillRef idx="1">
+            <a:schemeClr val="accent1"/>
+          </a:fillRef>
+          <a:effectRef idx="0">
+            <a:schemeClr val="accent1"/>
+          </a:effectRef>
+          <a:fontRef idx="minor">
+            <a:schemeClr val="lt1"/>
+          </a:fontRef>
+        </p:style>
+        <p:txBody>
+          <a:bodyPr rtlCol="0" anchor="ctr"/>
+          <a:lstStyle/>
+          <a:p>
+            <a:pPr algn="ctr"/>
+            <a:r>
+              <a:rPr lang="en-US" sz="2400" dirty="0"/>
+              <a:t>Receiver</a:t>
+            </a:r>
+          </a:p>
+        </p:txBody>
+      </p:sp>
+      <p:sp>
+        <p:nvSpPr>
+          <p:cNvPr id="6" name="Oval 5"/>
+          <p:cNvSpPr/>
+          <p:nvPr/>
+        </p:nvSpPr>
+        <p:spPr>
+          <a:xfrm>
+            <a:off x="4687586" y="3286734"/>
+            <a:ext cx="1792778" cy="798023"/>
+          </a:xfrm>
+          <a:prstGeom prst="ellipse">
+            <a:avLst/>
+          </a:prstGeom>
+          <a:solidFill>
+            <a:srgbClr val="FFC000"/>
+          </a:solidFill>
+        </p:spPr>
+        <p:style>
+          <a:lnRef idx="2">
+            <a:schemeClr val="accent1">
+              <a:shade val="50000"/>
+            </a:schemeClr>
+          </a:lnRef>
+          <a:fillRef idx="1">
+            <a:schemeClr val="accent1"/>
+          </a:fillRef>
+          <a:effectRef idx="0">
+            <a:schemeClr val="accent1"/>
+          </a:effectRef>
+          <a:fontRef idx="minor">
+            <a:schemeClr val="lt1"/>
+          </a:fontRef>
+        </p:style>
+        <p:txBody>
+          <a:bodyPr rtlCol="0" anchor="ctr"/>
+          <a:lstStyle/>
+          <a:p>
+            <a:pPr algn="ctr"/>
+            <a:r>
+              <a:rPr lang="en-US" sz="2400" dirty="0"/>
+              <a:t>Receiver</a:t>
+            </a:r>
+          </a:p>
+        </p:txBody>
+      </p:sp>
+      <p:sp>
+        <p:nvSpPr>
+          <p:cNvPr id="7" name="Oval 6"/>
+          <p:cNvSpPr/>
+          <p:nvPr/>
+        </p:nvSpPr>
+        <p:spPr>
+          <a:xfrm>
+            <a:off x="2227917" y="2488711"/>
+            <a:ext cx="1562792" cy="798023"/>
+          </a:xfrm>
+          <a:prstGeom prst="ellipse">
+            <a:avLst/>
+          </a:prstGeom>
+          <a:solidFill>
+            <a:schemeClr val="tx1">
+              <a:lumMod val="50000"/>
+              <a:lumOff val="50000"/>
+            </a:schemeClr>
+          </a:solidFill>
+        </p:spPr>
+        <p:style>
+          <a:lnRef idx="2">
+            <a:schemeClr val="accent1">
+              <a:shade val="50000"/>
+            </a:schemeClr>
+          </a:lnRef>
+          <a:fillRef idx="1">
+            <a:schemeClr val="accent1"/>
+          </a:fillRef>
+          <a:effectRef idx="0">
+            <a:schemeClr val="accent1"/>
+          </a:effectRef>
+          <a:fontRef idx="minor">
+            <a:schemeClr val="lt1"/>
+          </a:fontRef>
+        </p:style>
+        <p:txBody>
+          <a:bodyPr rtlCol="0" anchor="ctr"/>
+          <a:lstStyle/>
+          <a:p>
+            <a:pPr algn="ctr"/>
+            <a:r>
+              <a:rPr lang="en-US" sz="2400" dirty="0"/>
+              <a:t>MOM</a:t>
+            </a:r>
+          </a:p>
+        </p:txBody>
+      </p:sp>
+      <p:cxnSp>
+        <p:nvCxnSpPr>
+          <p:cNvPr id="9" name="Straight Arrow Connector 8"/>
+          <p:cNvCxnSpPr>
+            <a:stCxn id="4" idx="6"/>
+            <a:endCxn id="7" idx="2"/>
+          </p:cNvCxnSpPr>
+          <p:nvPr/>
+        </p:nvCxnSpPr>
+        <p:spPr>
+          <a:xfrm>
+            <a:off x="1665046" y="2887722"/>
+            <a:ext cx="562871" cy="1"/>
+          </a:xfrm>
+          <a:prstGeom prst="straightConnector1">
+            <a:avLst/>
+          </a:prstGeom>
+          <a:ln w="63500">
+            <a:solidFill>
+              <a:schemeClr val="tx1"/>
+            </a:solidFill>
+            <a:tailEnd type="triangle"/>
+          </a:ln>
+        </p:spPr>
+        <p:style>
+          <a:lnRef idx="1">
+            <a:schemeClr val="accent1"/>
+          </a:lnRef>
+          <a:fillRef idx="0">
+            <a:schemeClr val="accent1"/>
+          </a:fillRef>
+          <a:effectRef idx="0">
+            <a:schemeClr val="accent1"/>
+          </a:effectRef>
+          <a:fontRef idx="minor">
+            <a:schemeClr val="tx1"/>
+          </a:fontRef>
+        </p:style>
+      </p:cxnSp>
+      <p:cxnSp>
+        <p:nvCxnSpPr>
+          <p:cNvPr id="10" name="Straight Arrow Connector 9"/>
+          <p:cNvCxnSpPr>
+            <a:stCxn id="7" idx="7"/>
+            <a:endCxn id="5" idx="2"/>
+          </p:cNvCxnSpPr>
+          <p:nvPr/>
+        </p:nvCxnSpPr>
+        <p:spPr>
+          <a:xfrm flipV="1">
+            <a:off x="3561843" y="2089700"/>
+            <a:ext cx="1125743" cy="515879"/>
+          </a:xfrm>
+          <a:prstGeom prst="straightConnector1">
+            <a:avLst/>
+          </a:prstGeom>
+          <a:ln w="63500">
+            <a:solidFill>
+              <a:schemeClr val="tx1"/>
+            </a:solidFill>
+            <a:tailEnd type="triangle"/>
+          </a:ln>
+        </p:spPr>
+        <p:style>
+          <a:lnRef idx="1">
+            <a:schemeClr val="accent1"/>
+          </a:lnRef>
+          <a:fillRef idx="0">
+            <a:schemeClr val="accent1"/>
+          </a:fillRef>
+          <a:effectRef idx="0">
+            <a:schemeClr val="accent1"/>
+          </a:effectRef>
+          <a:fontRef idx="minor">
+            <a:schemeClr val="tx1"/>
+          </a:fontRef>
+        </p:style>
+      </p:cxnSp>
+      <p:cxnSp>
+        <p:nvCxnSpPr>
+          <p:cNvPr id="11" name="Straight Arrow Connector 10"/>
+          <p:cNvCxnSpPr>
+            <a:stCxn id="7" idx="5"/>
+            <a:endCxn id="6" idx="2"/>
+          </p:cNvCxnSpPr>
+          <p:nvPr/>
+        </p:nvCxnSpPr>
+        <p:spPr>
+          <a:xfrm>
+            <a:off x="3561843" y="3169866"/>
+            <a:ext cx="1125743" cy="515880"/>
+          </a:xfrm>
+          <a:prstGeom prst="straightConnector1">
+            <a:avLst/>
+          </a:prstGeom>
+          <a:ln w="63500">
+            <a:solidFill>
+              <a:schemeClr val="tx1"/>
+            </a:solidFill>
+            <a:tailEnd type="triangle"/>
+          </a:ln>
+        </p:spPr>
+        <p:style>
+          <a:lnRef idx="1">
+            <a:schemeClr val="accent1"/>
+          </a:lnRef>
+          <a:fillRef idx="0">
+            <a:schemeClr val="accent1"/>
+          </a:fillRef>
+          <a:effectRef idx="0">
+            <a:schemeClr val="accent1"/>
+          </a:effectRef>
+          <a:fontRef idx="minor">
+            <a:schemeClr val="tx1"/>
+          </a:fontRef>
+        </p:style>
+      </p:cxnSp>
     </p:spTree>
     <p:extLst>
       <p:ext uri="{BB962C8B-B14F-4D97-AF65-F5344CB8AC3E}">
-        <p14:creationId xmlns:p14="http://schemas.microsoft.com/office/powerpoint/2010/main" val="2498224415"/>
+        <p14:creationId xmlns:p14="http://schemas.microsoft.com/office/powerpoint/2010/main" val="509080417"/>
       </p:ext>
     </p:extLst>
   </p:cSld>
@@ -14370,8 +14326,12 @@
           <a:lstStyle/>
           <a:p>
             <a:r>
-              <a:rPr lang="en-US" dirty="0" smtClean="0"/>
-              <a:t>Ids and Passwords</a:t>
+              <a:rPr lang="en-US" dirty="0"/>
+              <a:t>AMQP/</a:t>
+            </a:r>
+            <a:r>
+              <a:rPr lang="en-US" dirty="0" err="1"/>
+              <a:t>RabbitMQ</a:t>
             </a:r>
             <a:endParaRPr lang="en-US" dirty="0"/>
           </a:p>
@@ -14389,82 +14349,76 @@
         </p:nvSpPr>
         <p:spPr>
           <a:xfrm>
-            <a:off x="202131" y="1825625"/>
-            <a:ext cx="11752446" cy="4351338"/>
+            <a:off x="194872" y="1825625"/>
+            <a:ext cx="11857220" cy="4155450"/>
           </a:xfrm>
         </p:spPr>
         <p:txBody>
-          <a:bodyPr/>
-          <a:lstStyle/>
-          <a:p>
-            <a:r>
-              <a:rPr lang="en-US" dirty="0" smtClean="0"/>
-              <a:t>A user will be registered with a </a:t>
-            </a:r>
-            <a:r>
-              <a:rPr lang="en-US" i="1" dirty="0" smtClean="0"/>
-              <a:t>unique</a:t>
-            </a:r>
-            <a:r>
-              <a:rPr lang="en-US" dirty="0" smtClean="0"/>
-              <a:t> id</a:t>
-            </a:r>
-          </a:p>
-          <a:p>
-            <a:r>
-              <a:rPr lang="en-US" dirty="0" smtClean="0"/>
-              <a:t>Need also secret password to login </a:t>
+          <a:bodyPr>
+            <a:normAutofit/>
+          </a:bodyPr>
+          <a:lstStyle/>
+          <a:p>
+            <a:r>
+              <a:rPr lang="en-US" dirty="0"/>
+              <a:t>Advanced Message Queuing Protocol (</a:t>
+            </a:r>
+            <a:r>
+              <a:rPr lang="en-US" i="1" dirty="0"/>
+              <a:t>AMQP</a:t>
+            </a:r>
+            <a:r>
+              <a:rPr lang="en-US" dirty="0"/>
+              <a:t>)</a:t>
+            </a:r>
+          </a:p>
+          <a:p>
+            <a:r>
+              <a:rPr lang="en-US" dirty="0"/>
+              <a:t>Defines protocol of how messages should be formatted and sent</a:t>
+            </a:r>
+          </a:p>
+          <a:p>
+            <a:r>
+              <a:rPr lang="en-US" i="1" dirty="0" err="1"/>
+              <a:t>RabbitMQ</a:t>
+            </a:r>
+            <a:r>
+              <a:rPr lang="en-US" dirty="0"/>
+              <a:t> is a MOM using </a:t>
+            </a:r>
+            <a:r>
+              <a:rPr lang="en-US" i="1" dirty="0"/>
+              <a:t>AMQP</a:t>
+            </a:r>
+          </a:p>
+          <a:p>
+            <a:r>
+              <a:rPr lang="en-US" dirty="0"/>
+              <a:t>Written in </a:t>
+            </a:r>
+            <a:r>
+              <a:rPr lang="en-US" dirty="0" err="1"/>
+              <a:t>Erlang</a:t>
+            </a:r>
+            <a:r>
+              <a:rPr lang="en-US" dirty="0"/>
+              <a:t> </a:t>
             </a:r>
           </a:p>
           <a:p>
             <a:pPr lvl="1"/>
             <a:r>
-              <a:rPr lang="en-US" dirty="0" smtClean="0"/>
-              <a:t>Otherwise anyone could login with the ids of other users…</a:t>
-            </a:r>
-          </a:p>
-          <a:p>
-            <a:r>
-              <a:rPr lang="en-US" dirty="0" smtClean="0"/>
-              <a:t>HTTP/S does not prevent attempts to login to accounts of other users</a:t>
-            </a:r>
-          </a:p>
-          <a:p>
-            <a:pPr marL="0" indent="0">
-              <a:buNone/>
-            </a:pPr>
-            <a:endParaRPr lang="en-US" dirty="0"/>
-          </a:p>
-        </p:txBody>
-      </p:sp>
-      <p:pic>
-        <p:nvPicPr>
-          <p:cNvPr id="5" name="Picture 4"/>
-          <p:cNvPicPr>
-            <a:picLocks noChangeAspect="1"/>
-          </p:cNvPicPr>
-          <p:nvPr/>
-        </p:nvPicPr>
-        <p:blipFill>
-          <a:blip r:embed="rId2"/>
-          <a:stretch>
-            <a:fillRect/>
-          </a:stretch>
-        </p:blipFill>
-        <p:spPr>
-          <a:xfrm>
-            <a:off x="7622631" y="4367678"/>
-            <a:ext cx="4232379" cy="2490322"/>
-          </a:xfrm>
-          <a:prstGeom prst="rect">
-            <a:avLst/>
-          </a:prstGeom>
-        </p:spPr>
-      </p:pic>
+              <a:rPr lang="en-US" dirty="0"/>
+              <a:t>we will start it via Docker</a:t>
+            </a:r>
+          </a:p>
+        </p:txBody>
+      </p:sp>
     </p:spTree>
     <p:extLst>
       <p:ext uri="{BB962C8B-B14F-4D97-AF65-F5344CB8AC3E}">
-        <p14:creationId xmlns:p14="http://schemas.microsoft.com/office/powerpoint/2010/main" val="2294979092"/>
+        <p14:creationId xmlns:p14="http://schemas.microsoft.com/office/powerpoint/2010/main" val="2498224415"/>
       </p:ext>
     </p:extLst>
   </p:cSld>
@@ -14493,53 +14447,63 @@
       </p:grpSpPr>
       <p:sp>
         <p:nvSpPr>
-          <p:cNvPr id="2" name="Title 1"/>
-          <p:cNvSpPr>
-            <a:spLocks noGrp="1"/>
-          </p:cNvSpPr>
-          <p:nvPr>
-            <p:ph type="title"/>
-          </p:nvPr>
-        </p:nvSpPr>
-        <p:spPr/>
-        <p:txBody>
-          <a:bodyPr/>
-          <a:lstStyle/>
-          <a:p>
-            <a:r>
-              <a:rPr lang="en-US" dirty="0" smtClean="0"/>
-              <a:t>Sending </a:t>
-            </a:r>
-            <a:r>
-              <a:rPr lang="en-US" i="1" dirty="0"/>
-              <a:t>i</a:t>
-            </a:r>
-            <a:r>
-              <a:rPr lang="en-US" i="1" dirty="0" smtClean="0"/>
-              <a:t>d/</a:t>
-            </a:r>
-            <a:r>
-              <a:rPr lang="en-US" i="1" dirty="0" err="1" smtClean="0"/>
-              <a:t>pwd</a:t>
-            </a:r>
-            <a:endParaRPr lang="en-US" i="1" dirty="0"/>
-          </a:p>
-        </p:txBody>
-      </p:sp>
-      <p:sp>
-        <p:nvSpPr>
-          <p:cNvPr id="3" name="Content Placeholder 2"/>
-          <p:cNvSpPr>
-            <a:spLocks noGrp="1"/>
-          </p:cNvSpPr>
-          <p:nvPr>
-            <p:ph idx="1"/>
-          </p:nvPr>
+          <p:cNvPr id="9" name="Rounded Rectangle 8"/>
+          <p:cNvSpPr/>
+          <p:nvPr/>
         </p:nvSpPr>
         <p:spPr>
           <a:xfrm>
-            <a:off x="249382" y="1825624"/>
-            <a:ext cx="11770822" cy="4824557"/>
+            <a:off x="2987883" y="1126840"/>
+            <a:ext cx="5623554" cy="2010169"/>
+          </a:xfrm>
+          <a:prstGeom prst="roundRect">
+            <a:avLst/>
+          </a:prstGeom>
+          <a:solidFill>
+            <a:schemeClr val="bg1">
+              <a:lumMod val="85000"/>
+            </a:schemeClr>
+          </a:solidFill>
+        </p:spPr>
+        <p:style>
+          <a:lnRef idx="2">
+            <a:schemeClr val="accent1">
+              <a:shade val="50000"/>
+            </a:schemeClr>
+          </a:lnRef>
+          <a:fillRef idx="1">
+            <a:schemeClr val="accent1"/>
+          </a:fillRef>
+          <a:effectRef idx="0">
+            <a:schemeClr val="accent1"/>
+          </a:effectRef>
+          <a:fontRef idx="minor">
+            <a:schemeClr val="lt1"/>
+          </a:fontRef>
+        </p:style>
+        <p:txBody>
+          <a:bodyPr rtlCol="0" anchor="ctr"/>
+          <a:lstStyle/>
+          <a:p>
+            <a:pPr algn="ctr"/>
+            <a:endParaRPr lang="en-US" dirty="0"/>
+          </a:p>
+        </p:txBody>
+      </p:sp>
+      <p:sp>
+        <p:nvSpPr>
+          <p:cNvPr id="2" name="Title 1"/>
+          <p:cNvSpPr>
+            <a:spLocks noGrp="1"/>
+          </p:cNvSpPr>
+          <p:nvPr>
+            <p:ph type="title"/>
+          </p:nvPr>
+        </p:nvSpPr>
+        <p:spPr>
+          <a:xfrm>
+            <a:off x="170189" y="1782"/>
+            <a:ext cx="3125577" cy="1325563"/>
           </a:xfrm>
         </p:spPr>
         <p:txBody>
@@ -14547,133 +14511,528 @@
           <a:lstStyle/>
           <a:p>
             <a:r>
-              <a:rPr lang="en-US" dirty="0" smtClean="0"/>
-              <a:t>Need to send it at </a:t>
-            </a:r>
-            <a:r>
-              <a:rPr lang="en-US" b="1" dirty="0" smtClean="0"/>
-              <a:t>EACH</a:t>
-            </a:r>
-            <a:r>
-              <a:rPr lang="en-US" dirty="0" smtClean="0"/>
-              <a:t> request</a:t>
-            </a:r>
-          </a:p>
-          <a:p>
-            <a:r>
-              <a:rPr lang="en-US" dirty="0" smtClean="0"/>
-              <a:t>Can put </a:t>
-            </a:r>
-            <a:r>
               <a:rPr lang="en-US" dirty="0"/>
-              <a:t>them inside the HTTP header </a:t>
-            </a:r>
-            <a:r>
-              <a:rPr lang="en-US" i="1" dirty="0" smtClean="0"/>
-              <a:t>Authorization</a:t>
-            </a:r>
-          </a:p>
-          <a:p>
-            <a:r>
-              <a:rPr lang="en-US" dirty="0" smtClean="0"/>
-              <a:t>Can be different formats to specify how </a:t>
-            </a:r>
-            <a:r>
-              <a:rPr lang="en-US" i="1" dirty="0" smtClean="0"/>
-              <a:t>id/</a:t>
-            </a:r>
-            <a:r>
-              <a:rPr lang="en-US" i="1" dirty="0" err="1" smtClean="0"/>
-              <a:t>pwd</a:t>
-            </a:r>
-            <a:r>
-              <a:rPr lang="en-US" dirty="0" smtClean="0"/>
-              <a:t> should be encoded</a:t>
-            </a:r>
-          </a:p>
-          <a:p>
-            <a:r>
-              <a:rPr lang="en-US" i="1" dirty="0" smtClean="0"/>
-              <a:t>Basic</a:t>
-            </a:r>
-            <a:r>
-              <a:rPr lang="en-US" dirty="0" smtClean="0"/>
-              <a:t> (RFC-7617):  string “</a:t>
-            </a:r>
-            <a:r>
-              <a:rPr lang="en-US" i="1" dirty="0" err="1" smtClean="0"/>
-              <a:t>id:pwd</a:t>
-            </a:r>
-            <a:r>
-              <a:rPr lang="en-US" dirty="0" smtClean="0"/>
-              <a:t>” in Base64 encoding  </a:t>
-            </a:r>
-          </a:p>
-          <a:p>
-            <a:r>
-              <a:rPr lang="en-US" dirty="0" smtClean="0"/>
-              <a:t>Ex </a:t>
-            </a:r>
-            <a:r>
-              <a:rPr lang="en-US" i="1" dirty="0" smtClean="0"/>
-              <a:t>id=test</a:t>
-            </a:r>
-            <a:r>
-              <a:rPr lang="en-US" dirty="0" smtClean="0"/>
-              <a:t> and </a:t>
-            </a:r>
-            <a:r>
-              <a:rPr lang="en-US" i="1" dirty="0" err="1" smtClean="0"/>
-              <a:t>pwd</a:t>
-            </a:r>
-            <a:r>
-              <a:rPr lang="en-US" i="1" dirty="0" smtClean="0"/>
-              <a:t>=123£</a:t>
+              <a:t>Queue</a:t>
+            </a:r>
+          </a:p>
+        </p:txBody>
+      </p:sp>
+      <p:sp>
+        <p:nvSpPr>
+          <p:cNvPr id="3" name="Content Placeholder 2"/>
+          <p:cNvSpPr>
+            <a:spLocks noGrp="1"/>
+          </p:cNvSpPr>
+          <p:nvPr>
+            <p:ph idx="1"/>
+          </p:nvPr>
+        </p:nvSpPr>
+        <p:spPr>
+          <a:xfrm>
+            <a:off x="261257" y="3429410"/>
+            <a:ext cx="11796766" cy="3011583"/>
+          </a:xfrm>
+        </p:spPr>
+        <p:txBody>
+          <a:bodyPr>
+            <a:normAutofit fontScale="92500" lnSpcReduction="20000"/>
+          </a:bodyPr>
+          <a:lstStyle/>
+          <a:p>
+            <a:r>
+              <a:rPr lang="en-US" dirty="0" err="1"/>
+              <a:t>RabbitMQ</a:t>
             </a:r>
             <a:r>
               <a:rPr lang="en-US" dirty="0"/>
-              <a:t>, then </a:t>
-            </a:r>
-            <a:r>
-              <a:rPr lang="en-US" dirty="0" smtClean="0"/>
-              <a:t>header on </a:t>
-            </a:r>
-            <a:r>
-              <a:rPr lang="en-US" b="1" dirty="0" smtClean="0"/>
-              <a:t>EACH</a:t>
-            </a:r>
-            <a:r>
-              <a:rPr lang="en-US" dirty="0" smtClean="0"/>
-              <a:t> request:</a:t>
-            </a:r>
-          </a:p>
-          <a:p>
-            <a:pPr marL="0" indent="0">
-              <a:buNone/>
-            </a:pPr>
+              <a:t> keeps queues of messages</a:t>
+            </a:r>
+          </a:p>
+          <a:p>
             <a:r>
               <a:rPr lang="en-US" dirty="0"/>
-              <a:t> </a:t>
-            </a:r>
-            <a:r>
-              <a:rPr lang="en-US" dirty="0" smtClean="0"/>
-              <a:t>  </a:t>
-            </a:r>
-            <a:r>
-              <a:rPr lang="en-US" i="1" dirty="0" smtClean="0"/>
-              <a:t>Authorization</a:t>
-            </a:r>
-            <a:r>
-              <a:rPr lang="en-US" i="1" dirty="0"/>
-              <a:t>: Basic </a:t>
-            </a:r>
-            <a:r>
-              <a:rPr lang="en-US" i="1" dirty="0" err="1"/>
-              <a:t>dGVzdDoxMjPCow</a:t>
-            </a:r>
-            <a:r>
-              <a:rPr lang="en-US" i="1" dirty="0"/>
-              <a:t>==</a:t>
+              <a:t>Each queue has a name</a:t>
+            </a:r>
+          </a:p>
+          <a:p>
+            <a:r>
+              <a:rPr lang="en-US" dirty="0"/>
+              <a:t>Sender sends to a named exchange in </a:t>
+            </a:r>
+            <a:r>
+              <a:rPr lang="en-US" dirty="0" err="1"/>
+              <a:t>RabbitMQ</a:t>
+            </a:r>
+            <a:endParaRPr lang="en-US" dirty="0"/>
+          </a:p>
+          <a:p>
+            <a:r>
+              <a:rPr lang="en-US" dirty="0"/>
+              <a:t>Default exchange </a:t>
+            </a:r>
+            <a:r>
+              <a:rPr lang="en-US" b="1" dirty="0"/>
+              <a:t>“”</a:t>
+            </a:r>
+            <a:r>
+              <a:rPr lang="en-US" dirty="0"/>
+              <a:t> (empty name) copies messages to the specified queue by name</a:t>
+            </a:r>
+          </a:p>
+          <a:p>
+            <a:r>
+              <a:rPr lang="en-US" dirty="0"/>
+              <a:t>Receiver pulls from such queue </a:t>
+            </a:r>
+          </a:p>
+        </p:txBody>
+      </p:sp>
+      <p:sp>
+        <p:nvSpPr>
+          <p:cNvPr id="4" name="Oval 3"/>
+          <p:cNvSpPr/>
+          <p:nvPr/>
+        </p:nvSpPr>
+        <p:spPr>
+          <a:xfrm>
+            <a:off x="170186" y="1762026"/>
+            <a:ext cx="1562792" cy="798023"/>
+          </a:xfrm>
+          <a:prstGeom prst="ellipse">
+            <a:avLst/>
+          </a:prstGeom>
+        </p:spPr>
+        <p:style>
+          <a:lnRef idx="2">
+            <a:schemeClr val="accent1">
+              <a:shade val="50000"/>
+            </a:schemeClr>
+          </a:lnRef>
+          <a:fillRef idx="1">
+            <a:schemeClr val="accent1"/>
+          </a:fillRef>
+          <a:effectRef idx="0">
+            <a:schemeClr val="accent1"/>
+          </a:effectRef>
+          <a:fontRef idx="minor">
+            <a:schemeClr val="lt1"/>
+          </a:fontRef>
+        </p:style>
+        <p:txBody>
+          <a:bodyPr rtlCol="0" anchor="ctr"/>
+          <a:lstStyle/>
+          <a:p>
+            <a:pPr algn="ctr"/>
+            <a:r>
+              <a:rPr lang="en-US" sz="2400" dirty="0"/>
+              <a:t>Sender</a:t>
+            </a:r>
+          </a:p>
+        </p:txBody>
+      </p:sp>
+      <p:sp>
+        <p:nvSpPr>
+          <p:cNvPr id="5" name="Oval 4"/>
+          <p:cNvSpPr/>
+          <p:nvPr/>
+        </p:nvSpPr>
+        <p:spPr>
+          <a:xfrm>
+            <a:off x="9952922" y="1762025"/>
+            <a:ext cx="1792778" cy="798023"/>
+          </a:xfrm>
+          <a:prstGeom prst="ellipse">
+            <a:avLst/>
+          </a:prstGeom>
+          <a:solidFill>
+            <a:srgbClr val="FFC000"/>
+          </a:solidFill>
+        </p:spPr>
+        <p:style>
+          <a:lnRef idx="2">
+            <a:schemeClr val="accent1">
+              <a:shade val="50000"/>
+            </a:schemeClr>
+          </a:lnRef>
+          <a:fillRef idx="1">
+            <a:schemeClr val="accent1"/>
+          </a:fillRef>
+          <a:effectRef idx="0">
+            <a:schemeClr val="accent1"/>
+          </a:effectRef>
+          <a:fontRef idx="minor">
+            <a:schemeClr val="lt1"/>
+          </a:fontRef>
+        </p:style>
+        <p:txBody>
+          <a:bodyPr rtlCol="0" anchor="ctr"/>
+          <a:lstStyle/>
+          <a:p>
+            <a:pPr algn="ctr"/>
+            <a:r>
+              <a:rPr lang="en-US" sz="2400" dirty="0"/>
+              <a:t>Receiver</a:t>
+            </a:r>
+          </a:p>
+        </p:txBody>
+      </p:sp>
+      <p:cxnSp>
+        <p:nvCxnSpPr>
+          <p:cNvPr id="7" name="Straight Arrow Connector 6"/>
+          <p:cNvCxnSpPr>
+            <a:stCxn id="4" idx="6"/>
+            <a:endCxn id="10" idx="2"/>
+          </p:cNvCxnSpPr>
+          <p:nvPr/>
+        </p:nvCxnSpPr>
+        <p:spPr>
+          <a:xfrm flipV="1">
+            <a:off x="1732978" y="2160537"/>
+            <a:ext cx="1776136" cy="501"/>
+          </a:xfrm>
+          <a:prstGeom prst="straightConnector1">
+            <a:avLst/>
+          </a:prstGeom>
+          <a:ln w="63500">
+            <a:solidFill>
+              <a:schemeClr val="tx1"/>
+            </a:solidFill>
+            <a:tailEnd type="triangle"/>
+          </a:ln>
+        </p:spPr>
+        <p:style>
+          <a:lnRef idx="1">
+            <a:schemeClr val="accent1"/>
+          </a:lnRef>
+          <a:fillRef idx="0">
+            <a:schemeClr val="accent1"/>
+          </a:fillRef>
+          <a:effectRef idx="0">
+            <a:schemeClr val="accent1"/>
+          </a:effectRef>
+          <a:fontRef idx="minor">
+            <a:schemeClr val="tx1"/>
+          </a:fontRef>
+        </p:style>
+      </p:cxnSp>
+      <p:cxnSp>
+        <p:nvCxnSpPr>
+          <p:cNvPr id="8" name="Straight Arrow Connector 7"/>
+          <p:cNvCxnSpPr>
+            <a:stCxn id="12" idx="3"/>
+            <a:endCxn id="5" idx="2"/>
+          </p:cNvCxnSpPr>
+          <p:nvPr/>
+        </p:nvCxnSpPr>
+        <p:spPr>
+          <a:xfrm>
+            <a:off x="8009612" y="2160537"/>
+            <a:ext cx="1943310" cy="500"/>
+          </a:xfrm>
+          <a:prstGeom prst="straightConnector1">
+            <a:avLst/>
+          </a:prstGeom>
+          <a:ln w="63500">
+            <a:solidFill>
+              <a:schemeClr val="tx1"/>
+            </a:solidFill>
+            <a:tailEnd type="triangle"/>
+          </a:ln>
+        </p:spPr>
+        <p:style>
+          <a:lnRef idx="1">
+            <a:schemeClr val="accent1"/>
+          </a:lnRef>
+          <a:fillRef idx="0">
+            <a:schemeClr val="accent1"/>
+          </a:fillRef>
+          <a:effectRef idx="0">
+            <a:schemeClr val="accent1"/>
+          </a:effectRef>
+          <a:fontRef idx="minor">
+            <a:schemeClr val="tx1"/>
+          </a:fontRef>
+        </p:style>
+      </p:cxnSp>
+      <p:sp>
+        <p:nvSpPr>
+          <p:cNvPr id="10" name="Oval 9"/>
+          <p:cNvSpPr/>
+          <p:nvPr/>
+        </p:nvSpPr>
+        <p:spPr>
+          <a:xfrm>
+            <a:off x="3509114" y="1703337"/>
+            <a:ext cx="914400" cy="914400"/>
+          </a:xfrm>
+          <a:prstGeom prst="ellipse">
+            <a:avLst/>
+          </a:prstGeom>
+          <a:solidFill>
+            <a:srgbClr val="7030A0"/>
+          </a:solidFill>
+        </p:spPr>
+        <p:style>
+          <a:lnRef idx="2">
+            <a:schemeClr val="accent1">
+              <a:shade val="50000"/>
+            </a:schemeClr>
+          </a:lnRef>
+          <a:fillRef idx="1">
+            <a:schemeClr val="accent1"/>
+          </a:fillRef>
+          <a:effectRef idx="0">
+            <a:schemeClr val="accent1"/>
+          </a:effectRef>
+          <a:fontRef idx="minor">
+            <a:schemeClr val="lt1"/>
+          </a:fontRef>
+        </p:style>
+        <p:txBody>
+          <a:bodyPr rtlCol="0" anchor="ctr"/>
+          <a:lstStyle/>
+          <a:p>
+            <a:pPr algn="ctr"/>
+            <a:r>
+              <a:rPr lang="en-US" sz="3200" dirty="0"/>
+              <a:t>“”</a:t>
+            </a:r>
+          </a:p>
+        </p:txBody>
+      </p:sp>
+      <p:graphicFrame>
+        <p:nvGraphicFramePr>
+          <p:cNvPr id="12" name="Table 11"/>
+          <p:cNvGraphicFramePr>
+            <a:graphicFrameLocks noGrp="1"/>
+          </p:cNvGraphicFramePr>
+          <p:nvPr>
+            <p:extLst>
+              <p:ext uri="{D42A27DB-BD31-4B8C-83A1-F6EECF244321}">
+                <p14:modId xmlns:p14="http://schemas.microsoft.com/office/powerpoint/2010/main" val="2741468930"/>
+              </p:ext>
+            </p:extLst>
+          </p:nvPr>
+        </p:nvGraphicFramePr>
+        <p:xfrm>
+          <a:off x="4855580" y="1975117"/>
+          <a:ext cx="3154032" cy="370840"/>
+        </p:xfrm>
+        <a:graphic>
+          <a:graphicData uri="http://schemas.openxmlformats.org/drawingml/2006/table">
+            <a:tbl>
+              <a:tblPr firstRow="1" bandRow="1">
+                <a:tableStyleId>{5C22544A-7EE6-4342-B048-85BDC9FD1C3A}</a:tableStyleId>
+              </a:tblPr>
+              <a:tblGrid>
+                <a:gridCol w="525672">
+                  <a:extLst>
+                    <a:ext uri="{9D8B030D-6E8A-4147-A177-3AD203B41FA5}">
+                      <a16:colId xmlns:a16="http://schemas.microsoft.com/office/drawing/2014/main" val="1268548019"/>
+                    </a:ext>
+                  </a:extLst>
+                </a:gridCol>
+                <a:gridCol w="525672">
+                  <a:extLst>
+                    <a:ext uri="{9D8B030D-6E8A-4147-A177-3AD203B41FA5}">
+                      <a16:colId xmlns:a16="http://schemas.microsoft.com/office/drawing/2014/main" val="305751808"/>
+                    </a:ext>
+                  </a:extLst>
+                </a:gridCol>
+                <a:gridCol w="525672">
+                  <a:extLst>
+                    <a:ext uri="{9D8B030D-6E8A-4147-A177-3AD203B41FA5}">
+                      <a16:colId xmlns:a16="http://schemas.microsoft.com/office/drawing/2014/main" val="12658997"/>
+                    </a:ext>
+                  </a:extLst>
+                </a:gridCol>
+                <a:gridCol w="525672">
+                  <a:extLst>
+                    <a:ext uri="{9D8B030D-6E8A-4147-A177-3AD203B41FA5}">
+                      <a16:colId xmlns:a16="http://schemas.microsoft.com/office/drawing/2014/main" val="2038868142"/>
+                    </a:ext>
+                  </a:extLst>
+                </a:gridCol>
+                <a:gridCol w="525672">
+                  <a:extLst>
+                    <a:ext uri="{9D8B030D-6E8A-4147-A177-3AD203B41FA5}">
+                      <a16:colId xmlns:a16="http://schemas.microsoft.com/office/drawing/2014/main" val="2705479006"/>
+                    </a:ext>
+                  </a:extLst>
+                </a:gridCol>
+                <a:gridCol w="525672">
+                  <a:extLst>
+                    <a:ext uri="{9D8B030D-6E8A-4147-A177-3AD203B41FA5}">
+                      <a16:colId xmlns:a16="http://schemas.microsoft.com/office/drawing/2014/main" val="3486698385"/>
+                    </a:ext>
+                  </a:extLst>
+                </a:gridCol>
+              </a:tblGrid>
+              <a:tr h="370840">
+                <a:tc>
+                  <a:txBody>
+                    <a:bodyPr/>
+                    <a:lstStyle/>
+                    <a:p>
+                      <a:endParaRPr lang="en-US" dirty="0"/>
+                    </a:p>
+                  </a:txBody>
+                  <a:tcPr/>
+                </a:tc>
+                <a:tc>
+                  <a:txBody>
+                    <a:bodyPr/>
+                    <a:lstStyle/>
+                    <a:p>
+                      <a:endParaRPr lang="en-US" dirty="0"/>
+                    </a:p>
+                  </a:txBody>
+                  <a:tcPr/>
+                </a:tc>
+                <a:tc>
+                  <a:txBody>
+                    <a:bodyPr/>
+                    <a:lstStyle/>
+                    <a:p>
+                      <a:endParaRPr lang="en-US"/>
+                    </a:p>
+                  </a:txBody>
+                  <a:tcPr/>
+                </a:tc>
+                <a:tc>
+                  <a:txBody>
+                    <a:bodyPr/>
+                    <a:lstStyle/>
+                    <a:p>
+                      <a:endParaRPr lang="en-US"/>
+                    </a:p>
+                  </a:txBody>
+                  <a:tcPr/>
+                </a:tc>
+                <a:tc>
+                  <a:txBody>
+                    <a:bodyPr/>
+                    <a:lstStyle/>
+                    <a:p>
+                      <a:endParaRPr lang="en-US" dirty="0"/>
+                    </a:p>
+                  </a:txBody>
+                  <a:tcPr/>
+                </a:tc>
+                <a:tc>
+                  <a:txBody>
+                    <a:bodyPr/>
+                    <a:lstStyle/>
+                    <a:p>
+                      <a:endParaRPr lang="en-US" dirty="0"/>
+                    </a:p>
+                  </a:txBody>
+                  <a:tcPr/>
+                </a:tc>
+                <a:extLst>
+                  <a:ext uri="{0D108BD9-81ED-4DB2-BD59-A6C34878D82A}">
+                    <a16:rowId xmlns:a16="http://schemas.microsoft.com/office/drawing/2014/main" val="3708323591"/>
+                  </a:ext>
+                </a:extLst>
+              </a:tr>
+            </a:tbl>
+          </a:graphicData>
+        </a:graphic>
+      </p:graphicFrame>
+      <p:cxnSp>
+        <p:nvCxnSpPr>
+          <p:cNvPr id="13" name="Straight Arrow Connector 12"/>
+          <p:cNvCxnSpPr>
+            <a:stCxn id="10" idx="6"/>
+            <a:endCxn id="12" idx="1"/>
+          </p:cNvCxnSpPr>
+          <p:nvPr/>
+        </p:nvCxnSpPr>
+        <p:spPr>
+          <a:xfrm>
+            <a:off x="4423514" y="2160537"/>
+            <a:ext cx="432066" cy="0"/>
+          </a:xfrm>
+          <a:prstGeom prst="straightConnector1">
+            <a:avLst/>
+          </a:prstGeom>
+          <a:ln w="63500">
+            <a:solidFill>
+              <a:schemeClr val="tx1"/>
+            </a:solidFill>
+            <a:tailEnd type="triangle"/>
+          </a:ln>
+        </p:spPr>
+        <p:style>
+          <a:lnRef idx="1">
+            <a:schemeClr val="accent1"/>
+          </a:lnRef>
+          <a:fillRef idx="0">
+            <a:schemeClr val="accent1"/>
+          </a:fillRef>
+          <a:effectRef idx="0">
+            <a:schemeClr val="accent1"/>
+          </a:effectRef>
+          <a:fontRef idx="minor">
+            <a:schemeClr val="tx1"/>
+          </a:fontRef>
+        </p:style>
+      </p:cxnSp>
+      <p:sp>
+        <p:nvSpPr>
+          <p:cNvPr id="20" name="TextBox 19"/>
+          <p:cNvSpPr txBox="1"/>
+          <p:nvPr/>
+        </p:nvSpPr>
+        <p:spPr>
+          <a:xfrm>
+            <a:off x="3074796" y="1175353"/>
+            <a:ext cx="1146468" cy="369332"/>
+          </a:xfrm>
+          <a:prstGeom prst="rect">
+            <a:avLst/>
+          </a:prstGeom>
+          <a:noFill/>
+        </p:spPr>
+        <p:txBody>
+          <a:bodyPr wrap="none" rtlCol="0">
+            <a:spAutoFit/>
+          </a:bodyPr>
+          <a:lstStyle/>
+          <a:p>
+            <a:r>
+              <a:rPr lang="en-US" dirty="0" err="1"/>
+              <a:t>RabbitMQ</a:t>
+            </a:r>
+            <a:endParaRPr lang="en-US" dirty="0"/>
+          </a:p>
+        </p:txBody>
+      </p:sp>
+      <p:sp>
+        <p:nvSpPr>
+          <p:cNvPr id="21" name="TextBox 20"/>
+          <p:cNvSpPr txBox="1"/>
+          <p:nvPr/>
+        </p:nvSpPr>
+        <p:spPr>
+          <a:xfrm>
+            <a:off x="5447881" y="2372151"/>
+            <a:ext cx="1548822" cy="369332"/>
+          </a:xfrm>
+          <a:prstGeom prst="rect">
+            <a:avLst/>
+          </a:prstGeom>
+          <a:noFill/>
+        </p:spPr>
+        <p:txBody>
+          <a:bodyPr wrap="none" rtlCol="0">
+            <a:spAutoFit/>
+          </a:bodyPr>
+          <a:lstStyle/>
+          <a:p>
+            <a:r>
+              <a:rPr lang="en-US" dirty="0"/>
+              <a:t>Named Queue</a:t>
             </a:r>
           </a:p>
         </p:txBody>
@@ -14681,7 +15040,7 @@
     </p:spTree>
     <p:extLst>
       <p:ext uri="{BB962C8B-B14F-4D97-AF65-F5344CB8AC3E}">
-        <p14:creationId xmlns:p14="http://schemas.microsoft.com/office/powerpoint/2010/main" val="4129636306"/>
+        <p14:creationId xmlns:p14="http://schemas.microsoft.com/office/powerpoint/2010/main" val="2807620525"/>
       </p:ext>
     </p:extLst>
   </p:cSld>
@@ -14710,141 +15069,693 @@
       </p:grpSpPr>
       <p:sp>
         <p:nvSpPr>
-          <p:cNvPr id="2" name="Title 1"/>
-          <p:cNvSpPr>
-            <a:spLocks noGrp="1"/>
-          </p:cNvSpPr>
-          <p:nvPr>
-            <p:ph type="title"/>
-          </p:nvPr>
-        </p:nvSpPr>
-        <p:spPr/>
-        <p:txBody>
-          <a:bodyPr/>
-          <a:lstStyle/>
-          <a:p>
-            <a:r>
-              <a:rPr lang="en-US" dirty="0" smtClean="0"/>
-              <a:t>Problems</a:t>
-            </a:r>
-            <a:endParaRPr lang="en-US" dirty="0"/>
-          </a:p>
-        </p:txBody>
-      </p:sp>
-      <p:sp>
-        <p:nvSpPr>
-          <p:cNvPr id="3" name="Content Placeholder 2"/>
-          <p:cNvSpPr>
-            <a:spLocks noGrp="1"/>
-          </p:cNvSpPr>
-          <p:nvPr>
-            <p:ph idx="1"/>
-          </p:nvPr>
+          <p:cNvPr id="9" name="Rounded Rectangle 8"/>
+          <p:cNvSpPr/>
+          <p:nvPr/>
         </p:nvSpPr>
         <p:spPr>
           <a:xfrm>
-            <a:off x="224443" y="1825625"/>
-            <a:ext cx="11812385" cy="4849496"/>
+            <a:off x="2987883" y="1126840"/>
+            <a:ext cx="5623554" cy="2010169"/>
+          </a:xfrm>
+          <a:prstGeom prst="roundRect">
+            <a:avLst/>
+          </a:prstGeom>
+          <a:solidFill>
+            <a:schemeClr val="bg1">
+              <a:lumMod val="85000"/>
+            </a:schemeClr>
+          </a:solidFill>
+        </p:spPr>
+        <p:style>
+          <a:lnRef idx="2">
+            <a:schemeClr val="accent1">
+              <a:shade val="50000"/>
+            </a:schemeClr>
+          </a:lnRef>
+          <a:fillRef idx="1">
+            <a:schemeClr val="accent1"/>
+          </a:fillRef>
+          <a:effectRef idx="0">
+            <a:schemeClr val="accent1"/>
+          </a:effectRef>
+          <a:fontRef idx="minor">
+            <a:schemeClr val="lt1"/>
+          </a:fontRef>
+        </p:style>
+        <p:txBody>
+          <a:bodyPr rtlCol="0" anchor="ctr"/>
+          <a:lstStyle/>
+          <a:p>
+            <a:pPr algn="ctr"/>
+            <a:endParaRPr lang="en-US" dirty="0"/>
+          </a:p>
+        </p:txBody>
+      </p:sp>
+      <p:sp>
+        <p:nvSpPr>
+          <p:cNvPr id="2" name="Title 1"/>
+          <p:cNvSpPr>
+            <a:spLocks noGrp="1"/>
+          </p:cNvSpPr>
+          <p:nvPr>
+            <p:ph type="title"/>
+          </p:nvPr>
+        </p:nvSpPr>
+        <p:spPr>
+          <a:xfrm>
+            <a:off x="170186" y="144063"/>
+            <a:ext cx="6903854" cy="982778"/>
           </a:xfrm>
         </p:spPr>
         <p:txBody>
           <a:bodyPr>
-            <a:normAutofit lnSpcReduction="10000"/>
+            <a:normAutofit fontScale="90000"/>
           </a:bodyPr>
           <a:lstStyle/>
           <a:p>
             <a:r>
-              <a:rPr lang="en-US" dirty="0" smtClean="0"/>
-              <a:t>Base64 is NOT encrypted… it is just a mapping from bits into printable ASCII codes </a:t>
-            </a:r>
-          </a:p>
-          <a:p>
-            <a:r>
-              <a:rPr lang="en-US" dirty="0" smtClean="0"/>
-              <a:t>When sending </a:t>
-            </a:r>
-            <a:r>
-              <a:rPr lang="en-US" i="1" dirty="0" smtClean="0"/>
-              <a:t>id/</a:t>
-            </a:r>
-            <a:r>
-              <a:rPr lang="en-US" i="1" dirty="0" err="1" smtClean="0"/>
-              <a:t>pwd</a:t>
-            </a:r>
-            <a:r>
-              <a:rPr lang="en-US" dirty="0" smtClean="0"/>
-              <a:t>, must use HTTP</a:t>
-            </a:r>
-            <a:r>
-              <a:rPr lang="en-US" b="1" dirty="0" smtClean="0"/>
-              <a:t>S</a:t>
+              <a:rPr lang="en-US" dirty="0"/>
+              <a:t>Distributed Work</a:t>
+            </a:r>
+          </a:p>
+        </p:txBody>
+      </p:sp>
+      <p:sp>
+        <p:nvSpPr>
+          <p:cNvPr id="3" name="Content Placeholder 2"/>
+          <p:cNvSpPr>
+            <a:spLocks noGrp="1"/>
+          </p:cNvSpPr>
+          <p:nvPr>
+            <p:ph idx="1"/>
+          </p:nvPr>
+        </p:nvSpPr>
+        <p:spPr>
+          <a:xfrm>
+            <a:off x="261257" y="3513938"/>
+            <a:ext cx="11796766" cy="3198360"/>
+          </a:xfrm>
+        </p:spPr>
+        <p:txBody>
+          <a:bodyPr>
+            <a:normAutofit fontScale="77500" lnSpcReduction="20000"/>
+          </a:bodyPr>
+          <a:lstStyle/>
+          <a:p>
+            <a:r>
+              <a:rPr lang="en-US" dirty="0"/>
+              <a:t>There can be several Receivers pulling from a queue</a:t>
+            </a:r>
+          </a:p>
+          <a:p>
+            <a:r>
+              <a:rPr lang="en-US" dirty="0"/>
+              <a:t>Useful when a message requires non-trivial processing</a:t>
             </a:r>
           </a:p>
           <a:p>
             <a:pPr lvl="1"/>
             <a:r>
-              <a:rPr lang="en-US" dirty="0" smtClean="0"/>
-              <a:t>otherwise, anyone on the network can read them</a:t>
+              <a:rPr lang="en-US" dirty="0"/>
+              <a:t>If a Receiver is stuck with a long task, the other Receivers can meanwhile work on all the other messages pushed on the queue</a:t>
+            </a:r>
+          </a:p>
+          <a:p>
+            <a:r>
+              <a:rPr lang="en-US" dirty="0"/>
+              <a:t>A message can only go to 1 Receiver</a:t>
+            </a:r>
+          </a:p>
+          <a:p>
+            <a:r>
+              <a:rPr lang="en-US" i="1" dirty="0" err="1"/>
+              <a:t>Prefetch</a:t>
+            </a:r>
+            <a:r>
+              <a:rPr lang="en-US" dirty="0"/>
+              <a:t>: for optimization reasons, Receiver could pull several messages at same time, instead of waiting to process current one before pulling the next</a:t>
             </a:r>
           </a:p>
           <a:p>
             <a:pPr lvl="1"/>
             <a:r>
-              <a:rPr lang="en-US" dirty="0" smtClean="0"/>
-              <a:t>anyway, always use HTTP</a:t>
-            </a:r>
-            <a:r>
-              <a:rPr lang="en-US" b="1" dirty="0" smtClean="0"/>
-              <a:t>S</a:t>
-            </a:r>
-            <a:r>
-              <a:rPr lang="en-US" dirty="0" smtClean="0"/>
-              <a:t> instead of HTTP…</a:t>
-            </a:r>
-          </a:p>
-          <a:p>
-            <a:pPr lvl="1"/>
-            <a:r>
-              <a:rPr lang="en-US" dirty="0" smtClean="0"/>
-              <a:t>but we do not use HTTP</a:t>
-            </a:r>
-            <a:r>
-              <a:rPr lang="en-US" b="1" dirty="0" smtClean="0"/>
-              <a:t>S</a:t>
-            </a:r>
-            <a:r>
-              <a:rPr lang="en-US" dirty="0" smtClean="0"/>
-              <a:t> in code examples, just due to complications of creating certificates</a:t>
-            </a:r>
-          </a:p>
-          <a:p>
-            <a:r>
-              <a:rPr lang="en-US" dirty="0" smtClean="0"/>
-              <a:t>What if someone intercepts a HTTP in clear, or has direct access to the browser (</a:t>
-            </a:r>
-            <a:r>
-              <a:rPr lang="en-US" dirty="0" err="1" smtClean="0"/>
-              <a:t>eg</a:t>
-            </a:r>
-            <a:r>
-              <a:rPr lang="en-US" dirty="0" smtClean="0"/>
-              <a:t>, via a malware)? </a:t>
-            </a:r>
-          </a:p>
-          <a:p>
-            <a:pPr lvl="1"/>
-            <a:r>
-              <a:rPr lang="en-US" dirty="0" smtClean="0"/>
-              <a:t>s/he will get the password</a:t>
-            </a:r>
+              <a:rPr lang="en-US" dirty="0"/>
+              <a:t>important if time delay from </a:t>
+            </a:r>
+            <a:r>
+              <a:rPr lang="en-US" dirty="0" err="1"/>
+              <a:t>RabbitMQ</a:t>
+            </a:r>
+            <a:r>
+              <a:rPr lang="en-US" dirty="0"/>
+              <a:t> is significant compared to cost of processing 1 message</a:t>
+            </a:r>
+          </a:p>
+          <a:p>
             <a:endParaRPr lang="en-US" dirty="0"/>
           </a:p>
         </p:txBody>
       </p:sp>
+      <p:sp>
+        <p:nvSpPr>
+          <p:cNvPr id="4" name="Oval 3"/>
+          <p:cNvSpPr/>
+          <p:nvPr/>
+        </p:nvSpPr>
+        <p:spPr>
+          <a:xfrm>
+            <a:off x="170186" y="1762026"/>
+            <a:ext cx="1562792" cy="798023"/>
+          </a:xfrm>
+          <a:prstGeom prst="ellipse">
+            <a:avLst/>
+          </a:prstGeom>
+        </p:spPr>
+        <p:style>
+          <a:lnRef idx="2">
+            <a:schemeClr val="accent1">
+              <a:shade val="50000"/>
+            </a:schemeClr>
+          </a:lnRef>
+          <a:fillRef idx="1">
+            <a:schemeClr val="accent1"/>
+          </a:fillRef>
+          <a:effectRef idx="0">
+            <a:schemeClr val="accent1"/>
+          </a:effectRef>
+          <a:fontRef idx="minor">
+            <a:schemeClr val="lt1"/>
+          </a:fontRef>
+        </p:style>
+        <p:txBody>
+          <a:bodyPr rtlCol="0" anchor="ctr"/>
+          <a:lstStyle/>
+          <a:p>
+            <a:pPr algn="ctr"/>
+            <a:r>
+              <a:rPr lang="en-US" sz="2400" dirty="0"/>
+              <a:t>Sender</a:t>
+            </a:r>
+          </a:p>
+        </p:txBody>
+      </p:sp>
+      <p:sp>
+        <p:nvSpPr>
+          <p:cNvPr id="5" name="Oval 4"/>
+          <p:cNvSpPr/>
+          <p:nvPr/>
+        </p:nvSpPr>
+        <p:spPr>
+          <a:xfrm>
+            <a:off x="9922005" y="1126840"/>
+            <a:ext cx="1792778" cy="798023"/>
+          </a:xfrm>
+          <a:prstGeom prst="ellipse">
+            <a:avLst/>
+          </a:prstGeom>
+          <a:solidFill>
+            <a:srgbClr val="FFC000"/>
+          </a:solidFill>
+        </p:spPr>
+        <p:style>
+          <a:lnRef idx="2">
+            <a:schemeClr val="accent1">
+              <a:shade val="50000"/>
+            </a:schemeClr>
+          </a:lnRef>
+          <a:fillRef idx="1">
+            <a:schemeClr val="accent1"/>
+          </a:fillRef>
+          <a:effectRef idx="0">
+            <a:schemeClr val="accent1"/>
+          </a:effectRef>
+          <a:fontRef idx="minor">
+            <a:schemeClr val="lt1"/>
+          </a:fontRef>
+        </p:style>
+        <p:txBody>
+          <a:bodyPr rtlCol="0" anchor="ctr"/>
+          <a:lstStyle/>
+          <a:p>
+            <a:pPr algn="ctr"/>
+            <a:r>
+              <a:rPr lang="en-US" sz="2400" dirty="0"/>
+              <a:t>Receiver</a:t>
+            </a:r>
+          </a:p>
+        </p:txBody>
+      </p:sp>
+      <p:cxnSp>
+        <p:nvCxnSpPr>
+          <p:cNvPr id="7" name="Straight Arrow Connector 6"/>
+          <p:cNvCxnSpPr>
+            <a:stCxn id="4" idx="6"/>
+            <a:endCxn id="10" idx="2"/>
+          </p:cNvCxnSpPr>
+          <p:nvPr/>
+        </p:nvCxnSpPr>
+        <p:spPr>
+          <a:xfrm flipV="1">
+            <a:off x="1732978" y="2160537"/>
+            <a:ext cx="1776136" cy="501"/>
+          </a:xfrm>
+          <a:prstGeom prst="straightConnector1">
+            <a:avLst/>
+          </a:prstGeom>
+          <a:ln w="63500">
+            <a:solidFill>
+              <a:schemeClr val="tx1"/>
+            </a:solidFill>
+            <a:tailEnd type="triangle"/>
+          </a:ln>
+        </p:spPr>
+        <p:style>
+          <a:lnRef idx="1">
+            <a:schemeClr val="accent1"/>
+          </a:lnRef>
+          <a:fillRef idx="0">
+            <a:schemeClr val="accent1"/>
+          </a:fillRef>
+          <a:effectRef idx="0">
+            <a:schemeClr val="accent1"/>
+          </a:effectRef>
+          <a:fontRef idx="minor">
+            <a:schemeClr val="tx1"/>
+          </a:fontRef>
+        </p:style>
+      </p:cxnSp>
+      <p:cxnSp>
+        <p:nvCxnSpPr>
+          <p:cNvPr id="8" name="Straight Arrow Connector 7"/>
+          <p:cNvCxnSpPr>
+            <a:stCxn id="12" idx="3"/>
+            <a:endCxn id="5" idx="2"/>
+          </p:cNvCxnSpPr>
+          <p:nvPr/>
+        </p:nvCxnSpPr>
+        <p:spPr>
+          <a:xfrm flipV="1">
+            <a:off x="8009612" y="1525852"/>
+            <a:ext cx="1912393" cy="634685"/>
+          </a:xfrm>
+          <a:prstGeom prst="straightConnector1">
+            <a:avLst/>
+          </a:prstGeom>
+          <a:ln w="63500">
+            <a:solidFill>
+              <a:schemeClr val="tx1"/>
+            </a:solidFill>
+            <a:tailEnd type="triangle"/>
+          </a:ln>
+        </p:spPr>
+        <p:style>
+          <a:lnRef idx="1">
+            <a:schemeClr val="accent1"/>
+          </a:lnRef>
+          <a:fillRef idx="0">
+            <a:schemeClr val="accent1"/>
+          </a:fillRef>
+          <a:effectRef idx="0">
+            <a:schemeClr val="accent1"/>
+          </a:effectRef>
+          <a:fontRef idx="minor">
+            <a:schemeClr val="tx1"/>
+          </a:fontRef>
+        </p:style>
+      </p:cxnSp>
+      <p:sp>
+        <p:nvSpPr>
+          <p:cNvPr id="10" name="Oval 9"/>
+          <p:cNvSpPr/>
+          <p:nvPr/>
+        </p:nvSpPr>
+        <p:spPr>
+          <a:xfrm>
+            <a:off x="3509114" y="1703337"/>
+            <a:ext cx="914400" cy="914400"/>
+          </a:xfrm>
+          <a:prstGeom prst="ellipse">
+            <a:avLst/>
+          </a:prstGeom>
+          <a:solidFill>
+            <a:srgbClr val="7030A0"/>
+          </a:solidFill>
+        </p:spPr>
+        <p:style>
+          <a:lnRef idx="2">
+            <a:schemeClr val="accent1">
+              <a:shade val="50000"/>
+            </a:schemeClr>
+          </a:lnRef>
+          <a:fillRef idx="1">
+            <a:schemeClr val="accent1"/>
+          </a:fillRef>
+          <a:effectRef idx="0">
+            <a:schemeClr val="accent1"/>
+          </a:effectRef>
+          <a:fontRef idx="minor">
+            <a:schemeClr val="lt1"/>
+          </a:fontRef>
+        </p:style>
+        <p:txBody>
+          <a:bodyPr rtlCol="0" anchor="ctr"/>
+          <a:lstStyle/>
+          <a:p>
+            <a:pPr algn="ctr"/>
+            <a:r>
+              <a:rPr lang="en-US" sz="3200" dirty="0"/>
+              <a:t>“”</a:t>
+            </a:r>
+          </a:p>
+        </p:txBody>
+      </p:sp>
+      <p:graphicFrame>
+        <p:nvGraphicFramePr>
+          <p:cNvPr id="12" name="Table 11"/>
+          <p:cNvGraphicFramePr>
+            <a:graphicFrameLocks noGrp="1"/>
+          </p:cNvGraphicFramePr>
+          <p:nvPr>
+            <p:extLst>
+              <p:ext uri="{D42A27DB-BD31-4B8C-83A1-F6EECF244321}">
+                <p14:modId xmlns:p14="http://schemas.microsoft.com/office/powerpoint/2010/main" val="2741468930"/>
+              </p:ext>
+            </p:extLst>
+          </p:nvPr>
+        </p:nvGraphicFramePr>
+        <p:xfrm>
+          <a:off x="4855580" y="1975117"/>
+          <a:ext cx="3154032" cy="370840"/>
+        </p:xfrm>
+        <a:graphic>
+          <a:graphicData uri="http://schemas.openxmlformats.org/drawingml/2006/table">
+            <a:tbl>
+              <a:tblPr firstRow="1" bandRow="1">
+                <a:tableStyleId>{5C22544A-7EE6-4342-B048-85BDC9FD1C3A}</a:tableStyleId>
+              </a:tblPr>
+              <a:tblGrid>
+                <a:gridCol w="525672">
+                  <a:extLst>
+                    <a:ext uri="{9D8B030D-6E8A-4147-A177-3AD203B41FA5}">
+                      <a16:colId xmlns:a16="http://schemas.microsoft.com/office/drawing/2014/main" val="1268548019"/>
+                    </a:ext>
+                  </a:extLst>
+                </a:gridCol>
+                <a:gridCol w="525672">
+                  <a:extLst>
+                    <a:ext uri="{9D8B030D-6E8A-4147-A177-3AD203B41FA5}">
+                      <a16:colId xmlns:a16="http://schemas.microsoft.com/office/drawing/2014/main" val="305751808"/>
+                    </a:ext>
+                  </a:extLst>
+                </a:gridCol>
+                <a:gridCol w="525672">
+                  <a:extLst>
+                    <a:ext uri="{9D8B030D-6E8A-4147-A177-3AD203B41FA5}">
+                      <a16:colId xmlns:a16="http://schemas.microsoft.com/office/drawing/2014/main" val="12658997"/>
+                    </a:ext>
+                  </a:extLst>
+                </a:gridCol>
+                <a:gridCol w="525672">
+                  <a:extLst>
+                    <a:ext uri="{9D8B030D-6E8A-4147-A177-3AD203B41FA5}">
+                      <a16:colId xmlns:a16="http://schemas.microsoft.com/office/drawing/2014/main" val="2038868142"/>
+                    </a:ext>
+                  </a:extLst>
+                </a:gridCol>
+                <a:gridCol w="525672">
+                  <a:extLst>
+                    <a:ext uri="{9D8B030D-6E8A-4147-A177-3AD203B41FA5}">
+                      <a16:colId xmlns:a16="http://schemas.microsoft.com/office/drawing/2014/main" val="2705479006"/>
+                    </a:ext>
+                  </a:extLst>
+                </a:gridCol>
+                <a:gridCol w="525672">
+                  <a:extLst>
+                    <a:ext uri="{9D8B030D-6E8A-4147-A177-3AD203B41FA5}">
+                      <a16:colId xmlns:a16="http://schemas.microsoft.com/office/drawing/2014/main" val="3486698385"/>
+                    </a:ext>
+                  </a:extLst>
+                </a:gridCol>
+              </a:tblGrid>
+              <a:tr h="370840">
+                <a:tc>
+                  <a:txBody>
+                    <a:bodyPr/>
+                    <a:lstStyle/>
+                    <a:p>
+                      <a:endParaRPr lang="en-US" dirty="0"/>
+                    </a:p>
+                  </a:txBody>
+                  <a:tcPr/>
+                </a:tc>
+                <a:tc>
+                  <a:txBody>
+                    <a:bodyPr/>
+                    <a:lstStyle/>
+                    <a:p>
+                      <a:endParaRPr lang="en-US" dirty="0"/>
+                    </a:p>
+                  </a:txBody>
+                  <a:tcPr/>
+                </a:tc>
+                <a:tc>
+                  <a:txBody>
+                    <a:bodyPr/>
+                    <a:lstStyle/>
+                    <a:p>
+                      <a:endParaRPr lang="en-US"/>
+                    </a:p>
+                  </a:txBody>
+                  <a:tcPr/>
+                </a:tc>
+                <a:tc>
+                  <a:txBody>
+                    <a:bodyPr/>
+                    <a:lstStyle/>
+                    <a:p>
+                      <a:endParaRPr lang="en-US"/>
+                    </a:p>
+                  </a:txBody>
+                  <a:tcPr/>
+                </a:tc>
+                <a:tc>
+                  <a:txBody>
+                    <a:bodyPr/>
+                    <a:lstStyle/>
+                    <a:p>
+                      <a:endParaRPr lang="en-US" dirty="0"/>
+                    </a:p>
+                  </a:txBody>
+                  <a:tcPr/>
+                </a:tc>
+                <a:tc>
+                  <a:txBody>
+                    <a:bodyPr/>
+                    <a:lstStyle/>
+                    <a:p>
+                      <a:endParaRPr lang="en-US" dirty="0"/>
+                    </a:p>
+                  </a:txBody>
+                  <a:tcPr/>
+                </a:tc>
+                <a:extLst>
+                  <a:ext uri="{0D108BD9-81ED-4DB2-BD59-A6C34878D82A}">
+                    <a16:rowId xmlns:a16="http://schemas.microsoft.com/office/drawing/2014/main" val="3708323591"/>
+                  </a:ext>
+                </a:extLst>
+              </a:tr>
+            </a:tbl>
+          </a:graphicData>
+        </a:graphic>
+      </p:graphicFrame>
+      <p:cxnSp>
+        <p:nvCxnSpPr>
+          <p:cNvPr id="13" name="Straight Arrow Connector 12"/>
+          <p:cNvCxnSpPr>
+            <a:stCxn id="10" idx="6"/>
+            <a:endCxn id="12" idx="1"/>
+          </p:cNvCxnSpPr>
+          <p:nvPr/>
+        </p:nvCxnSpPr>
+        <p:spPr>
+          <a:xfrm>
+            <a:off x="4423514" y="2160537"/>
+            <a:ext cx="432066" cy="0"/>
+          </a:xfrm>
+          <a:prstGeom prst="straightConnector1">
+            <a:avLst/>
+          </a:prstGeom>
+          <a:ln w="63500">
+            <a:solidFill>
+              <a:schemeClr val="tx1"/>
+            </a:solidFill>
+            <a:tailEnd type="triangle"/>
+          </a:ln>
+        </p:spPr>
+        <p:style>
+          <a:lnRef idx="1">
+            <a:schemeClr val="accent1"/>
+          </a:lnRef>
+          <a:fillRef idx="0">
+            <a:schemeClr val="accent1"/>
+          </a:fillRef>
+          <a:effectRef idx="0">
+            <a:schemeClr val="accent1"/>
+          </a:effectRef>
+          <a:fontRef idx="minor">
+            <a:schemeClr val="tx1"/>
+          </a:fontRef>
+        </p:style>
+      </p:cxnSp>
+      <p:sp>
+        <p:nvSpPr>
+          <p:cNvPr id="20" name="TextBox 19"/>
+          <p:cNvSpPr txBox="1"/>
+          <p:nvPr/>
+        </p:nvSpPr>
+        <p:spPr>
+          <a:xfrm>
+            <a:off x="3074796" y="1175353"/>
+            <a:ext cx="1146468" cy="369332"/>
+          </a:xfrm>
+          <a:prstGeom prst="rect">
+            <a:avLst/>
+          </a:prstGeom>
+          <a:noFill/>
+        </p:spPr>
+        <p:txBody>
+          <a:bodyPr wrap="none" rtlCol="0">
+            <a:spAutoFit/>
+          </a:bodyPr>
+          <a:lstStyle/>
+          <a:p>
+            <a:r>
+              <a:rPr lang="en-US" dirty="0" err="1"/>
+              <a:t>RabbitMQ</a:t>
+            </a:r>
+            <a:endParaRPr lang="en-US" dirty="0"/>
+          </a:p>
+        </p:txBody>
+      </p:sp>
+      <p:sp>
+        <p:nvSpPr>
+          <p:cNvPr id="21" name="TextBox 20"/>
+          <p:cNvSpPr txBox="1"/>
+          <p:nvPr/>
+        </p:nvSpPr>
+        <p:spPr>
+          <a:xfrm>
+            <a:off x="5447881" y="2372151"/>
+            <a:ext cx="1548822" cy="369332"/>
+          </a:xfrm>
+          <a:prstGeom prst="rect">
+            <a:avLst/>
+          </a:prstGeom>
+          <a:noFill/>
+        </p:spPr>
+        <p:txBody>
+          <a:bodyPr wrap="none" rtlCol="0">
+            <a:spAutoFit/>
+          </a:bodyPr>
+          <a:lstStyle/>
+          <a:p>
+            <a:r>
+              <a:rPr lang="en-US" dirty="0"/>
+              <a:t>Named Queue</a:t>
+            </a:r>
+          </a:p>
+        </p:txBody>
+      </p:sp>
+      <p:sp>
+        <p:nvSpPr>
+          <p:cNvPr id="15" name="Oval 14"/>
+          <p:cNvSpPr/>
+          <p:nvPr/>
+        </p:nvSpPr>
+        <p:spPr>
+          <a:xfrm>
+            <a:off x="9922005" y="2438226"/>
+            <a:ext cx="1792778" cy="798023"/>
+          </a:xfrm>
+          <a:prstGeom prst="ellipse">
+            <a:avLst/>
+          </a:prstGeom>
+          <a:solidFill>
+            <a:srgbClr val="FFC000"/>
+          </a:solidFill>
+        </p:spPr>
+        <p:style>
+          <a:lnRef idx="2">
+            <a:schemeClr val="accent1">
+              <a:shade val="50000"/>
+            </a:schemeClr>
+          </a:lnRef>
+          <a:fillRef idx="1">
+            <a:schemeClr val="accent1"/>
+          </a:fillRef>
+          <a:effectRef idx="0">
+            <a:schemeClr val="accent1"/>
+          </a:effectRef>
+          <a:fontRef idx="minor">
+            <a:schemeClr val="lt1"/>
+          </a:fontRef>
+        </p:style>
+        <p:txBody>
+          <a:bodyPr rtlCol="0" anchor="ctr"/>
+          <a:lstStyle/>
+          <a:p>
+            <a:pPr algn="ctr"/>
+            <a:r>
+              <a:rPr lang="en-US" sz="2400" dirty="0"/>
+              <a:t>Receiver</a:t>
+            </a:r>
+          </a:p>
+        </p:txBody>
+      </p:sp>
+      <p:cxnSp>
+        <p:nvCxnSpPr>
+          <p:cNvPr id="16" name="Straight Arrow Connector 15"/>
+          <p:cNvCxnSpPr>
+            <a:stCxn id="12" idx="3"/>
+            <a:endCxn id="15" idx="2"/>
+          </p:cNvCxnSpPr>
+          <p:nvPr/>
+        </p:nvCxnSpPr>
+        <p:spPr>
+          <a:xfrm>
+            <a:off x="8009612" y="2160537"/>
+            <a:ext cx="1912393" cy="676701"/>
+          </a:xfrm>
+          <a:prstGeom prst="straightConnector1">
+            <a:avLst/>
+          </a:prstGeom>
+          <a:ln w="63500">
+            <a:solidFill>
+              <a:schemeClr val="tx1"/>
+            </a:solidFill>
+            <a:tailEnd type="triangle"/>
+          </a:ln>
+        </p:spPr>
+        <p:style>
+          <a:lnRef idx="1">
+            <a:schemeClr val="accent1"/>
+          </a:lnRef>
+          <a:fillRef idx="0">
+            <a:schemeClr val="accent1"/>
+          </a:fillRef>
+          <a:effectRef idx="0">
+            <a:schemeClr val="accent1"/>
+          </a:effectRef>
+          <a:fontRef idx="minor">
+            <a:schemeClr val="tx1"/>
+          </a:fontRef>
+        </p:style>
+      </p:cxnSp>
     </p:spTree>
     <p:extLst>
       <p:ext uri="{BB962C8B-B14F-4D97-AF65-F5344CB8AC3E}">
-        <p14:creationId xmlns:p14="http://schemas.microsoft.com/office/powerpoint/2010/main" val="881422179"/>
+        <p14:creationId xmlns:p14="http://schemas.microsoft.com/office/powerpoint/2010/main" val="896497228"/>
       </p:ext>
     </p:extLst>
   </p:cSld>
@@ -14873,168 +15784,874 @@
       </p:grpSpPr>
       <p:sp>
         <p:nvSpPr>
-          <p:cNvPr id="2" name="Title 1"/>
-          <p:cNvSpPr>
-            <a:spLocks noGrp="1"/>
-          </p:cNvSpPr>
-          <p:nvPr>
-            <p:ph type="title"/>
-          </p:nvPr>
-        </p:nvSpPr>
-        <p:spPr/>
-        <p:txBody>
-          <a:bodyPr/>
-          <a:lstStyle/>
-          <a:p>
-            <a:r>
-              <a:rPr lang="en-US" dirty="0" smtClean="0"/>
-              <a:t>Authentication Token</a:t>
-            </a:r>
-            <a:endParaRPr lang="en-US" dirty="0"/>
-          </a:p>
-        </p:txBody>
-      </p:sp>
-      <p:sp>
-        <p:nvSpPr>
-          <p:cNvPr id="3" name="Content Placeholder 2"/>
-          <p:cNvSpPr>
-            <a:spLocks noGrp="1"/>
-          </p:cNvSpPr>
-          <p:nvPr>
-            <p:ph idx="1"/>
-          </p:nvPr>
+          <p:cNvPr id="9" name="Rounded Rectangle 8"/>
+          <p:cNvSpPr/>
+          <p:nvPr/>
         </p:nvSpPr>
         <p:spPr>
           <a:xfrm>
-            <a:off x="249382" y="1825624"/>
-            <a:ext cx="11704320" cy="4832871"/>
+            <a:off x="2987883" y="813916"/>
+            <a:ext cx="5623554" cy="2680733"/>
+          </a:xfrm>
+          <a:prstGeom prst="roundRect">
+            <a:avLst/>
+          </a:prstGeom>
+          <a:solidFill>
+            <a:schemeClr val="bg1">
+              <a:lumMod val="85000"/>
+            </a:schemeClr>
+          </a:solidFill>
+        </p:spPr>
+        <p:style>
+          <a:lnRef idx="2">
+            <a:schemeClr val="accent1">
+              <a:shade val="50000"/>
+            </a:schemeClr>
+          </a:lnRef>
+          <a:fillRef idx="1">
+            <a:schemeClr val="accent1"/>
+          </a:fillRef>
+          <a:effectRef idx="0">
+            <a:schemeClr val="accent1"/>
+          </a:effectRef>
+          <a:fontRef idx="minor">
+            <a:schemeClr val="lt1"/>
+          </a:fontRef>
+        </p:style>
+        <p:txBody>
+          <a:bodyPr rtlCol="0" anchor="ctr"/>
+          <a:lstStyle/>
+          <a:p>
+            <a:pPr algn="ctr"/>
+            <a:endParaRPr lang="en-US" dirty="0"/>
+          </a:p>
+        </p:txBody>
+      </p:sp>
+      <p:sp>
+        <p:nvSpPr>
+          <p:cNvPr id="2" name="Title 1"/>
+          <p:cNvSpPr>
+            <a:spLocks noGrp="1"/>
+          </p:cNvSpPr>
+          <p:nvPr>
+            <p:ph type="title"/>
+          </p:nvPr>
+        </p:nvSpPr>
+        <p:spPr>
+          <a:xfrm>
+            <a:off x="170186" y="144063"/>
+            <a:ext cx="6903854" cy="982778"/>
           </a:xfrm>
         </p:spPr>
         <p:txBody>
-          <a:bodyPr/>
-          <a:lstStyle/>
-          <a:p>
-            <a:r>
-              <a:rPr lang="en-US" dirty="0" smtClean="0"/>
-              <a:t>“Login” with </a:t>
-            </a:r>
-            <a:r>
-              <a:rPr lang="en-US" i="1" dirty="0" smtClean="0"/>
-              <a:t>id/</a:t>
-            </a:r>
-            <a:r>
-              <a:rPr lang="en-US" i="1" dirty="0" err="1" smtClean="0"/>
-              <a:t>pwd</a:t>
-            </a:r>
-            <a:r>
-              <a:rPr lang="en-US" i="1" dirty="0" smtClean="0"/>
-              <a:t> </a:t>
-            </a:r>
-            <a:r>
-              <a:rPr lang="en-US" dirty="0" smtClean="0"/>
-              <a:t>only </a:t>
-            </a:r>
-            <a:r>
-              <a:rPr lang="en-US" b="1" dirty="0" smtClean="0"/>
-              <a:t>once</a:t>
-            </a:r>
-            <a:r>
-              <a:rPr lang="en-US" dirty="0" smtClean="0"/>
-              <a:t> </a:t>
-            </a:r>
-          </a:p>
-          <a:p>
-            <a:r>
-              <a:rPr lang="en-US" dirty="0" smtClean="0"/>
-              <a:t>Server will return a </a:t>
-            </a:r>
-            <a:r>
-              <a:rPr lang="en-US" i="1" dirty="0" smtClean="0"/>
-              <a:t>token</a:t>
-            </a:r>
-            <a:r>
-              <a:rPr lang="en-US" dirty="0" smtClean="0"/>
-              <a:t> associated with that user </a:t>
-            </a:r>
-            <a:r>
-              <a:rPr lang="en-US" i="1" dirty="0" smtClean="0"/>
-              <a:t>id, </a:t>
-            </a:r>
-            <a:r>
-              <a:rPr lang="en-US" dirty="0" smtClean="0"/>
-              <a:t>stating s/he authenticated (assuming </a:t>
-            </a:r>
-            <a:r>
-              <a:rPr lang="en-US" dirty="0" err="1" smtClean="0"/>
-              <a:t>pwd</a:t>
-            </a:r>
-            <a:r>
-              <a:rPr lang="en-US" dirty="0" smtClean="0"/>
-              <a:t> was correct)</a:t>
-            </a:r>
-          </a:p>
-          <a:p>
-            <a:r>
-              <a:rPr lang="en-US" dirty="0" smtClean="0"/>
-              <a:t>From now on, instead of sending </a:t>
-            </a:r>
+          <a:bodyPr>
+            <a:normAutofit fontScale="90000"/>
+          </a:bodyPr>
+          <a:lstStyle/>
+          <a:p>
+            <a:r>
+              <a:rPr lang="en-US" dirty="0" err="1"/>
+              <a:t>Fanout</a:t>
+            </a:r>
+            <a:endParaRPr lang="en-US" dirty="0"/>
+          </a:p>
+        </p:txBody>
+      </p:sp>
+      <p:sp>
+        <p:nvSpPr>
+          <p:cNvPr id="3" name="Content Placeholder 2"/>
+          <p:cNvSpPr>
+            <a:spLocks noGrp="1"/>
+          </p:cNvSpPr>
+          <p:nvPr>
+            <p:ph idx="1"/>
+          </p:nvPr>
+        </p:nvSpPr>
+        <p:spPr>
+          <a:xfrm>
+            <a:off x="261257" y="4040637"/>
+            <a:ext cx="11796766" cy="2671661"/>
+          </a:xfrm>
+        </p:spPr>
+        <p:txBody>
+          <a:bodyPr>
+            <a:normAutofit lnSpcReduction="10000"/>
+          </a:bodyPr>
+          <a:lstStyle/>
+          <a:p>
             <a:r>
               <a:rPr lang="en-US" dirty="0"/>
-              <a:t> </a:t>
-            </a:r>
-            <a:r>
-              <a:rPr lang="en-US" i="1" dirty="0" smtClean="0"/>
-              <a:t>id/</a:t>
-            </a:r>
-            <a:r>
-              <a:rPr lang="en-US" i="1" dirty="0" err="1" smtClean="0"/>
-              <a:t>pwd</a:t>
-            </a:r>
-            <a:r>
-              <a:rPr lang="en-US" i="1" dirty="0" smtClean="0"/>
+              <a:t>Broadcast of a message to several Receivers</a:t>
+            </a:r>
+          </a:p>
+          <a:p>
+            <a:r>
+              <a:rPr lang="en-US" dirty="0"/>
+              <a:t>Sender needs to specify name of the exchange (</a:t>
+            </a:r>
+            <a:r>
+              <a:rPr lang="en-US" dirty="0" err="1"/>
+              <a:t>eg</a:t>
+            </a:r>
+            <a:r>
+              <a:rPr lang="en-US" dirty="0"/>
               <a:t>, </a:t>
             </a:r>
             <a:r>
-              <a:rPr lang="en-US" dirty="0" smtClean="0"/>
-              <a:t>rather send the </a:t>
-            </a:r>
-            <a:r>
-              <a:rPr lang="en-US" i="1" dirty="0" smtClean="0"/>
-              <a:t>token</a:t>
-            </a:r>
-            <a:r>
-              <a:rPr lang="en-US" dirty="0" smtClean="0"/>
-              <a:t> </a:t>
-            </a:r>
-          </a:p>
-          <a:p>
-            <a:r>
-              <a:rPr lang="en-US" dirty="0" smtClean="0"/>
-              <a:t>Token will be valid only for a certain amount of time, after that, need to get new one via </a:t>
-            </a:r>
-            <a:r>
-              <a:rPr lang="en-US" i="1" dirty="0" smtClean="0"/>
-              <a:t>id/</a:t>
-            </a:r>
-            <a:r>
-              <a:rPr lang="en-US" i="1" dirty="0" err="1" smtClean="0"/>
-              <a:t>pwd</a:t>
-            </a:r>
-            <a:endParaRPr lang="en-US" i="1" dirty="0" smtClean="0"/>
-          </a:p>
-          <a:p>
-            <a:r>
-              <a:rPr lang="en-US" i="1" dirty="0" smtClean="0"/>
-              <a:t>Benefits???</a:t>
-            </a:r>
-            <a:endParaRPr lang="en-US" dirty="0" smtClean="0"/>
-          </a:p>
-        </p:txBody>
-      </p:sp>
+              <a:rPr lang="en-US" i="1" dirty="0"/>
+              <a:t>X</a:t>
+            </a:r>
+            <a:r>
+              <a:rPr lang="en-US" dirty="0"/>
+              <a:t>)</a:t>
+            </a:r>
+          </a:p>
+          <a:p>
+            <a:r>
+              <a:rPr lang="en-US" dirty="0"/>
+              <a:t>Each receiver creates its own anonymous queue</a:t>
+            </a:r>
+          </a:p>
+          <a:p>
+            <a:pPr lvl="1"/>
+            <a:r>
+              <a:rPr lang="en-US" dirty="0"/>
+              <a:t>Queue with a random unique name, which we don’t care for</a:t>
+            </a:r>
+          </a:p>
+          <a:p>
+            <a:r>
+              <a:rPr lang="en-US" dirty="0"/>
+              <a:t>Exchange </a:t>
+            </a:r>
+            <a:r>
+              <a:rPr lang="en-US" i="1" dirty="0"/>
+              <a:t>X</a:t>
+            </a:r>
+            <a:r>
+              <a:rPr lang="en-US" dirty="0"/>
+              <a:t> copies incoming messages on all queues</a:t>
+            </a:r>
+          </a:p>
+        </p:txBody>
+      </p:sp>
+      <p:sp>
+        <p:nvSpPr>
+          <p:cNvPr id="4" name="Oval 3"/>
+          <p:cNvSpPr/>
+          <p:nvPr/>
+        </p:nvSpPr>
+        <p:spPr>
+          <a:xfrm>
+            <a:off x="170186" y="1762026"/>
+            <a:ext cx="1562792" cy="798023"/>
+          </a:xfrm>
+          <a:prstGeom prst="ellipse">
+            <a:avLst/>
+          </a:prstGeom>
+        </p:spPr>
+        <p:style>
+          <a:lnRef idx="2">
+            <a:schemeClr val="accent1">
+              <a:shade val="50000"/>
+            </a:schemeClr>
+          </a:lnRef>
+          <a:fillRef idx="1">
+            <a:schemeClr val="accent1"/>
+          </a:fillRef>
+          <a:effectRef idx="0">
+            <a:schemeClr val="accent1"/>
+          </a:effectRef>
+          <a:fontRef idx="minor">
+            <a:schemeClr val="lt1"/>
+          </a:fontRef>
+        </p:style>
+        <p:txBody>
+          <a:bodyPr rtlCol="0" anchor="ctr"/>
+          <a:lstStyle/>
+          <a:p>
+            <a:pPr algn="ctr"/>
+            <a:r>
+              <a:rPr lang="en-US" sz="2400" dirty="0"/>
+              <a:t>Sender</a:t>
+            </a:r>
+          </a:p>
+        </p:txBody>
+      </p:sp>
+      <p:sp>
+        <p:nvSpPr>
+          <p:cNvPr id="5" name="Oval 4"/>
+          <p:cNvSpPr/>
+          <p:nvPr/>
+        </p:nvSpPr>
+        <p:spPr>
+          <a:xfrm>
+            <a:off x="9923093" y="1164200"/>
+            <a:ext cx="1792778" cy="798023"/>
+          </a:xfrm>
+          <a:prstGeom prst="ellipse">
+            <a:avLst/>
+          </a:prstGeom>
+          <a:solidFill>
+            <a:srgbClr val="FFC000"/>
+          </a:solidFill>
+        </p:spPr>
+        <p:style>
+          <a:lnRef idx="2">
+            <a:schemeClr val="accent1">
+              <a:shade val="50000"/>
+            </a:schemeClr>
+          </a:lnRef>
+          <a:fillRef idx="1">
+            <a:schemeClr val="accent1"/>
+          </a:fillRef>
+          <a:effectRef idx="0">
+            <a:schemeClr val="accent1"/>
+          </a:effectRef>
+          <a:fontRef idx="minor">
+            <a:schemeClr val="lt1"/>
+          </a:fontRef>
+        </p:style>
+        <p:txBody>
+          <a:bodyPr rtlCol="0" anchor="ctr"/>
+          <a:lstStyle/>
+          <a:p>
+            <a:pPr algn="ctr"/>
+            <a:r>
+              <a:rPr lang="en-US" sz="2400" dirty="0"/>
+              <a:t>Receiver</a:t>
+            </a:r>
+          </a:p>
+        </p:txBody>
+      </p:sp>
+      <p:cxnSp>
+        <p:nvCxnSpPr>
+          <p:cNvPr id="7" name="Straight Arrow Connector 6"/>
+          <p:cNvCxnSpPr>
+            <a:stCxn id="4" idx="6"/>
+            <a:endCxn id="10" idx="2"/>
+          </p:cNvCxnSpPr>
+          <p:nvPr/>
+        </p:nvCxnSpPr>
+        <p:spPr>
+          <a:xfrm flipV="1">
+            <a:off x="1732978" y="2160537"/>
+            <a:ext cx="1776136" cy="501"/>
+          </a:xfrm>
+          <a:prstGeom prst="straightConnector1">
+            <a:avLst/>
+          </a:prstGeom>
+          <a:ln w="63500">
+            <a:solidFill>
+              <a:schemeClr val="tx1"/>
+            </a:solidFill>
+            <a:tailEnd type="triangle"/>
+          </a:ln>
+        </p:spPr>
+        <p:style>
+          <a:lnRef idx="1">
+            <a:schemeClr val="accent1"/>
+          </a:lnRef>
+          <a:fillRef idx="0">
+            <a:schemeClr val="accent1"/>
+          </a:fillRef>
+          <a:effectRef idx="0">
+            <a:schemeClr val="accent1"/>
+          </a:effectRef>
+          <a:fontRef idx="minor">
+            <a:schemeClr val="tx1"/>
+          </a:fontRef>
+        </p:style>
+      </p:cxnSp>
+      <p:cxnSp>
+        <p:nvCxnSpPr>
+          <p:cNvPr id="8" name="Straight Arrow Connector 7"/>
+          <p:cNvCxnSpPr>
+            <a:stCxn id="12" idx="3"/>
+            <a:endCxn id="5" idx="2"/>
+          </p:cNvCxnSpPr>
+          <p:nvPr/>
+        </p:nvCxnSpPr>
+        <p:spPr>
+          <a:xfrm flipV="1">
+            <a:off x="8009612" y="1563212"/>
+            <a:ext cx="1913481" cy="864"/>
+          </a:xfrm>
+          <a:prstGeom prst="straightConnector1">
+            <a:avLst/>
+          </a:prstGeom>
+          <a:ln w="63500">
+            <a:solidFill>
+              <a:schemeClr val="tx1"/>
+            </a:solidFill>
+            <a:tailEnd type="triangle"/>
+          </a:ln>
+        </p:spPr>
+        <p:style>
+          <a:lnRef idx="1">
+            <a:schemeClr val="accent1"/>
+          </a:lnRef>
+          <a:fillRef idx="0">
+            <a:schemeClr val="accent1"/>
+          </a:fillRef>
+          <a:effectRef idx="0">
+            <a:schemeClr val="accent1"/>
+          </a:effectRef>
+          <a:fontRef idx="minor">
+            <a:schemeClr val="tx1"/>
+          </a:fontRef>
+        </p:style>
+      </p:cxnSp>
+      <p:sp>
+        <p:nvSpPr>
+          <p:cNvPr id="10" name="Oval 9"/>
+          <p:cNvSpPr/>
+          <p:nvPr/>
+        </p:nvSpPr>
+        <p:spPr>
+          <a:xfrm>
+            <a:off x="3509114" y="1703337"/>
+            <a:ext cx="914400" cy="914400"/>
+          </a:xfrm>
+          <a:prstGeom prst="ellipse">
+            <a:avLst/>
+          </a:prstGeom>
+          <a:solidFill>
+            <a:srgbClr val="7030A0"/>
+          </a:solidFill>
+        </p:spPr>
+        <p:style>
+          <a:lnRef idx="2">
+            <a:schemeClr val="accent1">
+              <a:shade val="50000"/>
+            </a:schemeClr>
+          </a:lnRef>
+          <a:fillRef idx="1">
+            <a:schemeClr val="accent1"/>
+          </a:fillRef>
+          <a:effectRef idx="0">
+            <a:schemeClr val="accent1"/>
+          </a:effectRef>
+          <a:fontRef idx="minor">
+            <a:schemeClr val="lt1"/>
+          </a:fontRef>
+        </p:style>
+        <p:txBody>
+          <a:bodyPr rtlCol="0" anchor="ctr"/>
+          <a:lstStyle/>
+          <a:p>
+            <a:pPr algn="ctr"/>
+            <a:r>
+              <a:rPr lang="en-US" sz="3200" dirty="0"/>
+              <a:t>X</a:t>
+            </a:r>
+          </a:p>
+        </p:txBody>
+      </p:sp>
+      <p:graphicFrame>
+        <p:nvGraphicFramePr>
+          <p:cNvPr id="12" name="Table 11"/>
+          <p:cNvGraphicFramePr>
+            <a:graphicFrameLocks noGrp="1"/>
+          </p:cNvGraphicFramePr>
+          <p:nvPr>
+            <p:extLst>
+              <p:ext uri="{D42A27DB-BD31-4B8C-83A1-F6EECF244321}">
+                <p14:modId xmlns:p14="http://schemas.microsoft.com/office/powerpoint/2010/main" val="926626432"/>
+              </p:ext>
+            </p:extLst>
+          </p:nvPr>
+        </p:nvGraphicFramePr>
+        <p:xfrm>
+          <a:off x="4855580" y="1378656"/>
+          <a:ext cx="3154032" cy="370840"/>
+        </p:xfrm>
+        <a:graphic>
+          <a:graphicData uri="http://schemas.openxmlformats.org/drawingml/2006/table">
+            <a:tbl>
+              <a:tblPr firstRow="1" bandRow="1">
+                <a:tableStyleId>{5C22544A-7EE6-4342-B048-85BDC9FD1C3A}</a:tableStyleId>
+              </a:tblPr>
+              <a:tblGrid>
+                <a:gridCol w="525672">
+                  <a:extLst>
+                    <a:ext uri="{9D8B030D-6E8A-4147-A177-3AD203B41FA5}">
+                      <a16:colId xmlns:a16="http://schemas.microsoft.com/office/drawing/2014/main" val="1268548019"/>
+                    </a:ext>
+                  </a:extLst>
+                </a:gridCol>
+                <a:gridCol w="525672">
+                  <a:extLst>
+                    <a:ext uri="{9D8B030D-6E8A-4147-A177-3AD203B41FA5}">
+                      <a16:colId xmlns:a16="http://schemas.microsoft.com/office/drawing/2014/main" val="305751808"/>
+                    </a:ext>
+                  </a:extLst>
+                </a:gridCol>
+                <a:gridCol w="525672">
+                  <a:extLst>
+                    <a:ext uri="{9D8B030D-6E8A-4147-A177-3AD203B41FA5}">
+                      <a16:colId xmlns:a16="http://schemas.microsoft.com/office/drawing/2014/main" val="12658997"/>
+                    </a:ext>
+                  </a:extLst>
+                </a:gridCol>
+                <a:gridCol w="525672">
+                  <a:extLst>
+                    <a:ext uri="{9D8B030D-6E8A-4147-A177-3AD203B41FA5}">
+                      <a16:colId xmlns:a16="http://schemas.microsoft.com/office/drawing/2014/main" val="2038868142"/>
+                    </a:ext>
+                  </a:extLst>
+                </a:gridCol>
+                <a:gridCol w="525672">
+                  <a:extLst>
+                    <a:ext uri="{9D8B030D-6E8A-4147-A177-3AD203B41FA5}">
+                      <a16:colId xmlns:a16="http://schemas.microsoft.com/office/drawing/2014/main" val="2705479006"/>
+                    </a:ext>
+                  </a:extLst>
+                </a:gridCol>
+                <a:gridCol w="525672">
+                  <a:extLst>
+                    <a:ext uri="{9D8B030D-6E8A-4147-A177-3AD203B41FA5}">
+                      <a16:colId xmlns:a16="http://schemas.microsoft.com/office/drawing/2014/main" val="3486698385"/>
+                    </a:ext>
+                  </a:extLst>
+                </a:gridCol>
+              </a:tblGrid>
+              <a:tr h="370840">
+                <a:tc>
+                  <a:txBody>
+                    <a:bodyPr/>
+                    <a:lstStyle/>
+                    <a:p>
+                      <a:endParaRPr lang="en-US" dirty="0"/>
+                    </a:p>
+                  </a:txBody>
+                  <a:tcPr/>
+                </a:tc>
+                <a:tc>
+                  <a:txBody>
+                    <a:bodyPr/>
+                    <a:lstStyle/>
+                    <a:p>
+                      <a:endParaRPr lang="en-US" dirty="0"/>
+                    </a:p>
+                  </a:txBody>
+                  <a:tcPr/>
+                </a:tc>
+                <a:tc>
+                  <a:txBody>
+                    <a:bodyPr/>
+                    <a:lstStyle/>
+                    <a:p>
+                      <a:endParaRPr lang="en-US"/>
+                    </a:p>
+                  </a:txBody>
+                  <a:tcPr/>
+                </a:tc>
+                <a:tc>
+                  <a:txBody>
+                    <a:bodyPr/>
+                    <a:lstStyle/>
+                    <a:p>
+                      <a:endParaRPr lang="en-US"/>
+                    </a:p>
+                  </a:txBody>
+                  <a:tcPr/>
+                </a:tc>
+                <a:tc>
+                  <a:txBody>
+                    <a:bodyPr/>
+                    <a:lstStyle/>
+                    <a:p>
+                      <a:endParaRPr lang="en-US" dirty="0"/>
+                    </a:p>
+                  </a:txBody>
+                  <a:tcPr/>
+                </a:tc>
+                <a:tc>
+                  <a:txBody>
+                    <a:bodyPr/>
+                    <a:lstStyle/>
+                    <a:p>
+                      <a:endParaRPr lang="en-US" dirty="0"/>
+                    </a:p>
+                  </a:txBody>
+                  <a:tcPr/>
+                </a:tc>
+                <a:extLst>
+                  <a:ext uri="{0D108BD9-81ED-4DB2-BD59-A6C34878D82A}">
+                    <a16:rowId xmlns:a16="http://schemas.microsoft.com/office/drawing/2014/main" val="3708323591"/>
+                  </a:ext>
+                </a:extLst>
+              </a:tr>
+            </a:tbl>
+          </a:graphicData>
+        </a:graphic>
+      </p:graphicFrame>
+      <p:cxnSp>
+        <p:nvCxnSpPr>
+          <p:cNvPr id="13" name="Straight Arrow Connector 12"/>
+          <p:cNvCxnSpPr>
+            <a:stCxn id="10" idx="6"/>
+            <a:endCxn id="12" idx="1"/>
+          </p:cNvCxnSpPr>
+          <p:nvPr/>
+        </p:nvCxnSpPr>
+        <p:spPr>
+          <a:xfrm flipV="1">
+            <a:off x="4423514" y="1564076"/>
+            <a:ext cx="432066" cy="596461"/>
+          </a:xfrm>
+          <a:prstGeom prst="straightConnector1">
+            <a:avLst/>
+          </a:prstGeom>
+          <a:ln w="63500">
+            <a:solidFill>
+              <a:schemeClr val="tx1"/>
+            </a:solidFill>
+            <a:tailEnd type="triangle"/>
+          </a:ln>
+        </p:spPr>
+        <p:style>
+          <a:lnRef idx="1">
+            <a:schemeClr val="accent1"/>
+          </a:lnRef>
+          <a:fillRef idx="0">
+            <a:schemeClr val="accent1"/>
+          </a:fillRef>
+          <a:effectRef idx="0">
+            <a:schemeClr val="accent1"/>
+          </a:effectRef>
+          <a:fontRef idx="minor">
+            <a:schemeClr val="tx1"/>
+          </a:fontRef>
+        </p:style>
+      </p:cxnSp>
+      <p:sp>
+        <p:nvSpPr>
+          <p:cNvPr id="20" name="TextBox 19"/>
+          <p:cNvSpPr txBox="1"/>
+          <p:nvPr/>
+        </p:nvSpPr>
+        <p:spPr>
+          <a:xfrm>
+            <a:off x="3048879" y="950084"/>
+            <a:ext cx="1146468" cy="369332"/>
+          </a:xfrm>
+          <a:prstGeom prst="rect">
+            <a:avLst/>
+          </a:prstGeom>
+          <a:noFill/>
+        </p:spPr>
+        <p:txBody>
+          <a:bodyPr wrap="none" rtlCol="0">
+            <a:spAutoFit/>
+          </a:bodyPr>
+          <a:lstStyle/>
+          <a:p>
+            <a:r>
+              <a:rPr lang="en-US" dirty="0" err="1"/>
+              <a:t>RabbitMQ</a:t>
+            </a:r>
+            <a:endParaRPr lang="en-US" dirty="0"/>
+          </a:p>
+        </p:txBody>
+      </p:sp>
+      <p:sp>
+        <p:nvSpPr>
+          <p:cNvPr id="21" name="TextBox 20"/>
+          <p:cNvSpPr txBox="1"/>
+          <p:nvPr/>
+        </p:nvSpPr>
+        <p:spPr>
+          <a:xfrm>
+            <a:off x="5073727" y="2001311"/>
+            <a:ext cx="2073516" cy="369332"/>
+          </a:xfrm>
+          <a:prstGeom prst="rect">
+            <a:avLst/>
+          </a:prstGeom>
+          <a:noFill/>
+        </p:spPr>
+        <p:txBody>
+          <a:bodyPr wrap="none" rtlCol="0">
+            <a:spAutoFit/>
+          </a:bodyPr>
+          <a:lstStyle/>
+          <a:p>
+            <a:r>
+              <a:rPr lang="en-US" dirty="0"/>
+              <a:t>Anonymous Queues</a:t>
+            </a:r>
+          </a:p>
+        </p:txBody>
+      </p:sp>
+      <p:sp>
+        <p:nvSpPr>
+          <p:cNvPr id="15" name="Oval 14"/>
+          <p:cNvSpPr/>
+          <p:nvPr/>
+        </p:nvSpPr>
+        <p:spPr>
+          <a:xfrm>
+            <a:off x="9958518" y="2509708"/>
+            <a:ext cx="1792778" cy="798023"/>
+          </a:xfrm>
+          <a:prstGeom prst="ellipse">
+            <a:avLst/>
+          </a:prstGeom>
+          <a:solidFill>
+            <a:srgbClr val="FFC000"/>
+          </a:solidFill>
+        </p:spPr>
+        <p:style>
+          <a:lnRef idx="2">
+            <a:schemeClr val="accent1">
+              <a:shade val="50000"/>
+            </a:schemeClr>
+          </a:lnRef>
+          <a:fillRef idx="1">
+            <a:schemeClr val="accent1"/>
+          </a:fillRef>
+          <a:effectRef idx="0">
+            <a:schemeClr val="accent1"/>
+          </a:effectRef>
+          <a:fontRef idx="minor">
+            <a:schemeClr val="lt1"/>
+          </a:fontRef>
+        </p:style>
+        <p:txBody>
+          <a:bodyPr rtlCol="0" anchor="ctr"/>
+          <a:lstStyle/>
+          <a:p>
+            <a:pPr algn="ctr"/>
+            <a:r>
+              <a:rPr lang="en-US" sz="2400" dirty="0"/>
+              <a:t>Receiver</a:t>
+            </a:r>
+          </a:p>
+        </p:txBody>
+      </p:sp>
+      <p:cxnSp>
+        <p:nvCxnSpPr>
+          <p:cNvPr id="16" name="Straight Arrow Connector 15"/>
+          <p:cNvCxnSpPr>
+            <a:stCxn id="17" idx="3"/>
+            <a:endCxn id="15" idx="2"/>
+          </p:cNvCxnSpPr>
+          <p:nvPr/>
+        </p:nvCxnSpPr>
+        <p:spPr>
+          <a:xfrm>
+            <a:off x="8009612" y="2908720"/>
+            <a:ext cx="1948906" cy="0"/>
+          </a:xfrm>
+          <a:prstGeom prst="straightConnector1">
+            <a:avLst/>
+          </a:prstGeom>
+          <a:ln w="63500">
+            <a:solidFill>
+              <a:schemeClr val="tx1"/>
+            </a:solidFill>
+            <a:tailEnd type="triangle"/>
+          </a:ln>
+        </p:spPr>
+        <p:style>
+          <a:lnRef idx="1">
+            <a:schemeClr val="accent1"/>
+          </a:lnRef>
+          <a:fillRef idx="0">
+            <a:schemeClr val="accent1"/>
+          </a:fillRef>
+          <a:effectRef idx="0">
+            <a:schemeClr val="accent1"/>
+          </a:effectRef>
+          <a:fontRef idx="minor">
+            <a:schemeClr val="tx1"/>
+          </a:fontRef>
+        </p:style>
+      </p:cxnSp>
+      <p:graphicFrame>
+        <p:nvGraphicFramePr>
+          <p:cNvPr id="17" name="Table 16"/>
+          <p:cNvGraphicFramePr>
+            <a:graphicFrameLocks noGrp="1"/>
+          </p:cNvGraphicFramePr>
+          <p:nvPr>
+            <p:extLst>
+              <p:ext uri="{D42A27DB-BD31-4B8C-83A1-F6EECF244321}">
+                <p14:modId xmlns:p14="http://schemas.microsoft.com/office/powerpoint/2010/main" val="2685899939"/>
+              </p:ext>
+            </p:extLst>
+          </p:nvPr>
+        </p:nvGraphicFramePr>
+        <p:xfrm>
+          <a:off x="4855580" y="2723300"/>
+          <a:ext cx="3154032" cy="370840"/>
+        </p:xfrm>
+        <a:graphic>
+          <a:graphicData uri="http://schemas.openxmlformats.org/drawingml/2006/table">
+            <a:tbl>
+              <a:tblPr firstRow="1" bandRow="1">
+                <a:tableStyleId>{5C22544A-7EE6-4342-B048-85BDC9FD1C3A}</a:tableStyleId>
+              </a:tblPr>
+              <a:tblGrid>
+                <a:gridCol w="525672">
+                  <a:extLst>
+                    <a:ext uri="{9D8B030D-6E8A-4147-A177-3AD203B41FA5}">
+                      <a16:colId xmlns:a16="http://schemas.microsoft.com/office/drawing/2014/main" val="1268548019"/>
+                    </a:ext>
+                  </a:extLst>
+                </a:gridCol>
+                <a:gridCol w="525672">
+                  <a:extLst>
+                    <a:ext uri="{9D8B030D-6E8A-4147-A177-3AD203B41FA5}">
+                      <a16:colId xmlns:a16="http://schemas.microsoft.com/office/drawing/2014/main" val="305751808"/>
+                    </a:ext>
+                  </a:extLst>
+                </a:gridCol>
+                <a:gridCol w="525672">
+                  <a:extLst>
+                    <a:ext uri="{9D8B030D-6E8A-4147-A177-3AD203B41FA5}">
+                      <a16:colId xmlns:a16="http://schemas.microsoft.com/office/drawing/2014/main" val="12658997"/>
+                    </a:ext>
+                  </a:extLst>
+                </a:gridCol>
+                <a:gridCol w="525672">
+                  <a:extLst>
+                    <a:ext uri="{9D8B030D-6E8A-4147-A177-3AD203B41FA5}">
+                      <a16:colId xmlns:a16="http://schemas.microsoft.com/office/drawing/2014/main" val="2038868142"/>
+                    </a:ext>
+                  </a:extLst>
+                </a:gridCol>
+                <a:gridCol w="525672">
+                  <a:extLst>
+                    <a:ext uri="{9D8B030D-6E8A-4147-A177-3AD203B41FA5}">
+                      <a16:colId xmlns:a16="http://schemas.microsoft.com/office/drawing/2014/main" val="2705479006"/>
+                    </a:ext>
+                  </a:extLst>
+                </a:gridCol>
+                <a:gridCol w="525672">
+                  <a:extLst>
+                    <a:ext uri="{9D8B030D-6E8A-4147-A177-3AD203B41FA5}">
+                      <a16:colId xmlns:a16="http://schemas.microsoft.com/office/drawing/2014/main" val="3486698385"/>
+                    </a:ext>
+                  </a:extLst>
+                </a:gridCol>
+              </a:tblGrid>
+              <a:tr h="370840">
+                <a:tc>
+                  <a:txBody>
+                    <a:bodyPr/>
+                    <a:lstStyle/>
+                    <a:p>
+                      <a:endParaRPr lang="en-US" dirty="0"/>
+                    </a:p>
+                  </a:txBody>
+                  <a:tcPr/>
+                </a:tc>
+                <a:tc>
+                  <a:txBody>
+                    <a:bodyPr/>
+                    <a:lstStyle/>
+                    <a:p>
+                      <a:endParaRPr lang="en-US" dirty="0"/>
+                    </a:p>
+                  </a:txBody>
+                  <a:tcPr/>
+                </a:tc>
+                <a:tc>
+                  <a:txBody>
+                    <a:bodyPr/>
+                    <a:lstStyle/>
+                    <a:p>
+                      <a:endParaRPr lang="en-US"/>
+                    </a:p>
+                  </a:txBody>
+                  <a:tcPr/>
+                </a:tc>
+                <a:tc>
+                  <a:txBody>
+                    <a:bodyPr/>
+                    <a:lstStyle/>
+                    <a:p>
+                      <a:endParaRPr lang="en-US"/>
+                    </a:p>
+                  </a:txBody>
+                  <a:tcPr/>
+                </a:tc>
+                <a:tc>
+                  <a:txBody>
+                    <a:bodyPr/>
+                    <a:lstStyle/>
+                    <a:p>
+                      <a:endParaRPr lang="en-US" dirty="0"/>
+                    </a:p>
+                  </a:txBody>
+                  <a:tcPr/>
+                </a:tc>
+                <a:tc>
+                  <a:txBody>
+                    <a:bodyPr/>
+                    <a:lstStyle/>
+                    <a:p>
+                      <a:endParaRPr lang="en-US" dirty="0"/>
+                    </a:p>
+                  </a:txBody>
+                  <a:tcPr/>
+                </a:tc>
+                <a:extLst>
+                  <a:ext uri="{0D108BD9-81ED-4DB2-BD59-A6C34878D82A}">
+                    <a16:rowId xmlns:a16="http://schemas.microsoft.com/office/drawing/2014/main" val="3708323591"/>
+                  </a:ext>
+                </a:extLst>
+              </a:tr>
+            </a:tbl>
+          </a:graphicData>
+        </a:graphic>
+      </p:graphicFrame>
+      <p:cxnSp>
+        <p:nvCxnSpPr>
+          <p:cNvPr id="18" name="Straight Arrow Connector 17"/>
+          <p:cNvCxnSpPr>
+            <a:stCxn id="10" idx="6"/>
+            <a:endCxn id="17" idx="1"/>
+          </p:cNvCxnSpPr>
+          <p:nvPr/>
+        </p:nvCxnSpPr>
+        <p:spPr>
+          <a:xfrm>
+            <a:off x="4423514" y="2160537"/>
+            <a:ext cx="432066" cy="748183"/>
+          </a:xfrm>
+          <a:prstGeom prst="straightConnector1">
+            <a:avLst/>
+          </a:prstGeom>
+          <a:ln w="63500">
+            <a:solidFill>
+              <a:schemeClr val="tx1"/>
+            </a:solidFill>
+            <a:tailEnd type="triangle"/>
+          </a:ln>
+        </p:spPr>
+        <p:style>
+          <a:lnRef idx="1">
+            <a:schemeClr val="accent1"/>
+          </a:lnRef>
+          <a:fillRef idx="0">
+            <a:schemeClr val="accent1"/>
+          </a:fillRef>
+          <a:effectRef idx="0">
+            <a:schemeClr val="accent1"/>
+          </a:effectRef>
+          <a:fontRef idx="minor">
+            <a:schemeClr val="tx1"/>
+          </a:fontRef>
+        </p:style>
+      </p:cxnSp>
     </p:spTree>
     <p:extLst>
       <p:ext uri="{BB962C8B-B14F-4D97-AF65-F5344CB8AC3E}">
-        <p14:creationId xmlns:p14="http://schemas.microsoft.com/office/powerpoint/2010/main" val="398212477"/>
+        <p14:creationId xmlns:p14="http://schemas.microsoft.com/office/powerpoint/2010/main" val="645227349"/>
       </p:ext>
     </p:extLst>
   </p:cSld>
@@ -15063,122 +16680,941 @@
       </p:grpSpPr>
       <p:sp>
         <p:nvSpPr>
-          <p:cNvPr id="2" name="Title 1"/>
-          <p:cNvSpPr>
-            <a:spLocks noGrp="1"/>
-          </p:cNvSpPr>
-          <p:nvPr>
-            <p:ph type="title"/>
-          </p:nvPr>
-        </p:nvSpPr>
-        <p:spPr/>
-        <p:txBody>
-          <a:bodyPr/>
-          <a:lstStyle/>
-          <a:p>
-            <a:r>
-              <a:rPr lang="en-US" dirty="0" smtClean="0"/>
-              <a:t>Stolen Token</a:t>
-            </a:r>
-            <a:endParaRPr lang="en-US" dirty="0"/>
-          </a:p>
-        </p:txBody>
-      </p:sp>
-      <p:sp>
-        <p:nvSpPr>
-          <p:cNvPr id="3" name="Content Placeholder 2"/>
-          <p:cNvSpPr>
-            <a:spLocks noGrp="1"/>
-          </p:cNvSpPr>
-          <p:nvPr>
-            <p:ph idx="1"/>
-          </p:nvPr>
+          <p:cNvPr id="9" name="Rounded Rectangle 8"/>
+          <p:cNvSpPr/>
+          <p:nvPr/>
         </p:nvSpPr>
         <p:spPr>
           <a:xfrm>
-            <a:off x="157942" y="1825624"/>
-            <a:ext cx="11862262" cy="4907685"/>
+            <a:off x="2987883" y="954593"/>
+            <a:ext cx="5623554" cy="2680733"/>
+          </a:xfrm>
+          <a:prstGeom prst="roundRect">
+            <a:avLst/>
+          </a:prstGeom>
+          <a:solidFill>
+            <a:schemeClr val="bg1">
+              <a:lumMod val="85000"/>
+            </a:schemeClr>
+          </a:solidFill>
+        </p:spPr>
+        <p:style>
+          <a:lnRef idx="2">
+            <a:schemeClr val="accent1">
+              <a:shade val="50000"/>
+            </a:schemeClr>
+          </a:lnRef>
+          <a:fillRef idx="1">
+            <a:schemeClr val="accent1"/>
+          </a:fillRef>
+          <a:effectRef idx="0">
+            <a:schemeClr val="accent1"/>
+          </a:effectRef>
+          <a:fontRef idx="minor">
+            <a:schemeClr val="lt1"/>
+          </a:fontRef>
+        </p:style>
+        <p:txBody>
+          <a:bodyPr rtlCol="0" anchor="ctr"/>
+          <a:lstStyle/>
+          <a:p>
+            <a:pPr algn="ctr"/>
+            <a:endParaRPr lang="en-US" dirty="0"/>
+          </a:p>
+        </p:txBody>
+      </p:sp>
+      <p:sp>
+        <p:nvSpPr>
+          <p:cNvPr id="2" name="Title 1"/>
+          <p:cNvSpPr>
+            <a:spLocks noGrp="1"/>
+          </p:cNvSpPr>
+          <p:nvPr>
+            <p:ph type="title"/>
+          </p:nvPr>
+        </p:nvSpPr>
+        <p:spPr>
+          <a:xfrm>
+            <a:off x="170186" y="53646"/>
+            <a:ext cx="6903854" cy="982778"/>
           </a:xfrm>
         </p:spPr>
         <p:txBody>
-          <a:bodyPr/>
-          <a:lstStyle/>
-          <a:p>
-            <a:r>
-              <a:rPr lang="en-US" dirty="0" smtClean="0"/>
-              <a:t>If token is stolen, hacker can use it only for a </a:t>
-            </a:r>
-            <a:r>
-              <a:rPr lang="en-US" i="1" dirty="0" smtClean="0"/>
-              <a:t>limited</a:t>
-            </a:r>
-            <a:r>
-              <a:rPr lang="en-US" dirty="0" smtClean="0"/>
-              <a:t> amount of time, until it expires</a:t>
-            </a:r>
-          </a:p>
-          <a:p>
-            <a:r>
-              <a:rPr lang="en-US" dirty="0" smtClean="0"/>
-              <a:t>If user does </a:t>
-            </a:r>
-            <a:r>
-              <a:rPr lang="en-US" b="1" dirty="0" smtClean="0"/>
-              <a:t>logout</a:t>
-            </a:r>
-            <a:r>
-              <a:rPr lang="en-US" dirty="0" smtClean="0"/>
-              <a:t>, then token becomes invalid, and server will reject any further HTTP request with such token</a:t>
+          <a:bodyPr>
+            <a:normAutofit fontScale="90000"/>
+          </a:bodyPr>
+          <a:lstStyle/>
+          <a:p>
+            <a:r>
+              <a:rPr lang="en-US" sz="7300" dirty="0"/>
+              <a:t>Direct Exchange</a:t>
+            </a:r>
+            <a:endParaRPr lang="en-US" dirty="0"/>
+          </a:p>
+        </p:txBody>
+      </p:sp>
+      <p:sp>
+        <p:nvSpPr>
+          <p:cNvPr id="3" name="Content Placeholder 2"/>
+          <p:cNvSpPr>
+            <a:spLocks noGrp="1"/>
+          </p:cNvSpPr>
+          <p:nvPr>
+            <p:ph idx="1"/>
+          </p:nvPr>
+        </p:nvSpPr>
+        <p:spPr>
+          <a:xfrm>
+            <a:off x="261257" y="3762762"/>
+            <a:ext cx="11796766" cy="3095237"/>
+          </a:xfrm>
+        </p:spPr>
+        <p:txBody>
+          <a:bodyPr>
+            <a:normAutofit fontScale="85000" lnSpcReduction="20000"/>
+          </a:bodyPr>
+          <a:lstStyle/>
+          <a:p>
+            <a:r>
+              <a:rPr lang="en-US" dirty="0"/>
+              <a:t>Broadcast like </a:t>
+            </a:r>
+            <a:r>
+              <a:rPr lang="en-US" dirty="0" err="1"/>
+              <a:t>Fanout</a:t>
+            </a:r>
+            <a:r>
+              <a:rPr lang="en-US" dirty="0"/>
+              <a:t>, but each message has a </a:t>
+            </a:r>
+            <a:r>
+              <a:rPr lang="en-US" i="1" dirty="0"/>
+              <a:t>Key</a:t>
             </a:r>
           </a:p>
           <a:p>
             <a:pPr lvl="1"/>
             <a:r>
-              <a:rPr lang="en-US" dirty="0" smtClean="0"/>
-              <a:t>so, even if hacker has the token, it will become </a:t>
-            </a:r>
-            <a:r>
-              <a:rPr lang="en-US" i="1" dirty="0" smtClean="0"/>
-              <a:t>useless</a:t>
-            </a:r>
-            <a:r>
-              <a:rPr lang="en-US" dirty="0" smtClean="0"/>
-              <a:t> for him/her</a:t>
-            </a:r>
-          </a:p>
-          <a:p>
-            <a:r>
-              <a:rPr lang="en-US" i="1" dirty="0" smtClean="0"/>
-              <a:t>Critical</a:t>
-            </a:r>
-            <a:r>
-              <a:rPr lang="en-US" dirty="0" smtClean="0"/>
-              <a:t> operations like changing password or transfer money could require a new login with </a:t>
-            </a:r>
-            <a:r>
-              <a:rPr lang="en-US" i="1" dirty="0" smtClean="0"/>
-              <a:t>id/</a:t>
-            </a:r>
-            <a:r>
-              <a:rPr lang="en-US" i="1" dirty="0" err="1" smtClean="0"/>
-              <a:t>pwd</a:t>
-            </a:r>
-            <a:endParaRPr lang="en-US" i="1" dirty="0" smtClean="0"/>
+              <a:rPr lang="en-US" dirty="0" err="1"/>
+              <a:t>eg</a:t>
+            </a:r>
+            <a:r>
+              <a:rPr lang="en-US" dirty="0"/>
+              <a:t>, INFO, WARN and ERROR when dealing with log messages</a:t>
+            </a:r>
+          </a:p>
+          <a:p>
+            <a:r>
+              <a:rPr lang="en-US" dirty="0"/>
+              <a:t>When Receiver creates a queue, it specifies the Keys it wants to be notified to</a:t>
+            </a:r>
+          </a:p>
+          <a:p>
+            <a:r>
+              <a:rPr lang="en-US" dirty="0"/>
+              <a:t>In above example:</a:t>
+            </a:r>
           </a:p>
           <a:p>
             <a:pPr lvl="1"/>
             <a:r>
-              <a:rPr lang="en-US" dirty="0" smtClean="0"/>
-              <a:t>and so hacker with stolen token cannot use it</a:t>
-            </a:r>
+              <a:rPr lang="en-US" dirty="0"/>
+              <a:t>INFO messages copied to no queue</a:t>
+            </a:r>
+          </a:p>
+          <a:p>
+            <a:pPr lvl="1"/>
+            <a:r>
+              <a:rPr lang="en-US" dirty="0"/>
+              <a:t>WARN messages copied to only 1 queue</a:t>
+            </a:r>
+          </a:p>
+          <a:p>
+            <a:pPr lvl="1"/>
+            <a:r>
+              <a:rPr lang="en-US" dirty="0"/>
+              <a:t>ERROR messages copied to both queues</a:t>
+            </a:r>
+          </a:p>
+          <a:p>
+            <a:pPr lvl="1"/>
             <a:endParaRPr lang="en-US" dirty="0"/>
+          </a:p>
+        </p:txBody>
+      </p:sp>
+      <p:sp>
+        <p:nvSpPr>
+          <p:cNvPr id="4" name="Oval 3"/>
+          <p:cNvSpPr/>
+          <p:nvPr/>
+        </p:nvSpPr>
+        <p:spPr>
+          <a:xfrm>
+            <a:off x="170186" y="1902703"/>
+            <a:ext cx="1562792" cy="798023"/>
+          </a:xfrm>
+          <a:prstGeom prst="ellipse">
+            <a:avLst/>
+          </a:prstGeom>
+        </p:spPr>
+        <p:style>
+          <a:lnRef idx="2">
+            <a:schemeClr val="accent1">
+              <a:shade val="50000"/>
+            </a:schemeClr>
+          </a:lnRef>
+          <a:fillRef idx="1">
+            <a:schemeClr val="accent1"/>
+          </a:fillRef>
+          <a:effectRef idx="0">
+            <a:schemeClr val="accent1"/>
+          </a:effectRef>
+          <a:fontRef idx="minor">
+            <a:schemeClr val="lt1"/>
+          </a:fontRef>
+        </p:style>
+        <p:txBody>
+          <a:bodyPr rtlCol="0" anchor="ctr"/>
+          <a:lstStyle/>
+          <a:p>
+            <a:pPr algn="ctr"/>
+            <a:r>
+              <a:rPr lang="en-US" sz="2400" dirty="0"/>
+              <a:t>Sender</a:t>
+            </a:r>
+          </a:p>
+        </p:txBody>
+      </p:sp>
+      <p:sp>
+        <p:nvSpPr>
+          <p:cNvPr id="5" name="Oval 4"/>
+          <p:cNvSpPr/>
+          <p:nvPr/>
+        </p:nvSpPr>
+        <p:spPr>
+          <a:xfrm>
+            <a:off x="9923093" y="1304877"/>
+            <a:ext cx="1792778" cy="798023"/>
+          </a:xfrm>
+          <a:prstGeom prst="ellipse">
+            <a:avLst/>
+          </a:prstGeom>
+          <a:solidFill>
+            <a:srgbClr val="FFC000"/>
+          </a:solidFill>
+        </p:spPr>
+        <p:style>
+          <a:lnRef idx="2">
+            <a:schemeClr val="accent1">
+              <a:shade val="50000"/>
+            </a:schemeClr>
+          </a:lnRef>
+          <a:fillRef idx="1">
+            <a:schemeClr val="accent1"/>
+          </a:fillRef>
+          <a:effectRef idx="0">
+            <a:schemeClr val="accent1"/>
+          </a:effectRef>
+          <a:fontRef idx="minor">
+            <a:schemeClr val="lt1"/>
+          </a:fontRef>
+        </p:style>
+        <p:txBody>
+          <a:bodyPr rtlCol="0" anchor="ctr"/>
+          <a:lstStyle/>
+          <a:p>
+            <a:pPr algn="ctr"/>
+            <a:r>
+              <a:rPr lang="en-US" sz="2400" dirty="0"/>
+              <a:t>Receiver</a:t>
+            </a:r>
+          </a:p>
+        </p:txBody>
+      </p:sp>
+      <p:cxnSp>
+        <p:nvCxnSpPr>
+          <p:cNvPr id="7" name="Straight Arrow Connector 6"/>
+          <p:cNvCxnSpPr>
+            <a:stCxn id="4" idx="6"/>
+            <a:endCxn id="10" idx="2"/>
+          </p:cNvCxnSpPr>
+          <p:nvPr/>
+        </p:nvCxnSpPr>
+        <p:spPr>
+          <a:xfrm flipV="1">
+            <a:off x="1732978" y="2301214"/>
+            <a:ext cx="1776136" cy="501"/>
+          </a:xfrm>
+          <a:prstGeom prst="straightConnector1">
+            <a:avLst/>
+          </a:prstGeom>
+          <a:ln w="63500">
+            <a:solidFill>
+              <a:schemeClr val="tx1"/>
+            </a:solidFill>
+            <a:tailEnd type="triangle"/>
+          </a:ln>
+        </p:spPr>
+        <p:style>
+          <a:lnRef idx="1">
+            <a:schemeClr val="accent1"/>
+          </a:lnRef>
+          <a:fillRef idx="0">
+            <a:schemeClr val="accent1"/>
+          </a:fillRef>
+          <a:effectRef idx="0">
+            <a:schemeClr val="accent1"/>
+          </a:effectRef>
+          <a:fontRef idx="minor">
+            <a:schemeClr val="tx1"/>
+          </a:fontRef>
+        </p:style>
+      </p:cxnSp>
+      <p:cxnSp>
+        <p:nvCxnSpPr>
+          <p:cNvPr id="8" name="Straight Arrow Connector 7"/>
+          <p:cNvCxnSpPr>
+            <a:stCxn id="12" idx="3"/>
+          </p:cNvCxnSpPr>
+          <p:nvPr/>
+        </p:nvCxnSpPr>
+        <p:spPr>
+          <a:xfrm flipV="1">
+            <a:off x="8009612" y="1703889"/>
+            <a:ext cx="1913481" cy="864"/>
+          </a:xfrm>
+          <a:prstGeom prst="straightConnector1">
+            <a:avLst/>
+          </a:prstGeom>
+          <a:ln w="63500">
+            <a:solidFill>
+              <a:schemeClr val="tx1"/>
+            </a:solidFill>
+            <a:tailEnd type="triangle"/>
+          </a:ln>
+        </p:spPr>
+        <p:style>
+          <a:lnRef idx="1">
+            <a:schemeClr val="accent1"/>
+          </a:lnRef>
+          <a:fillRef idx="0">
+            <a:schemeClr val="accent1"/>
+          </a:fillRef>
+          <a:effectRef idx="0">
+            <a:schemeClr val="accent1"/>
+          </a:effectRef>
+          <a:fontRef idx="minor">
+            <a:schemeClr val="tx1"/>
+          </a:fontRef>
+        </p:style>
+      </p:cxnSp>
+      <p:sp>
+        <p:nvSpPr>
+          <p:cNvPr id="10" name="Oval 9"/>
+          <p:cNvSpPr/>
+          <p:nvPr/>
+        </p:nvSpPr>
+        <p:spPr>
+          <a:xfrm>
+            <a:off x="3509114" y="1844014"/>
+            <a:ext cx="914400" cy="914400"/>
+          </a:xfrm>
+          <a:prstGeom prst="ellipse">
+            <a:avLst/>
+          </a:prstGeom>
+          <a:solidFill>
+            <a:srgbClr val="7030A0"/>
+          </a:solidFill>
+        </p:spPr>
+        <p:style>
+          <a:lnRef idx="2">
+            <a:schemeClr val="accent1">
+              <a:shade val="50000"/>
+            </a:schemeClr>
+          </a:lnRef>
+          <a:fillRef idx="1">
+            <a:schemeClr val="accent1"/>
+          </a:fillRef>
+          <a:effectRef idx="0">
+            <a:schemeClr val="accent1"/>
+          </a:effectRef>
+          <a:fontRef idx="minor">
+            <a:schemeClr val="lt1"/>
+          </a:fontRef>
+        </p:style>
+        <p:txBody>
+          <a:bodyPr rtlCol="0" anchor="ctr"/>
+          <a:lstStyle/>
+          <a:p>
+            <a:pPr algn="ctr"/>
+            <a:r>
+              <a:rPr lang="en-US" sz="3200" dirty="0"/>
+              <a:t>X</a:t>
+            </a:r>
+          </a:p>
+        </p:txBody>
+      </p:sp>
+      <p:graphicFrame>
+        <p:nvGraphicFramePr>
+          <p:cNvPr id="12" name="Table 11"/>
+          <p:cNvGraphicFramePr>
+            <a:graphicFrameLocks noGrp="1"/>
+          </p:cNvGraphicFramePr>
+          <p:nvPr>
+            <p:extLst>
+              <p:ext uri="{D42A27DB-BD31-4B8C-83A1-F6EECF244321}">
+                <p14:modId xmlns:p14="http://schemas.microsoft.com/office/powerpoint/2010/main" val="3525911815"/>
+              </p:ext>
+            </p:extLst>
+          </p:nvPr>
+        </p:nvGraphicFramePr>
+        <p:xfrm>
+          <a:off x="5678418" y="1519333"/>
+          <a:ext cx="2331192" cy="370840"/>
+        </p:xfrm>
+        <a:graphic>
+          <a:graphicData uri="http://schemas.openxmlformats.org/drawingml/2006/table">
+            <a:tbl>
+              <a:tblPr firstRow="1" bandRow="1">
+                <a:tableStyleId>{5C22544A-7EE6-4342-B048-85BDC9FD1C3A}</a:tableStyleId>
+              </a:tblPr>
+              <a:tblGrid>
+                <a:gridCol w="388532">
+                  <a:extLst>
+                    <a:ext uri="{9D8B030D-6E8A-4147-A177-3AD203B41FA5}">
+                      <a16:colId xmlns:a16="http://schemas.microsoft.com/office/drawing/2014/main" val="1268548019"/>
+                    </a:ext>
+                  </a:extLst>
+                </a:gridCol>
+                <a:gridCol w="388532">
+                  <a:extLst>
+                    <a:ext uri="{9D8B030D-6E8A-4147-A177-3AD203B41FA5}">
+                      <a16:colId xmlns:a16="http://schemas.microsoft.com/office/drawing/2014/main" val="305751808"/>
+                    </a:ext>
+                  </a:extLst>
+                </a:gridCol>
+                <a:gridCol w="388532">
+                  <a:extLst>
+                    <a:ext uri="{9D8B030D-6E8A-4147-A177-3AD203B41FA5}">
+                      <a16:colId xmlns:a16="http://schemas.microsoft.com/office/drawing/2014/main" val="12658997"/>
+                    </a:ext>
+                  </a:extLst>
+                </a:gridCol>
+                <a:gridCol w="388532">
+                  <a:extLst>
+                    <a:ext uri="{9D8B030D-6E8A-4147-A177-3AD203B41FA5}">
+                      <a16:colId xmlns:a16="http://schemas.microsoft.com/office/drawing/2014/main" val="2038868142"/>
+                    </a:ext>
+                  </a:extLst>
+                </a:gridCol>
+                <a:gridCol w="388532">
+                  <a:extLst>
+                    <a:ext uri="{9D8B030D-6E8A-4147-A177-3AD203B41FA5}">
+                      <a16:colId xmlns:a16="http://schemas.microsoft.com/office/drawing/2014/main" val="2705479006"/>
+                    </a:ext>
+                  </a:extLst>
+                </a:gridCol>
+                <a:gridCol w="388532">
+                  <a:extLst>
+                    <a:ext uri="{9D8B030D-6E8A-4147-A177-3AD203B41FA5}">
+                      <a16:colId xmlns:a16="http://schemas.microsoft.com/office/drawing/2014/main" val="3486698385"/>
+                    </a:ext>
+                  </a:extLst>
+                </a:gridCol>
+              </a:tblGrid>
+              <a:tr h="370840">
+                <a:tc>
+                  <a:txBody>
+                    <a:bodyPr/>
+                    <a:lstStyle/>
+                    <a:p>
+                      <a:endParaRPr lang="en-US" dirty="0"/>
+                    </a:p>
+                  </a:txBody>
+                  <a:tcPr/>
+                </a:tc>
+                <a:tc>
+                  <a:txBody>
+                    <a:bodyPr/>
+                    <a:lstStyle/>
+                    <a:p>
+                      <a:endParaRPr lang="en-US" dirty="0"/>
+                    </a:p>
+                  </a:txBody>
+                  <a:tcPr/>
+                </a:tc>
+                <a:tc>
+                  <a:txBody>
+                    <a:bodyPr/>
+                    <a:lstStyle/>
+                    <a:p>
+                      <a:endParaRPr lang="en-US" dirty="0"/>
+                    </a:p>
+                  </a:txBody>
+                  <a:tcPr/>
+                </a:tc>
+                <a:tc>
+                  <a:txBody>
+                    <a:bodyPr/>
+                    <a:lstStyle/>
+                    <a:p>
+                      <a:endParaRPr lang="en-US"/>
+                    </a:p>
+                  </a:txBody>
+                  <a:tcPr/>
+                </a:tc>
+                <a:tc>
+                  <a:txBody>
+                    <a:bodyPr/>
+                    <a:lstStyle/>
+                    <a:p>
+                      <a:endParaRPr lang="en-US" dirty="0"/>
+                    </a:p>
+                  </a:txBody>
+                  <a:tcPr/>
+                </a:tc>
+                <a:tc>
+                  <a:txBody>
+                    <a:bodyPr/>
+                    <a:lstStyle/>
+                    <a:p>
+                      <a:endParaRPr lang="en-US" dirty="0"/>
+                    </a:p>
+                  </a:txBody>
+                  <a:tcPr/>
+                </a:tc>
+                <a:extLst>
+                  <a:ext uri="{0D108BD9-81ED-4DB2-BD59-A6C34878D82A}">
+                    <a16:rowId xmlns:a16="http://schemas.microsoft.com/office/drawing/2014/main" val="3708323591"/>
+                  </a:ext>
+                </a:extLst>
+              </a:tr>
+            </a:tbl>
+          </a:graphicData>
+        </a:graphic>
+      </p:graphicFrame>
+      <p:cxnSp>
+        <p:nvCxnSpPr>
+          <p:cNvPr id="13" name="Straight Arrow Connector 12"/>
+          <p:cNvCxnSpPr>
+            <a:stCxn id="10" idx="6"/>
+            <a:endCxn id="12" idx="1"/>
+          </p:cNvCxnSpPr>
+          <p:nvPr/>
+        </p:nvCxnSpPr>
+        <p:spPr>
+          <a:xfrm flipV="1">
+            <a:off x="4423514" y="1704753"/>
+            <a:ext cx="1254904" cy="596461"/>
+          </a:xfrm>
+          <a:prstGeom prst="straightConnector1">
+            <a:avLst/>
+          </a:prstGeom>
+          <a:ln w="63500">
+            <a:solidFill>
+              <a:schemeClr val="tx1"/>
+            </a:solidFill>
+            <a:tailEnd type="triangle"/>
+          </a:ln>
+        </p:spPr>
+        <p:style>
+          <a:lnRef idx="1">
+            <a:schemeClr val="accent1"/>
+          </a:lnRef>
+          <a:fillRef idx="0">
+            <a:schemeClr val="accent1"/>
+          </a:fillRef>
+          <a:effectRef idx="0">
+            <a:schemeClr val="accent1"/>
+          </a:effectRef>
+          <a:fontRef idx="minor">
+            <a:schemeClr val="tx1"/>
+          </a:fontRef>
+        </p:style>
+      </p:cxnSp>
+      <p:sp>
+        <p:nvSpPr>
+          <p:cNvPr id="20" name="TextBox 19"/>
+          <p:cNvSpPr txBox="1"/>
+          <p:nvPr/>
+        </p:nvSpPr>
+        <p:spPr>
+          <a:xfrm>
+            <a:off x="3048879" y="1090761"/>
+            <a:ext cx="1146468" cy="369332"/>
+          </a:xfrm>
+          <a:prstGeom prst="rect">
+            <a:avLst/>
+          </a:prstGeom>
+          <a:noFill/>
+        </p:spPr>
+        <p:txBody>
+          <a:bodyPr wrap="none" rtlCol="0">
+            <a:spAutoFit/>
+          </a:bodyPr>
+          <a:lstStyle/>
+          <a:p>
+            <a:r>
+              <a:rPr lang="en-US" dirty="0" err="1"/>
+              <a:t>RabbitMQ</a:t>
+            </a:r>
+            <a:endParaRPr lang="en-US" dirty="0"/>
+          </a:p>
+        </p:txBody>
+      </p:sp>
+      <p:sp>
+        <p:nvSpPr>
+          <p:cNvPr id="21" name="TextBox 20"/>
+          <p:cNvSpPr txBox="1"/>
+          <p:nvPr/>
+        </p:nvSpPr>
+        <p:spPr>
+          <a:xfrm>
+            <a:off x="5936094" y="2175286"/>
+            <a:ext cx="2073516" cy="369332"/>
+          </a:xfrm>
+          <a:prstGeom prst="rect">
+            <a:avLst/>
+          </a:prstGeom>
+          <a:noFill/>
+        </p:spPr>
+        <p:txBody>
+          <a:bodyPr wrap="none" rtlCol="0">
+            <a:spAutoFit/>
+          </a:bodyPr>
+          <a:lstStyle/>
+          <a:p>
+            <a:r>
+              <a:rPr lang="en-US" dirty="0"/>
+              <a:t>Anonymous Queues</a:t>
+            </a:r>
+          </a:p>
+        </p:txBody>
+      </p:sp>
+      <p:sp>
+        <p:nvSpPr>
+          <p:cNvPr id="15" name="Oval 14"/>
+          <p:cNvSpPr/>
+          <p:nvPr/>
+        </p:nvSpPr>
+        <p:spPr>
+          <a:xfrm>
+            <a:off x="9958518" y="2650344"/>
+            <a:ext cx="1792778" cy="798023"/>
+          </a:xfrm>
+          <a:prstGeom prst="ellipse">
+            <a:avLst/>
+          </a:prstGeom>
+          <a:solidFill>
+            <a:srgbClr val="FFC000"/>
+          </a:solidFill>
+        </p:spPr>
+        <p:style>
+          <a:lnRef idx="2">
+            <a:schemeClr val="accent1">
+              <a:shade val="50000"/>
+            </a:schemeClr>
+          </a:lnRef>
+          <a:fillRef idx="1">
+            <a:schemeClr val="accent1"/>
+          </a:fillRef>
+          <a:effectRef idx="0">
+            <a:schemeClr val="accent1"/>
+          </a:effectRef>
+          <a:fontRef idx="minor">
+            <a:schemeClr val="lt1"/>
+          </a:fontRef>
+        </p:style>
+        <p:txBody>
+          <a:bodyPr rtlCol="0" anchor="ctr"/>
+          <a:lstStyle/>
+          <a:p>
+            <a:pPr algn="ctr"/>
+            <a:r>
+              <a:rPr lang="en-US" sz="2400" dirty="0"/>
+              <a:t>Receiver</a:t>
+            </a:r>
+          </a:p>
+        </p:txBody>
+      </p:sp>
+      <p:cxnSp>
+        <p:nvCxnSpPr>
+          <p:cNvPr id="16" name="Straight Arrow Connector 15"/>
+          <p:cNvCxnSpPr>
+            <a:stCxn id="17" idx="3"/>
+            <a:endCxn id="15" idx="2"/>
+          </p:cNvCxnSpPr>
+          <p:nvPr/>
+        </p:nvCxnSpPr>
+        <p:spPr>
+          <a:xfrm flipV="1">
+            <a:off x="8009612" y="3049356"/>
+            <a:ext cx="1948906" cy="41"/>
+          </a:xfrm>
+          <a:prstGeom prst="straightConnector1">
+            <a:avLst/>
+          </a:prstGeom>
+          <a:ln w="63500">
+            <a:solidFill>
+              <a:schemeClr val="tx1"/>
+            </a:solidFill>
+            <a:tailEnd type="triangle"/>
+          </a:ln>
+        </p:spPr>
+        <p:style>
+          <a:lnRef idx="1">
+            <a:schemeClr val="accent1"/>
+          </a:lnRef>
+          <a:fillRef idx="0">
+            <a:schemeClr val="accent1"/>
+          </a:fillRef>
+          <a:effectRef idx="0">
+            <a:schemeClr val="accent1"/>
+          </a:effectRef>
+          <a:fontRef idx="minor">
+            <a:schemeClr val="tx1"/>
+          </a:fontRef>
+        </p:style>
+      </p:cxnSp>
+      <p:graphicFrame>
+        <p:nvGraphicFramePr>
+          <p:cNvPr id="17" name="Table 16"/>
+          <p:cNvGraphicFramePr>
+            <a:graphicFrameLocks noGrp="1"/>
+          </p:cNvGraphicFramePr>
+          <p:nvPr>
+            <p:extLst>
+              <p:ext uri="{D42A27DB-BD31-4B8C-83A1-F6EECF244321}">
+                <p14:modId xmlns:p14="http://schemas.microsoft.com/office/powerpoint/2010/main" val="2555997869"/>
+              </p:ext>
+            </p:extLst>
+          </p:nvPr>
+        </p:nvGraphicFramePr>
+        <p:xfrm>
+          <a:off x="5678420" y="2863977"/>
+          <a:ext cx="2331192" cy="370840"/>
+        </p:xfrm>
+        <a:graphic>
+          <a:graphicData uri="http://schemas.openxmlformats.org/drawingml/2006/table">
+            <a:tbl>
+              <a:tblPr firstRow="1" bandRow="1">
+                <a:tableStyleId>{5C22544A-7EE6-4342-B048-85BDC9FD1C3A}</a:tableStyleId>
+              </a:tblPr>
+              <a:tblGrid>
+                <a:gridCol w="388532">
+                  <a:extLst>
+                    <a:ext uri="{9D8B030D-6E8A-4147-A177-3AD203B41FA5}">
+                      <a16:colId xmlns:a16="http://schemas.microsoft.com/office/drawing/2014/main" val="1268548019"/>
+                    </a:ext>
+                  </a:extLst>
+                </a:gridCol>
+                <a:gridCol w="388532">
+                  <a:extLst>
+                    <a:ext uri="{9D8B030D-6E8A-4147-A177-3AD203B41FA5}">
+                      <a16:colId xmlns:a16="http://schemas.microsoft.com/office/drawing/2014/main" val="305751808"/>
+                    </a:ext>
+                  </a:extLst>
+                </a:gridCol>
+                <a:gridCol w="388532">
+                  <a:extLst>
+                    <a:ext uri="{9D8B030D-6E8A-4147-A177-3AD203B41FA5}">
+                      <a16:colId xmlns:a16="http://schemas.microsoft.com/office/drawing/2014/main" val="12658997"/>
+                    </a:ext>
+                  </a:extLst>
+                </a:gridCol>
+                <a:gridCol w="388532">
+                  <a:extLst>
+                    <a:ext uri="{9D8B030D-6E8A-4147-A177-3AD203B41FA5}">
+                      <a16:colId xmlns:a16="http://schemas.microsoft.com/office/drawing/2014/main" val="2038868142"/>
+                    </a:ext>
+                  </a:extLst>
+                </a:gridCol>
+                <a:gridCol w="388532">
+                  <a:extLst>
+                    <a:ext uri="{9D8B030D-6E8A-4147-A177-3AD203B41FA5}">
+                      <a16:colId xmlns:a16="http://schemas.microsoft.com/office/drawing/2014/main" val="2705479006"/>
+                    </a:ext>
+                  </a:extLst>
+                </a:gridCol>
+                <a:gridCol w="388532">
+                  <a:extLst>
+                    <a:ext uri="{9D8B030D-6E8A-4147-A177-3AD203B41FA5}">
+                      <a16:colId xmlns:a16="http://schemas.microsoft.com/office/drawing/2014/main" val="3486698385"/>
+                    </a:ext>
+                  </a:extLst>
+                </a:gridCol>
+              </a:tblGrid>
+              <a:tr h="370840">
+                <a:tc>
+                  <a:txBody>
+                    <a:bodyPr/>
+                    <a:lstStyle/>
+                    <a:p>
+                      <a:endParaRPr lang="en-US" dirty="0"/>
+                    </a:p>
+                  </a:txBody>
+                  <a:tcPr/>
+                </a:tc>
+                <a:tc>
+                  <a:txBody>
+                    <a:bodyPr/>
+                    <a:lstStyle/>
+                    <a:p>
+                      <a:endParaRPr lang="en-US" dirty="0"/>
+                    </a:p>
+                  </a:txBody>
+                  <a:tcPr/>
+                </a:tc>
+                <a:tc>
+                  <a:txBody>
+                    <a:bodyPr/>
+                    <a:lstStyle/>
+                    <a:p>
+                      <a:endParaRPr lang="en-US"/>
+                    </a:p>
+                  </a:txBody>
+                  <a:tcPr/>
+                </a:tc>
+                <a:tc>
+                  <a:txBody>
+                    <a:bodyPr/>
+                    <a:lstStyle/>
+                    <a:p>
+                      <a:endParaRPr lang="en-US"/>
+                    </a:p>
+                  </a:txBody>
+                  <a:tcPr/>
+                </a:tc>
+                <a:tc>
+                  <a:txBody>
+                    <a:bodyPr/>
+                    <a:lstStyle/>
+                    <a:p>
+                      <a:endParaRPr lang="en-US" dirty="0"/>
+                    </a:p>
+                  </a:txBody>
+                  <a:tcPr/>
+                </a:tc>
+                <a:tc>
+                  <a:txBody>
+                    <a:bodyPr/>
+                    <a:lstStyle/>
+                    <a:p>
+                      <a:endParaRPr lang="en-US" dirty="0"/>
+                    </a:p>
+                  </a:txBody>
+                  <a:tcPr/>
+                </a:tc>
+                <a:extLst>
+                  <a:ext uri="{0D108BD9-81ED-4DB2-BD59-A6C34878D82A}">
+                    <a16:rowId xmlns:a16="http://schemas.microsoft.com/office/drawing/2014/main" val="3708323591"/>
+                  </a:ext>
+                </a:extLst>
+              </a:tr>
+            </a:tbl>
+          </a:graphicData>
+        </a:graphic>
+      </p:graphicFrame>
+      <p:cxnSp>
+        <p:nvCxnSpPr>
+          <p:cNvPr id="18" name="Straight Arrow Connector 17"/>
+          <p:cNvCxnSpPr>
+            <a:endCxn id="17" idx="1"/>
+          </p:cNvCxnSpPr>
+          <p:nvPr/>
+        </p:nvCxnSpPr>
+        <p:spPr>
+          <a:xfrm>
+            <a:off x="4423514" y="2294959"/>
+            <a:ext cx="1254906" cy="754438"/>
+          </a:xfrm>
+          <a:prstGeom prst="straightConnector1">
+            <a:avLst/>
+          </a:prstGeom>
+          <a:ln w="63500">
+            <a:solidFill>
+              <a:schemeClr val="tx1"/>
+            </a:solidFill>
+            <a:tailEnd type="triangle"/>
+          </a:ln>
+        </p:spPr>
+        <p:style>
+          <a:lnRef idx="1">
+            <a:schemeClr val="accent1"/>
+          </a:lnRef>
+          <a:fillRef idx="0">
+            <a:schemeClr val="accent1"/>
+          </a:fillRef>
+          <a:effectRef idx="0">
+            <a:schemeClr val="accent1"/>
+          </a:effectRef>
+          <a:fontRef idx="minor">
+            <a:schemeClr val="tx1"/>
+          </a:fontRef>
+        </p:style>
+      </p:cxnSp>
+      <p:sp>
+        <p:nvSpPr>
+          <p:cNvPr id="22" name="TextBox 21"/>
+          <p:cNvSpPr txBox="1"/>
+          <p:nvPr/>
+        </p:nvSpPr>
+        <p:spPr>
+          <a:xfrm>
+            <a:off x="5678418" y="1082029"/>
+            <a:ext cx="1883977" cy="369332"/>
+          </a:xfrm>
+          <a:prstGeom prst="rect">
+            <a:avLst/>
+          </a:prstGeom>
+          <a:noFill/>
+        </p:spPr>
+        <p:txBody>
+          <a:bodyPr wrap="none" rtlCol="0">
+            <a:spAutoFit/>
+          </a:bodyPr>
+          <a:lstStyle/>
+          <a:p>
+            <a:r>
+              <a:rPr lang="en-US" dirty="0"/>
+              <a:t>WARN and ERROR</a:t>
+            </a:r>
+          </a:p>
+        </p:txBody>
+      </p:sp>
+      <p:sp>
+        <p:nvSpPr>
+          <p:cNvPr id="23" name="TextBox 22"/>
+          <p:cNvSpPr txBox="1"/>
+          <p:nvPr/>
+        </p:nvSpPr>
+        <p:spPr>
+          <a:xfrm>
+            <a:off x="5678417" y="3223885"/>
+            <a:ext cx="1306127" cy="369332"/>
+          </a:xfrm>
+          <a:prstGeom prst="rect">
+            <a:avLst/>
+          </a:prstGeom>
+          <a:noFill/>
+        </p:spPr>
+        <p:txBody>
+          <a:bodyPr wrap="none" rtlCol="0">
+            <a:spAutoFit/>
+          </a:bodyPr>
+          <a:lstStyle/>
+          <a:p>
+            <a:r>
+              <a:rPr lang="en-US" dirty="0"/>
+              <a:t>Only ERROR</a:t>
+            </a:r>
           </a:p>
         </p:txBody>
       </p:sp>
     </p:spTree>
     <p:extLst>
       <p:ext uri="{BB962C8B-B14F-4D97-AF65-F5344CB8AC3E}">
-        <p14:creationId xmlns:p14="http://schemas.microsoft.com/office/powerpoint/2010/main" val="329520122"/>
+        <p14:creationId xmlns:p14="http://schemas.microsoft.com/office/powerpoint/2010/main" val="1726382790"/>
       </p:ext>
     </p:extLst>
   </p:cSld>
@@ -15221,10 +17657,9 @@
           <a:lstStyle/>
           <a:p>
             <a:r>
-              <a:rPr lang="en-US" dirty="0" smtClean="0"/>
-              <a:t>Creating a Token</a:t>
-            </a:r>
-            <a:endParaRPr lang="en-US" dirty="0"/>
+              <a:rPr lang="en-US" dirty="0"/>
+              <a:t>Topic Exchange</a:t>
+            </a:r>
           </a:p>
         </p:txBody>
       </p:sp>
@@ -15240,8 +17675,8 @@
         </p:nvSpPr>
         <p:spPr>
           <a:xfrm>
-            <a:off x="266007" y="1825624"/>
-            <a:ext cx="11696008" cy="4874433"/>
+            <a:off x="190919" y="1825625"/>
+            <a:ext cx="11836958" cy="4866577"/>
           </a:xfrm>
         </p:spPr>
         <p:txBody>
@@ -15251,108 +17686,120 @@
           <a:lstStyle/>
           <a:p>
             <a:r>
-              <a:rPr lang="en-US" dirty="0" smtClean="0"/>
-              <a:t>Server could be instructed to create a token when receiving a HTTP request with header “</a:t>
-            </a:r>
+              <a:rPr lang="en-US" dirty="0"/>
+              <a:t>Broadcast like Direct Exchange</a:t>
+            </a:r>
+          </a:p>
+          <a:p>
+            <a:r>
+              <a:rPr lang="en-US" dirty="0"/>
+              <a:t>But finer grained way to specify routing to queues</a:t>
+            </a:r>
+          </a:p>
+          <a:p>
             <a:r>
               <a:rPr lang="en-US" i="1" dirty="0"/>
-              <a:t>Authorization: Basic </a:t>
-            </a:r>
-            <a:r>
-              <a:rPr lang="en-US" i="1" dirty="0" smtClean="0"/>
-              <a:t>…</a:t>
-            </a:r>
-            <a:r>
-              <a:rPr lang="en-US" dirty="0" smtClean="0"/>
+              <a:t>Topic</a:t>
+            </a:r>
+            <a:r>
+              <a:rPr lang="en-US" dirty="0"/>
+              <a:t>: list of words separated by “</a:t>
+            </a:r>
+            <a:r>
+              <a:rPr lang="en-US" b="1" dirty="0"/>
+              <a:t>.</a:t>
+            </a:r>
+            <a:r>
+              <a:rPr lang="en-US" dirty="0"/>
               <a:t>”</a:t>
             </a:r>
           </a:p>
           <a:p>
             <a:r>
-              <a:rPr lang="en-US" dirty="0" smtClean="0"/>
-              <a:t>This could be on any endpoint…</a:t>
-            </a:r>
-          </a:p>
-          <a:p>
-            <a:r>
-              <a:rPr lang="en-US" dirty="0" smtClean="0"/>
-              <a:t>… and/or could have a specific endpoint, e.g. “</a:t>
-            </a:r>
-            <a:r>
-              <a:rPr lang="en-US" i="1" dirty="0" smtClean="0"/>
-              <a:t>/login</a:t>
-            </a:r>
-            <a:r>
-              <a:rPr lang="en-US" dirty="0" smtClean="0"/>
-              <a:t>”</a:t>
-            </a:r>
-          </a:p>
-          <a:p>
-            <a:r>
-              <a:rPr lang="en-US" dirty="0" smtClean="0"/>
-              <a:t>But, in that case, I could choose how I want to send the </a:t>
-            </a:r>
-            <a:r>
-              <a:rPr lang="en-US" i="1" dirty="0" smtClean="0"/>
-              <a:t>id/</a:t>
-            </a:r>
-            <a:r>
-              <a:rPr lang="en-US" i="1" dirty="0" err="1" smtClean="0"/>
-              <a:t>pwd</a:t>
-            </a:r>
-            <a:r>
-              <a:rPr lang="en-US" dirty="0" smtClean="0"/>
-              <a:t> pair</a:t>
-            </a:r>
-          </a:p>
-          <a:p>
-            <a:r>
-              <a:rPr lang="en-US" i="1" dirty="0" smtClean="0"/>
-              <a:t>POST /login {“id”: id, “password”: </a:t>
-            </a:r>
-            <a:r>
-              <a:rPr lang="en-US" i="1" dirty="0" err="1" smtClean="0"/>
-              <a:t>pwd</a:t>
-            </a:r>
-            <a:r>
-              <a:rPr lang="en-US" i="1" dirty="0" smtClean="0"/>
-              <a:t>}</a:t>
+              <a:rPr lang="en-US" dirty="0"/>
+              <a:t>Receiver specifies the topic it wants to pull for</a:t>
+            </a:r>
+          </a:p>
+          <a:p>
+            <a:r>
+              <a:rPr lang="en-US" dirty="0"/>
+              <a:t>Special symbols: “</a:t>
+            </a:r>
+            <a:r>
+              <a:rPr lang="en-US" b="1" dirty="0"/>
+              <a:t>*</a:t>
+            </a:r>
+            <a:r>
+              <a:rPr lang="en-US" dirty="0"/>
+              <a:t>” substitutes 1 word, “</a:t>
+            </a:r>
+            <a:r>
+              <a:rPr lang="en-US" b="1" dirty="0"/>
+              <a:t>#</a:t>
+            </a:r>
+            <a:r>
+              <a:rPr lang="en-US" dirty="0"/>
+              <a:t>” substitute 0 or more words</a:t>
+            </a:r>
+          </a:p>
+          <a:p>
+            <a:r>
+              <a:rPr lang="en-US" dirty="0"/>
+              <a:t>Ex, consider topic “</a:t>
+            </a:r>
+            <a:r>
+              <a:rPr lang="en-US" i="1" dirty="0" err="1"/>
+              <a:t>author.country.kind</a:t>
+            </a:r>
+            <a:r>
+              <a:rPr lang="en-US" dirty="0"/>
+              <a:t>” for news</a:t>
             </a:r>
           </a:p>
           <a:p>
             <a:pPr lvl="1"/>
             <a:r>
-              <a:rPr lang="en-US" dirty="0" smtClean="0"/>
-              <a:t>in SPAs, wants to send in </a:t>
-            </a:r>
-            <a:r>
-              <a:rPr lang="en-US" i="1" dirty="0" smtClean="0"/>
-              <a:t>JSON</a:t>
-            </a:r>
-            <a:r>
-              <a:rPr lang="en-US" dirty="0" smtClean="0"/>
-              <a:t> instead of </a:t>
-            </a:r>
-            <a:r>
-              <a:rPr lang="en-US" i="1" dirty="0" smtClean="0"/>
-              <a:t>x-www-form-</a:t>
-            </a:r>
-            <a:r>
-              <a:rPr lang="en-US" i="1" dirty="0" err="1" smtClean="0"/>
-              <a:t>urlencoded</a:t>
-            </a:r>
-            <a:r>
-              <a:rPr lang="en-US" dirty="0" smtClean="0"/>
-              <a:t> to help protecting from CSRF attacks</a:t>
-            </a:r>
-            <a:endParaRPr lang="en-US" dirty="0"/>
+              <a:rPr lang="en-US" dirty="0"/>
+              <a:t>“</a:t>
+            </a:r>
+            <a:r>
+              <a:rPr lang="en-US" i="1" dirty="0"/>
+              <a:t>*.</a:t>
+            </a:r>
+            <a:r>
+              <a:rPr lang="en-US" i="1" dirty="0" err="1"/>
+              <a:t>norway</a:t>
+            </a:r>
+            <a:r>
+              <a:rPr lang="en-US" i="1" dirty="0"/>
+              <a:t>.*</a:t>
+            </a:r>
+            <a:r>
+              <a:rPr lang="en-US" dirty="0"/>
+              <a:t>”: any news from Norway, regardless of author or kind</a:t>
+            </a:r>
+          </a:p>
+          <a:p>
+            <a:pPr lvl="1"/>
+            <a:r>
+              <a:rPr lang="en-US" dirty="0"/>
+              <a:t>“</a:t>
+            </a:r>
+            <a:r>
+              <a:rPr lang="en-US" i="1" dirty="0"/>
+              <a:t>smith.#</a:t>
+            </a:r>
+            <a:r>
+              <a:rPr lang="en-US" dirty="0"/>
+              <a:t>”: any news from author Smith</a:t>
+            </a:r>
           </a:p>
         </p:txBody>
       </p:sp>
     </p:spTree>
     <p:extLst>
       <p:ext uri="{BB962C8B-B14F-4D97-AF65-F5344CB8AC3E}">
-        <p14:creationId xmlns:p14="http://schemas.microsoft.com/office/powerpoint/2010/main" val="37975566"/>
+        <p14:creationId xmlns:p14="http://schemas.microsoft.com/office/powerpoint/2010/main" val="1031992537"/>
       </p:ext>
     </p:extLst>
   </p:cSld>
